--- a/Mosab_Aboidrees_Abdelrahman_Mohammed_Draft_Presentation.pptx
+++ b/Mosab_Aboidrees_Abdelrahman_Mohammed_Draft_Presentation.pptx
@@ -8,7 +8,7 @@
     <p:sldMasterId id="2147483717" r:id="rId7"/>
   </p:sldMasterIdLst>
   <p:notesMasterIdLst>
-    <p:notesMasterId r:id="rId28"/>
+    <p:notesMasterId r:id="rId29"/>
   </p:notesMasterIdLst>
   <p:sldIdLst>
     <p:sldId id="450" r:id="rId8"/>
@@ -20,17 +20,18 @@
     <p:sldId id="426" r:id="rId14"/>
     <p:sldId id="448" r:id="rId15"/>
     <p:sldId id="417" r:id="rId16"/>
-    <p:sldId id="434" r:id="rId17"/>
-    <p:sldId id="453" r:id="rId18"/>
-    <p:sldId id="429" r:id="rId19"/>
-    <p:sldId id="435" r:id="rId20"/>
-    <p:sldId id="436" r:id="rId21"/>
-    <p:sldId id="455" r:id="rId22"/>
-    <p:sldId id="440" r:id="rId23"/>
-    <p:sldId id="454" r:id="rId24"/>
-    <p:sldId id="446" r:id="rId25"/>
-    <p:sldId id="447" r:id="rId26"/>
-    <p:sldId id="406" r:id="rId27"/>
+    <p:sldId id="457" r:id="rId17"/>
+    <p:sldId id="434" r:id="rId18"/>
+    <p:sldId id="453" r:id="rId19"/>
+    <p:sldId id="429" r:id="rId20"/>
+    <p:sldId id="435" r:id="rId21"/>
+    <p:sldId id="436" r:id="rId22"/>
+    <p:sldId id="455" r:id="rId23"/>
+    <p:sldId id="440" r:id="rId24"/>
+    <p:sldId id="454" r:id="rId25"/>
+    <p:sldId id="446" r:id="rId26"/>
+    <p:sldId id="447" r:id="rId27"/>
+    <p:sldId id="406" r:id="rId28"/>
   </p:sldIdLst>
   <p:sldSz cx="12192000" cy="6858000"/>
   <p:notesSz cx="6858000" cy="9144000"/>
@@ -235,7 +236,7 @@
           </a:lstStyle>
           <a:p>
             <a:fld id="{E14C8F11-D0DF-4008-860B-4A7D93BC166E}" type="datetimeFigureOut">
-              <a:t>10/1/2024</a:t>
+              <a:t>10/7/2024</a:t>
             </a:fld>
             <a:endParaRPr lang="en-US"/>
           </a:p>
@@ -997,7 +998,7 @@
           <a:p>
             <a:fld id="{7E2C2A8A-8D13-4B94-B9F1-C53F69A20F96}" type="slidenum">
               <a:rPr lang="en-TR" smtClean="0"/>
-              <a:t>10</a:t>
+              <a:t>11</a:t>
             </a:fld>
             <a:endParaRPr lang="en-TR"/>
           </a:p>
@@ -1081,7 +1082,7 @@
           <a:p>
             <a:fld id="{72E1486C-A7A5-4436-8111-6FB9AC8714F1}" type="slidenum">
               <a:rPr lang="ko-KR" altLang="en-US" smtClean="0"/>
-              <a:t>20</a:t>
+              <a:t>21</a:t>
             </a:fld>
             <a:endParaRPr lang="ko-KR" altLang="en-US"/>
           </a:p>
@@ -14838,6 +14839,198 @@
           <p:cNvPr id="2" name="Title 1">
             <a:extLst>
               <a:ext uri="{FF2B5EF4-FFF2-40B4-BE49-F238E27FC236}">
+                <a16:creationId xmlns:a16="http://schemas.microsoft.com/office/drawing/2014/main" id="{D7ADAAE5-381C-CD0B-EE7D-FFA2793029BB}"/>
+              </a:ext>
+            </a:extLst>
+          </p:cNvPr>
+          <p:cNvSpPr>
+            <a:spLocks noGrp="1"/>
+          </p:cNvSpPr>
+          <p:nvPr>
+            <p:ph type="title"/>
+          </p:nvPr>
+        </p:nvSpPr>
+        <p:spPr/>
+        <p:txBody>
+          <a:bodyPr>
+            <a:normAutofit fontScale="90000"/>
+          </a:bodyPr>
+          <a:lstStyle/>
+          <a:p>
+            <a:r>
+              <a:rPr lang="en-US" b="1" dirty="0"/>
+              <a:t>Exploratory Data Analysis (EDA)</a:t>
+            </a:r>
+            <a:r>
+              <a:rPr lang="tr-TR" b="1" dirty="0"/>
+              <a:t> </a:t>
+            </a:r>
+            <a:r>
+              <a:rPr lang="tr-TR" b="1" dirty="0" err="1"/>
+              <a:t>and</a:t>
+            </a:r>
+            <a:r>
+              <a:rPr lang="tr-TR" b="1" dirty="0"/>
+              <a:t> </a:t>
+            </a:r>
+            <a:r>
+              <a:rPr lang="en-US" b="1" dirty="0"/>
+              <a:t>Feature Engineering</a:t>
+            </a:r>
+            <a:endParaRPr lang="en-US" dirty="0"/>
+          </a:p>
+        </p:txBody>
+      </p:sp>
+      <p:sp>
+        <p:nvSpPr>
+          <p:cNvPr id="3" name="Content Placeholder 2">
+            <a:extLst>
+              <a:ext uri="{FF2B5EF4-FFF2-40B4-BE49-F238E27FC236}">
+                <a16:creationId xmlns:a16="http://schemas.microsoft.com/office/drawing/2014/main" id="{49597485-93FC-3A85-4AF6-E359BCF029EE}"/>
+              </a:ext>
+            </a:extLst>
+          </p:cNvPr>
+          <p:cNvSpPr>
+            <a:spLocks noGrp="1"/>
+          </p:cNvSpPr>
+          <p:nvPr>
+            <p:ph idx="1"/>
+          </p:nvPr>
+        </p:nvSpPr>
+        <p:spPr/>
+        <p:txBody>
+          <a:bodyPr/>
+          <a:lstStyle/>
+          <a:p>
+            <a:endParaRPr lang="en-US" dirty="0"/>
+          </a:p>
+        </p:txBody>
+      </p:sp>
+      <p:pic>
+        <p:nvPicPr>
+          <p:cNvPr id="5" name="Picture 4">
+            <a:extLst>
+              <a:ext uri="{FF2B5EF4-FFF2-40B4-BE49-F238E27FC236}">
+                <a16:creationId xmlns:a16="http://schemas.microsoft.com/office/drawing/2014/main" id="{593B77E4-B5F9-3BCD-D3C9-DFAB86072992}"/>
+              </a:ext>
+            </a:extLst>
+          </p:cNvPr>
+          <p:cNvPicPr>
+            <a:picLocks noChangeAspect="1"/>
+          </p:cNvPicPr>
+          <p:nvPr/>
+        </p:nvPicPr>
+        <p:blipFill>
+          <a:blip r:embed="rId2"/>
+          <a:stretch>
+            <a:fillRect/>
+          </a:stretch>
+        </p:blipFill>
+        <p:spPr>
+          <a:xfrm>
+            <a:off x="3661444" y="1849838"/>
+            <a:ext cx="5549876" cy="2194628"/>
+          </a:xfrm>
+          <a:prstGeom prst="rect">
+            <a:avLst/>
+          </a:prstGeom>
+        </p:spPr>
+      </p:pic>
+      <p:pic>
+        <p:nvPicPr>
+          <p:cNvPr id="7" name="Picture 6">
+            <a:extLst>
+              <a:ext uri="{FF2B5EF4-FFF2-40B4-BE49-F238E27FC236}">
+                <a16:creationId xmlns:a16="http://schemas.microsoft.com/office/drawing/2014/main" id="{A10B046E-7FB3-C7A3-CAFE-75BB72F8D047}"/>
+              </a:ext>
+            </a:extLst>
+          </p:cNvPr>
+          <p:cNvPicPr>
+            <a:picLocks noChangeAspect="1"/>
+          </p:cNvPicPr>
+          <p:nvPr/>
+        </p:nvPicPr>
+        <p:blipFill>
+          <a:blip r:embed="rId3"/>
+          <a:stretch>
+            <a:fillRect/>
+          </a:stretch>
+        </p:blipFill>
+        <p:spPr>
+          <a:xfrm>
+            <a:off x="6278467" y="4123363"/>
+            <a:ext cx="5710547" cy="2255486"/>
+          </a:xfrm>
+          <a:prstGeom prst="rect">
+            <a:avLst/>
+          </a:prstGeom>
+        </p:spPr>
+      </p:pic>
+      <p:pic>
+        <p:nvPicPr>
+          <p:cNvPr id="9" name="Picture 8">
+            <a:extLst>
+              <a:ext uri="{FF2B5EF4-FFF2-40B4-BE49-F238E27FC236}">
+                <a16:creationId xmlns:a16="http://schemas.microsoft.com/office/drawing/2014/main" id="{A22EB876-02AA-CD3B-5F2D-7E68533C7A0D}"/>
+              </a:ext>
+            </a:extLst>
+          </p:cNvPr>
+          <p:cNvPicPr>
+            <a:picLocks noChangeAspect="1"/>
+          </p:cNvPicPr>
+          <p:nvPr/>
+        </p:nvPicPr>
+        <p:blipFill>
+          <a:blip r:embed="rId4"/>
+          <a:stretch>
+            <a:fillRect/>
+          </a:stretch>
+        </p:blipFill>
+        <p:spPr>
+          <a:xfrm>
+            <a:off x="570720" y="4123363"/>
+            <a:ext cx="5631533" cy="2255486"/>
+          </a:xfrm>
+          <a:prstGeom prst="rect">
+            <a:avLst/>
+          </a:prstGeom>
+        </p:spPr>
+      </p:pic>
+    </p:spTree>
+    <p:extLst>
+      <p:ext uri="{BB962C8B-B14F-4D97-AF65-F5344CB8AC3E}">
+        <p14:creationId xmlns:p14="http://schemas.microsoft.com/office/powerpoint/2010/main" val="1890287164"/>
+      </p:ext>
+    </p:extLst>
+  </p:cSld>
+  <p:clrMapOvr>
+    <a:masterClrMapping/>
+  </p:clrMapOvr>
+</p:sld>
+</file>
+
+<file path=ppt/slides/slide11.xml><?xml version="1.0" encoding="utf-8"?>
+<p:sld xmlns:a="http://schemas.openxmlformats.org/drawingml/2006/main" xmlns:r="http://schemas.openxmlformats.org/officeDocument/2006/relationships" xmlns:p="http://schemas.openxmlformats.org/presentationml/2006/main">
+  <p:cSld>
+    <p:spTree>
+      <p:nvGrpSpPr>
+        <p:cNvPr id="1" name=""/>
+        <p:cNvGrpSpPr/>
+        <p:nvPr/>
+      </p:nvGrpSpPr>
+      <p:grpSpPr>
+        <a:xfrm>
+          <a:off x="0" y="0"/>
+          <a:ext cx="0" cy="0"/>
+          <a:chOff x="0" y="0"/>
+          <a:chExt cx="0" cy="0"/>
+        </a:xfrm>
+      </p:grpSpPr>
+      <p:sp>
+        <p:nvSpPr>
+          <p:cNvPr id="2" name="Title 1">
+            <a:extLst>
+              <a:ext uri="{FF2B5EF4-FFF2-40B4-BE49-F238E27FC236}">
                 <a16:creationId xmlns:a16="http://schemas.microsoft.com/office/drawing/2014/main" id="{F6601C89-436E-AD3C-AF5A-DEC59B995445}"/>
               </a:ext>
             </a:extLst>
@@ -14951,8 +15144,8 @@
         </p:nvSpPr>
         <p:spPr bwMode="auto">
           <a:xfrm>
-            <a:off x="1039653" y="2333312"/>
-            <a:ext cx="10112695" cy="3970318"/>
+            <a:off x="877075" y="2335362"/>
+            <a:ext cx="5906580" cy="3785652"/>
           </a:xfrm>
           <a:prstGeom prst="rect">
             <a:avLst/>
@@ -15012,7 +15205,7 @@
               </a:spcAft>
             </a:pPr>
             <a:r>
-              <a:rPr kumimoji="0" lang="en-US" altLang="en-US" b="1" i="0" u="none" strike="noStrike" cap="none" normalizeH="0" baseline="0" dirty="0">
+              <a:rPr kumimoji="0" lang="en-US" altLang="en-US" sz="2400" b="1" i="0" u="none" strike="noStrike" cap="none" normalizeH="0" baseline="0" dirty="0">
                 <a:ln>
                   <a:noFill/>
                 </a:ln>
@@ -15024,7 +15217,7 @@
               </a:rPr>
               <a:t>EDA:</a:t>
             </a:r>
-            <a:endParaRPr kumimoji="0" lang="en-US" altLang="en-US" b="0" i="0" u="none" strike="noStrike" cap="none" normalizeH="0" baseline="0" dirty="0">
+            <a:endParaRPr kumimoji="0" lang="en-US" altLang="en-US" sz="2400" b="0" i="0" u="none" strike="noStrike" cap="none" normalizeH="0" baseline="0" dirty="0">
               <a:ln>
                 <a:noFill/>
               </a:ln>
@@ -15048,7 +15241,7 @@
               </a:spcAft>
             </a:pPr>
             <a:r>
-              <a:rPr kumimoji="0" lang="en-US" altLang="en-US" sz="2800" b="0" i="0" u="none" strike="noStrike" cap="none" normalizeH="0" baseline="0" dirty="0">
+              <a:rPr kumimoji="0" lang="en-US" altLang="en-US" b="0" i="0" u="none" strike="noStrike" cap="none" normalizeH="0" baseline="0" dirty="0">
                 <a:ln>
                   <a:noFill/>
                 </a:ln>
@@ -15058,8 +15251,44 @@
                 <a:effectLst/>
                 <a:latin typeface="Arial" panose="020B0604020202020204" pitchFamily="34" charset="0"/>
               </a:rPr>
-              <a:t>Time-series plots of ECG signals were generated to visualize patterns.</a:t>
-            </a:r>
+              <a:t>Scalograms (time-frequency representations) were created using CWT to capture both time and frequency-domain features.</a:t>
+            </a:r>
+          </a:p>
+          <a:p>
+            <a:pPr eaLnBrk="0" fontAlgn="base" hangingPunct="0">
+              <a:lnSpc>
+                <a:spcPct val="100000"/>
+              </a:lnSpc>
+              <a:spcBef>
+                <a:spcPct val="0"/>
+              </a:spcBef>
+              <a:spcAft>
+                <a:spcPct val="0"/>
+              </a:spcAft>
+            </a:pPr>
+            <a:r>
+              <a:rPr kumimoji="0" lang="en-US" altLang="en-US" sz="2400" b="1" i="0" u="none" strike="noStrike" cap="none" normalizeH="0" baseline="0" dirty="0">
+                <a:ln>
+                  <a:noFill/>
+                </a:ln>
+                <a:solidFill>
+                  <a:schemeClr val="tx1"/>
+                </a:solidFill>
+                <a:effectLst/>
+                <a:latin typeface="Arial" panose="020B0604020202020204" pitchFamily="34" charset="0"/>
+              </a:rPr>
+              <a:t>Feature Engineering:</a:t>
+            </a:r>
+            <a:endParaRPr kumimoji="0" lang="en-US" altLang="en-US" sz="2400" b="0" i="0" u="none" strike="noStrike" cap="none" normalizeH="0" baseline="0" dirty="0">
+              <a:ln>
+                <a:noFill/>
+              </a:ln>
+              <a:solidFill>
+                <a:schemeClr val="tx1"/>
+              </a:solidFill>
+              <a:effectLst/>
+              <a:latin typeface="Arial" panose="020B0604020202020204" pitchFamily="34" charset="0"/>
+            </a:endParaRPr>
           </a:p>
           <a:p>
             <a:pPr lvl="1" eaLnBrk="0" fontAlgn="base" hangingPunct="0">
@@ -15074,69 +15303,7 @@
               </a:spcAft>
             </a:pPr>
             <a:r>
-              <a:rPr kumimoji="0" lang="en-US" altLang="en-US" sz="2800" b="0" i="0" u="none" strike="noStrike" cap="none" normalizeH="0" baseline="0" dirty="0">
-                <a:ln>
-                  <a:noFill/>
-                </a:ln>
-                <a:solidFill>
-                  <a:schemeClr val="tx1"/>
-                </a:solidFill>
-                <a:effectLst/>
-                <a:latin typeface="Arial" panose="020B0604020202020204" pitchFamily="34" charset="0"/>
-              </a:rPr>
-              <a:t>Scalograms (time-frequency representations) were created using CWT to capture both time and frequency-domain features.</a:t>
-            </a:r>
-          </a:p>
-          <a:p>
-            <a:pPr eaLnBrk="0" fontAlgn="base" hangingPunct="0">
-              <a:lnSpc>
-                <a:spcPct val="100000"/>
-              </a:lnSpc>
-              <a:spcBef>
-                <a:spcPct val="0"/>
-              </a:spcBef>
-              <a:spcAft>
-                <a:spcPct val="0"/>
-              </a:spcAft>
-            </a:pPr>
-            <a:r>
-              <a:rPr kumimoji="0" lang="en-US" altLang="en-US" b="1" i="0" u="none" strike="noStrike" cap="none" normalizeH="0" baseline="0" dirty="0">
-                <a:ln>
-                  <a:noFill/>
-                </a:ln>
-                <a:solidFill>
-                  <a:schemeClr val="tx1"/>
-                </a:solidFill>
-                <a:effectLst/>
-                <a:latin typeface="Arial" panose="020B0604020202020204" pitchFamily="34" charset="0"/>
-              </a:rPr>
-              <a:t>Feature Engineering:</a:t>
-            </a:r>
-            <a:endParaRPr kumimoji="0" lang="en-US" altLang="en-US" b="0" i="0" u="none" strike="noStrike" cap="none" normalizeH="0" baseline="0" dirty="0">
-              <a:ln>
-                <a:noFill/>
-              </a:ln>
-              <a:solidFill>
-                <a:schemeClr val="tx1"/>
-              </a:solidFill>
-              <a:effectLst/>
-              <a:latin typeface="Arial" panose="020B0604020202020204" pitchFamily="34" charset="0"/>
-            </a:endParaRPr>
-          </a:p>
-          <a:p>
-            <a:pPr lvl="1" eaLnBrk="0" fontAlgn="base" hangingPunct="0">
-              <a:lnSpc>
-                <a:spcPct val="100000"/>
-              </a:lnSpc>
-              <a:spcBef>
-                <a:spcPct val="0"/>
-              </a:spcBef>
-              <a:spcAft>
-                <a:spcPct val="0"/>
-              </a:spcAft>
-            </a:pPr>
-            <a:r>
-              <a:rPr kumimoji="0" lang="en-US" altLang="en-US" sz="2800" b="0" i="0" u="none" strike="noStrike" cap="none" normalizeH="0" baseline="0" dirty="0">
+              <a:rPr kumimoji="0" lang="en-US" altLang="en-US" b="0" i="0" u="none" strike="noStrike" cap="none" normalizeH="0" baseline="0" dirty="0">
                 <a:ln>
                   <a:noFill/>
                 </a:ln>
@@ -15151,127 +15318,100 @@
           </a:p>
         </p:txBody>
       </p:sp>
+      <p:pic>
+        <p:nvPicPr>
+          <p:cNvPr id="4" name="Picture 3">
+            <a:extLst>
+              <a:ext uri="{FF2B5EF4-FFF2-40B4-BE49-F238E27FC236}">
+                <a16:creationId xmlns:a16="http://schemas.microsoft.com/office/drawing/2014/main" id="{55F4F51D-7DBF-4815-DACB-738AA344123A}"/>
+              </a:ext>
+            </a:extLst>
+          </p:cNvPr>
+          <p:cNvPicPr>
+            <a:picLocks noChangeAspect="1"/>
+          </p:cNvPicPr>
+          <p:nvPr/>
+        </p:nvPicPr>
+        <p:blipFill>
+          <a:blip r:embed="rId3"/>
+          <a:stretch>
+            <a:fillRect/>
+          </a:stretch>
+        </p:blipFill>
+        <p:spPr>
+          <a:xfrm>
+            <a:off x="9448676" y="4228188"/>
+            <a:ext cx="2709176" cy="2593202"/>
+          </a:xfrm>
+          <a:prstGeom prst="rect">
+            <a:avLst/>
+          </a:prstGeom>
+        </p:spPr>
+      </p:pic>
+      <p:pic>
+        <p:nvPicPr>
+          <p:cNvPr id="8" name="Picture 7">
+            <a:extLst>
+              <a:ext uri="{FF2B5EF4-FFF2-40B4-BE49-F238E27FC236}">
+                <a16:creationId xmlns:a16="http://schemas.microsoft.com/office/drawing/2014/main" id="{F4015C42-D5CD-EF16-6E68-B89C61B6471C}"/>
+              </a:ext>
+            </a:extLst>
+          </p:cNvPr>
+          <p:cNvPicPr>
+            <a:picLocks noChangeAspect="1"/>
+          </p:cNvPicPr>
+          <p:nvPr/>
+        </p:nvPicPr>
+        <p:blipFill>
+          <a:blip r:embed="rId4"/>
+          <a:stretch>
+            <a:fillRect/>
+          </a:stretch>
+        </p:blipFill>
+        <p:spPr>
+          <a:xfrm>
+            <a:off x="9448676" y="1525406"/>
+            <a:ext cx="2709176" cy="2669529"/>
+          </a:xfrm>
+          <a:prstGeom prst="rect">
+            <a:avLst/>
+          </a:prstGeom>
+        </p:spPr>
+      </p:pic>
+      <p:pic>
+        <p:nvPicPr>
+          <p:cNvPr id="10" name="Picture 9">
+            <a:extLst>
+              <a:ext uri="{FF2B5EF4-FFF2-40B4-BE49-F238E27FC236}">
+                <a16:creationId xmlns:a16="http://schemas.microsoft.com/office/drawing/2014/main" id="{725EA0BE-7267-304A-5910-A01C5F86EA0E}"/>
+              </a:ext>
+            </a:extLst>
+          </p:cNvPr>
+          <p:cNvPicPr>
+            <a:picLocks noChangeAspect="1"/>
+          </p:cNvPicPr>
+          <p:nvPr/>
+        </p:nvPicPr>
+        <p:blipFill>
+          <a:blip r:embed="rId5"/>
+          <a:stretch>
+            <a:fillRect/>
+          </a:stretch>
+        </p:blipFill>
+        <p:spPr>
+          <a:xfrm>
+            <a:off x="6707319" y="4187223"/>
+            <a:ext cx="2709177" cy="2634167"/>
+          </a:xfrm>
+          <a:prstGeom prst="rect">
+            <a:avLst/>
+          </a:prstGeom>
+        </p:spPr>
+      </p:pic>
     </p:spTree>
     <p:extLst>
       <p:ext uri="{BB962C8B-B14F-4D97-AF65-F5344CB8AC3E}">
         <p14:creationId xmlns:p14="http://schemas.microsoft.com/office/powerpoint/2010/main" val="3784368180"/>
-      </p:ext>
-    </p:extLst>
-  </p:cSld>
-  <p:clrMapOvr>
-    <a:masterClrMapping/>
-  </p:clrMapOvr>
-</p:sld>
-</file>
-
-<file path=ppt/slides/slide11.xml><?xml version="1.0" encoding="utf-8"?>
-<p:sld xmlns:a="http://schemas.openxmlformats.org/drawingml/2006/main" xmlns:r="http://schemas.openxmlformats.org/officeDocument/2006/relationships" xmlns:p="http://schemas.openxmlformats.org/presentationml/2006/main">
-  <p:cSld>
-    <p:spTree>
-      <p:nvGrpSpPr>
-        <p:cNvPr id="1" name=""/>
-        <p:cNvGrpSpPr/>
-        <p:nvPr/>
-      </p:nvGrpSpPr>
-      <p:grpSpPr>
-        <a:xfrm>
-          <a:off x="0" y="0"/>
-          <a:ext cx="0" cy="0"/>
-          <a:chOff x="0" y="0"/>
-          <a:chExt cx="0" cy="0"/>
-        </a:xfrm>
-      </p:grpSpPr>
-      <p:sp>
-        <p:nvSpPr>
-          <p:cNvPr id="2" name="Title 1">
-            <a:extLst>
-              <a:ext uri="{FF2B5EF4-FFF2-40B4-BE49-F238E27FC236}">
-                <a16:creationId xmlns:a16="http://schemas.microsoft.com/office/drawing/2014/main" id="{E382CF62-297C-8D0F-E3E5-1BA3EBDCD815}"/>
-              </a:ext>
-            </a:extLst>
-          </p:cNvPr>
-          <p:cNvSpPr>
-            <a:spLocks noGrp="1"/>
-          </p:cNvSpPr>
-          <p:nvPr>
-            <p:ph type="title"/>
-          </p:nvPr>
-        </p:nvSpPr>
-        <p:spPr/>
-        <p:txBody>
-          <a:bodyPr>
-            <a:normAutofit/>
-          </a:bodyPr>
-          <a:lstStyle/>
-          <a:p>
-            <a:r>
-              <a:rPr lang="en-US" dirty="0">
-                <a:ea typeface="+mj-lt"/>
-                <a:cs typeface="+mj-lt"/>
-              </a:rPr>
-              <a:t>Model</a:t>
-            </a:r>
-            <a:endParaRPr lang="en-US" dirty="0"/>
-          </a:p>
-        </p:txBody>
-      </p:sp>
-      <p:sp>
-        <p:nvSpPr>
-          <p:cNvPr id="4" name="TextBox 3">
-            <a:extLst>
-              <a:ext uri="{FF2B5EF4-FFF2-40B4-BE49-F238E27FC236}">
-                <a16:creationId xmlns:a16="http://schemas.microsoft.com/office/drawing/2014/main" id="{3831E698-AC64-A6F4-2958-27D7E92C645A}"/>
-              </a:ext>
-            </a:extLst>
-          </p:cNvPr>
-          <p:cNvSpPr txBox="1"/>
-          <p:nvPr/>
-        </p:nvSpPr>
-        <p:spPr>
-          <a:xfrm>
-            <a:off x="88776" y="177553"/>
-            <a:ext cx="5066189" cy="276999"/>
-          </a:xfrm>
-          <a:prstGeom prst="rect">
-            <a:avLst/>
-          </a:prstGeom>
-          <a:noFill/>
-        </p:spPr>
-        <p:txBody>
-          <a:bodyPr rot="0" spcFirstLastPara="0" vertOverflow="overflow" horzOverflow="overflow" vert="horz" wrap="square" lIns="91440" tIns="45720" rIns="91440" bIns="45720" numCol="1" spcCol="0" rtlCol="0" fromWordArt="0" anchor="t" anchorCtr="0" forceAA="0" compatLnSpc="1">
-            <a:prstTxWarp prst="textNoShape">
-              <a:avLst/>
-            </a:prstTxWarp>
-            <a:spAutoFit/>
-          </a:bodyPr>
-          <a:lstStyle/>
-          <a:p>
-            <a:r>
-              <a:rPr lang="en-US" sz="1200" dirty="0">
-                <a:cs typeface="Calibri"/>
-              </a:rPr>
-              <a:t>Frontier Tech Leaders </a:t>
-            </a:r>
-            <a:r>
-              <a:rPr lang="en-US" sz="1200" err="1">
-                <a:cs typeface="Calibri"/>
-              </a:rPr>
-              <a:t>Programme</a:t>
-            </a:r>
-            <a:r>
-              <a:rPr lang="en-US" sz="1200" dirty="0">
-                <a:cs typeface="Calibri"/>
-              </a:rPr>
-              <a:t> Global Cohort 1</a:t>
-            </a:r>
-            <a:endParaRPr lang="en-US" sz="1200" dirty="0"/>
-          </a:p>
-        </p:txBody>
-      </p:sp>
-    </p:spTree>
-    <p:extLst>
-      <p:ext uri="{BB962C8B-B14F-4D97-AF65-F5344CB8AC3E}">
-        <p14:creationId xmlns:p14="http://schemas.microsoft.com/office/powerpoint/2010/main" val="1266301036"/>
       </p:ext>
     </p:extLst>
   </p:cSld>
@@ -15303,7 +15443,7 @@
           <p:cNvPr id="2" name="Title 1">
             <a:extLst>
               <a:ext uri="{FF2B5EF4-FFF2-40B4-BE49-F238E27FC236}">
-                <a16:creationId xmlns:a16="http://schemas.microsoft.com/office/drawing/2014/main" id="{F6601C89-436E-AD3C-AF5A-DEC59B995445}"/>
+                <a16:creationId xmlns:a16="http://schemas.microsoft.com/office/drawing/2014/main" id="{E382CF62-297C-8D0F-E3E5-1BA3EBDCD815}"/>
               </a:ext>
             </a:extLst>
           </p:cNvPr>
@@ -15316,35 +15456,28 @@
         </p:nvSpPr>
         <p:spPr/>
         <p:txBody>
-          <a:bodyPr/>
-          <a:lstStyle/>
-          <a:p>
-            <a:r>
-              <a:rPr lang="en-US" b="1"/>
-              <a:t>Model Selection</a:t>
-            </a:r>
-            <a:r>
-              <a:rPr lang="tr-TR" b="1"/>
-              <a:t> </a:t>
-            </a:r>
-            <a:r>
-              <a:rPr lang="tr-TR" b="1" err="1"/>
-              <a:t>and</a:t>
-            </a:r>
-            <a:r>
-              <a:rPr lang="tr-TR" b="1"/>
-              <a:t> Training</a:t>
-            </a:r>
-            <a:endParaRPr lang="tr-TR"/>
-          </a:p>
-        </p:txBody>
-      </p:sp>
-      <p:sp>
-        <p:nvSpPr>
-          <p:cNvPr id="5" name="TextBox 4">
-            <a:extLst>
-              <a:ext uri="{FF2B5EF4-FFF2-40B4-BE49-F238E27FC236}">
-                <a16:creationId xmlns:a16="http://schemas.microsoft.com/office/drawing/2014/main" id="{3CAD5C7D-FA3D-F9C1-793E-1F0546CB8684}"/>
+          <a:bodyPr>
+            <a:normAutofit/>
+          </a:bodyPr>
+          <a:lstStyle/>
+          <a:p>
+            <a:r>
+              <a:rPr lang="en-US" dirty="0">
+                <a:ea typeface="+mj-lt"/>
+                <a:cs typeface="+mj-lt"/>
+              </a:rPr>
+              <a:t>Model</a:t>
+            </a:r>
+            <a:endParaRPr lang="en-US" dirty="0"/>
+          </a:p>
+        </p:txBody>
+      </p:sp>
+      <p:sp>
+        <p:nvSpPr>
+          <p:cNvPr id="4" name="TextBox 3">
+            <a:extLst>
+              <a:ext uri="{FF2B5EF4-FFF2-40B4-BE49-F238E27FC236}">
+                <a16:creationId xmlns:a16="http://schemas.microsoft.com/office/drawing/2014/main" id="{3831E698-AC64-A6F4-2958-27D7E92C645A}"/>
               </a:ext>
             </a:extLst>
           </p:cNvPr>
@@ -15392,6 +15525,135 @@
           </a:p>
         </p:txBody>
       </p:sp>
+    </p:spTree>
+    <p:extLst>
+      <p:ext uri="{BB962C8B-B14F-4D97-AF65-F5344CB8AC3E}">
+        <p14:creationId xmlns:p14="http://schemas.microsoft.com/office/powerpoint/2010/main" val="1266301036"/>
+      </p:ext>
+    </p:extLst>
+  </p:cSld>
+  <p:clrMapOvr>
+    <a:masterClrMapping/>
+  </p:clrMapOvr>
+</p:sld>
+</file>
+
+<file path=ppt/slides/slide13.xml><?xml version="1.0" encoding="utf-8"?>
+<p:sld xmlns:a="http://schemas.openxmlformats.org/drawingml/2006/main" xmlns:r="http://schemas.openxmlformats.org/officeDocument/2006/relationships" xmlns:p="http://schemas.openxmlformats.org/presentationml/2006/main">
+  <p:cSld>
+    <p:spTree>
+      <p:nvGrpSpPr>
+        <p:cNvPr id="1" name=""/>
+        <p:cNvGrpSpPr/>
+        <p:nvPr/>
+      </p:nvGrpSpPr>
+      <p:grpSpPr>
+        <a:xfrm>
+          <a:off x="0" y="0"/>
+          <a:ext cx="0" cy="0"/>
+          <a:chOff x="0" y="0"/>
+          <a:chExt cx="0" cy="0"/>
+        </a:xfrm>
+      </p:grpSpPr>
+      <p:sp>
+        <p:nvSpPr>
+          <p:cNvPr id="2" name="Title 1">
+            <a:extLst>
+              <a:ext uri="{FF2B5EF4-FFF2-40B4-BE49-F238E27FC236}">
+                <a16:creationId xmlns:a16="http://schemas.microsoft.com/office/drawing/2014/main" id="{F6601C89-436E-AD3C-AF5A-DEC59B995445}"/>
+              </a:ext>
+            </a:extLst>
+          </p:cNvPr>
+          <p:cNvSpPr>
+            <a:spLocks noGrp="1"/>
+          </p:cNvSpPr>
+          <p:nvPr>
+            <p:ph type="title"/>
+          </p:nvPr>
+        </p:nvSpPr>
+        <p:spPr>
+          <a:xfrm>
+            <a:off x="1039651" y="591127"/>
+            <a:ext cx="10112695" cy="921254"/>
+          </a:xfrm>
+        </p:spPr>
+        <p:txBody>
+          <a:bodyPr/>
+          <a:lstStyle/>
+          <a:p>
+            <a:r>
+              <a:rPr lang="en-US" b="1" dirty="0"/>
+              <a:t>Model Selection</a:t>
+            </a:r>
+            <a:r>
+              <a:rPr lang="tr-TR" b="1" dirty="0"/>
+              <a:t> </a:t>
+            </a:r>
+            <a:r>
+              <a:rPr lang="tr-TR" b="1" dirty="0" err="1"/>
+              <a:t>and</a:t>
+            </a:r>
+            <a:r>
+              <a:rPr lang="tr-TR" b="1" dirty="0"/>
+              <a:t> Training</a:t>
+            </a:r>
+            <a:endParaRPr lang="tr-TR" dirty="0"/>
+          </a:p>
+        </p:txBody>
+      </p:sp>
+      <p:sp>
+        <p:nvSpPr>
+          <p:cNvPr id="5" name="TextBox 4">
+            <a:extLst>
+              <a:ext uri="{FF2B5EF4-FFF2-40B4-BE49-F238E27FC236}">
+                <a16:creationId xmlns:a16="http://schemas.microsoft.com/office/drawing/2014/main" id="{3CAD5C7D-FA3D-F9C1-793E-1F0546CB8684}"/>
+              </a:ext>
+            </a:extLst>
+          </p:cNvPr>
+          <p:cNvSpPr txBox="1"/>
+          <p:nvPr/>
+        </p:nvSpPr>
+        <p:spPr>
+          <a:xfrm>
+            <a:off x="88776" y="177553"/>
+            <a:ext cx="5066189" cy="276999"/>
+          </a:xfrm>
+          <a:prstGeom prst="rect">
+            <a:avLst/>
+          </a:prstGeom>
+          <a:noFill/>
+        </p:spPr>
+        <p:txBody>
+          <a:bodyPr rot="0" spcFirstLastPara="0" vertOverflow="overflow" horzOverflow="overflow" vert="horz" wrap="square" lIns="91440" tIns="45720" rIns="91440" bIns="45720" numCol="1" spcCol="0" rtlCol="0" fromWordArt="0" anchor="t" anchorCtr="0" forceAA="0" compatLnSpc="1">
+            <a:prstTxWarp prst="textNoShape">
+              <a:avLst/>
+            </a:prstTxWarp>
+            <a:spAutoFit/>
+          </a:bodyPr>
+          <a:lstStyle/>
+          <a:p>
+            <a:r>
+              <a:rPr lang="en-US" sz="1200" dirty="0">
+                <a:cs typeface="Calibri"/>
+              </a:rPr>
+              <a:t>Frontier Tech Leaders </a:t>
+            </a:r>
+            <a:r>
+              <a:rPr lang="en-US" sz="1200" err="1">
+                <a:cs typeface="Calibri"/>
+              </a:rPr>
+              <a:t>Programme</a:t>
+            </a:r>
+            <a:r>
+              <a:rPr lang="en-US" sz="1200" dirty="0">
+                <a:cs typeface="Calibri"/>
+              </a:rPr>
+              <a:t> Global Cohort 1</a:t>
+            </a:r>
+            <a:endParaRPr lang="en-US" sz="1200" dirty="0"/>
+          </a:p>
+        </p:txBody>
+      </p:sp>
       <p:sp>
         <p:nvSpPr>
           <p:cNvPr id="6" name="Rectangle 2">
@@ -15410,8 +15672,8 @@
         </p:nvSpPr>
         <p:spPr bwMode="auto">
           <a:xfrm>
-            <a:off x="1039652" y="2468694"/>
-            <a:ext cx="10112695" cy="2800767"/>
+            <a:off x="1172653" y="1357501"/>
+            <a:ext cx="10112695" cy="523220"/>
           </a:xfrm>
           <a:prstGeom prst="rect">
             <a:avLst/>
@@ -15471,7 +15733,7 @@
               </a:spcAft>
             </a:pPr>
             <a:r>
-              <a:rPr kumimoji="0" lang="en-US" altLang="en-US" b="1" i="0" u="none" strike="noStrike" cap="none" normalizeH="0" baseline="0" dirty="0">
+              <a:rPr kumimoji="0" lang="en-US" altLang="en-US" i="0" u="none" strike="noStrike" cap="none" normalizeH="0" baseline="0" dirty="0">
                 <a:ln>
                   <a:noFill/>
                 </a:ln>
@@ -15481,9 +15743,18 @@
                 <a:effectLst/>
                 <a:latin typeface="Arial" panose="020B0604020202020204" pitchFamily="34" charset="0"/>
               </a:rPr>
-              <a:t>Model Selection:</a:t>
-            </a:r>
-            <a:endParaRPr kumimoji="0" lang="en-US" altLang="en-US" b="0" i="0" u="none" strike="noStrike" cap="none" normalizeH="0" baseline="0" dirty="0">
+              <a:t>Training set 80% and testing set </a:t>
+            </a:r>
+            <a:r>
+              <a:rPr lang="en-US" altLang="en-US" dirty="0">
+                <a:solidFill>
+                  <a:schemeClr val="tx1"/>
+                </a:solidFill>
+                <a:latin typeface="Arial" panose="020B0604020202020204" pitchFamily="34" charset="0"/>
+              </a:rPr>
+              <a:t>20%.</a:t>
+            </a:r>
+            <a:endParaRPr kumimoji="0" lang="en-US" altLang="en-US" i="0" u="none" strike="noStrike" cap="none" normalizeH="0" baseline="0" dirty="0">
               <a:ln>
                 <a:noFill/>
               </a:ln>
@@ -15494,596 +15765,2495 @@
               <a:latin typeface="Arial" panose="020B0604020202020204" pitchFamily="34" charset="0"/>
             </a:endParaRPr>
           </a:p>
-          <a:p>
-            <a:pPr lvl="1" algn="just" eaLnBrk="0" fontAlgn="base" hangingPunct="0">
-              <a:lnSpc>
-                <a:spcPct val="100000"/>
-              </a:lnSpc>
-              <a:spcBef>
-                <a:spcPct val="0"/>
-              </a:spcBef>
-              <a:spcAft>
-                <a:spcPct val="0"/>
-              </a:spcAft>
-            </a:pPr>
-            <a:r>
-              <a:rPr kumimoji="0" lang="en-US" altLang="en-US" b="0" i="0" u="none" strike="noStrike" cap="none" normalizeH="0" baseline="0" dirty="0">
-                <a:ln>
-                  <a:noFill/>
-                </a:ln>
-                <a:solidFill>
-                  <a:schemeClr val="tx1"/>
-                </a:solidFill>
-                <a:effectLst/>
-                <a:latin typeface="Arial" panose="020B0604020202020204" pitchFamily="34" charset="0"/>
-              </a:rPr>
-              <a:t>A Convolutional Neural Network (CNN) has been designed</a:t>
-            </a:r>
-            <a:r>
-              <a:rPr lang="en-US" altLang="en-US" dirty="0">
-                <a:solidFill>
-                  <a:schemeClr val="tx1"/>
-                </a:solidFill>
-                <a:latin typeface="Arial" panose="020B0604020202020204" pitchFamily="34" charset="0"/>
-              </a:rPr>
-              <a:t>, to</a:t>
-            </a:r>
-            <a:r>
-              <a:rPr kumimoji="0" lang="en-US" altLang="en-US" b="0" i="0" u="none" strike="noStrike" cap="none" normalizeH="0" baseline="0" dirty="0">
-                <a:ln>
-                  <a:noFill/>
-                </a:ln>
-                <a:solidFill>
-                  <a:schemeClr val="tx1"/>
-                </a:solidFill>
-                <a:effectLst/>
-                <a:latin typeface="Arial" panose="020B0604020202020204" pitchFamily="34" charset="0"/>
-              </a:rPr>
-              <a:t> capture complex patterns in image-based tasks.</a:t>
-            </a:r>
-          </a:p>
-          <a:p>
-            <a:pPr algn="just" eaLnBrk="0" fontAlgn="base" hangingPunct="0">
-              <a:lnSpc>
-                <a:spcPct val="100000"/>
-              </a:lnSpc>
-              <a:spcBef>
-                <a:spcPct val="0"/>
-              </a:spcBef>
-              <a:spcAft>
-                <a:spcPct val="0"/>
-              </a:spcAft>
-            </a:pPr>
-            <a:r>
-              <a:rPr kumimoji="0" lang="en-US" altLang="en-US" b="1" i="0" u="none" strike="noStrike" cap="none" normalizeH="0" baseline="0" dirty="0">
-                <a:ln>
-                  <a:noFill/>
-                </a:ln>
-                <a:solidFill>
-                  <a:schemeClr val="tx1"/>
-                </a:solidFill>
-                <a:effectLst/>
-                <a:latin typeface="Arial" panose="020B0604020202020204" pitchFamily="34" charset="0"/>
-              </a:rPr>
-              <a:t>Training:</a:t>
-            </a:r>
-            <a:endParaRPr kumimoji="0" lang="en-US" altLang="en-US" b="0" i="0" u="none" strike="noStrike" cap="none" normalizeH="0" baseline="0" dirty="0">
-              <a:ln>
-                <a:noFill/>
-              </a:ln>
-              <a:solidFill>
-                <a:schemeClr val="tx1"/>
-              </a:solidFill>
-              <a:effectLst/>
-              <a:latin typeface="Arial" panose="020B0604020202020204" pitchFamily="34" charset="0"/>
-            </a:endParaRPr>
-          </a:p>
-          <a:p>
-            <a:pPr lvl="1" algn="just" eaLnBrk="0" fontAlgn="base" hangingPunct="0">
-              <a:lnSpc>
-                <a:spcPct val="100000"/>
-              </a:lnSpc>
-              <a:spcBef>
-                <a:spcPct val="0"/>
-              </a:spcBef>
-              <a:spcAft>
-                <a:spcPct val="0"/>
-              </a:spcAft>
-            </a:pPr>
-            <a:r>
-              <a:rPr kumimoji="0" lang="en-US" altLang="en-US" b="0" i="0" u="none" strike="noStrike" cap="none" normalizeH="0" baseline="0" dirty="0">
-                <a:ln>
-                  <a:noFill/>
-                </a:ln>
-                <a:solidFill>
-                  <a:schemeClr val="tx1"/>
-                </a:solidFill>
-                <a:effectLst/>
-                <a:latin typeface="Arial" panose="020B0604020202020204" pitchFamily="34" charset="0"/>
-              </a:rPr>
-              <a:t>Pretrained layers were fine-tuned for ECG classification.</a:t>
-            </a:r>
-          </a:p>
-          <a:p>
-            <a:pPr lvl="1" algn="just" eaLnBrk="0" fontAlgn="base" hangingPunct="0">
-              <a:lnSpc>
-                <a:spcPct val="100000"/>
-              </a:lnSpc>
-              <a:spcBef>
-                <a:spcPct val="0"/>
-              </a:spcBef>
-              <a:spcAft>
-                <a:spcPct val="0"/>
-              </a:spcAft>
-            </a:pPr>
-            <a:r>
-              <a:rPr kumimoji="0" lang="en-US" altLang="en-US" b="0" i="0" u="none" strike="noStrike" cap="none" normalizeH="0" baseline="0" dirty="0">
-                <a:ln>
-                  <a:noFill/>
-                </a:ln>
-                <a:solidFill>
-                  <a:schemeClr val="tx1"/>
-                </a:solidFill>
-                <a:effectLst/>
-                <a:latin typeface="Arial" panose="020B0604020202020204" pitchFamily="34" charset="0"/>
-              </a:rPr>
-              <a:t>Hyperparameters: Learning rate = 0.001, Batch size = 27, Optimizer = SGDM.</a:t>
-            </a:r>
-          </a:p>
-        </p:txBody>
-      </p:sp>
+        </p:txBody>
+      </p:sp>
+      <p:graphicFrame>
+        <p:nvGraphicFramePr>
+          <p:cNvPr id="18" name="Table 17">
+            <a:extLst>
+              <a:ext uri="{FF2B5EF4-FFF2-40B4-BE49-F238E27FC236}">
+                <a16:creationId xmlns:a16="http://schemas.microsoft.com/office/drawing/2014/main" id="{897DB680-5C3A-8ADB-EF5A-9A64A29ED8CB}"/>
+              </a:ext>
+            </a:extLst>
+          </p:cNvPr>
+          <p:cNvGraphicFramePr>
+            <a:graphicFrameLocks noGrp="1"/>
+          </p:cNvGraphicFramePr>
+          <p:nvPr>
+            <p:extLst>
+              <p:ext uri="{D42A27DB-BD31-4B8C-83A1-F6EECF244321}">
+                <p14:modId xmlns:p14="http://schemas.microsoft.com/office/powerpoint/2010/main" val="2123575446"/>
+              </p:ext>
+            </p:extLst>
+          </p:nvPr>
+        </p:nvGraphicFramePr>
+        <p:xfrm>
+          <a:off x="638077" y="1880721"/>
+          <a:ext cx="11181849" cy="4799726"/>
+        </p:xfrm>
+        <a:graphic>
+          <a:graphicData uri="http://schemas.openxmlformats.org/drawingml/2006/table">
+            <a:tbl>
+              <a:tblPr firstRow="1" firstCol="1" bandRow="1">
+                <a:tableStyleId>{5C22544A-7EE6-4342-B048-85BDC9FD1C3A}</a:tableStyleId>
+              </a:tblPr>
+              <a:tblGrid>
+                <a:gridCol w="2365241">
+                  <a:extLst>
+                    <a:ext uri="{9D8B030D-6E8A-4147-A177-3AD203B41FA5}">
+                      <a16:colId xmlns:a16="http://schemas.microsoft.com/office/drawing/2014/main" val="2747049560"/>
+                    </a:ext>
+                  </a:extLst>
+                </a:gridCol>
+                <a:gridCol w="2637783">
+                  <a:extLst>
+                    <a:ext uri="{9D8B030D-6E8A-4147-A177-3AD203B41FA5}">
+                      <a16:colId xmlns:a16="http://schemas.microsoft.com/office/drawing/2014/main" val="3856448286"/>
+                    </a:ext>
+                  </a:extLst>
+                </a:gridCol>
+                <a:gridCol w="2101208">
+                  <a:extLst>
+                    <a:ext uri="{9D8B030D-6E8A-4147-A177-3AD203B41FA5}">
+                      <a16:colId xmlns:a16="http://schemas.microsoft.com/office/drawing/2014/main" val="1938092562"/>
+                    </a:ext>
+                  </a:extLst>
+                </a:gridCol>
+                <a:gridCol w="855088">
+                  <a:extLst>
+                    <a:ext uri="{9D8B030D-6E8A-4147-A177-3AD203B41FA5}">
+                      <a16:colId xmlns:a16="http://schemas.microsoft.com/office/drawing/2014/main" val="1482565544"/>
+                    </a:ext>
+                  </a:extLst>
+                </a:gridCol>
+                <a:gridCol w="1224590">
+                  <a:extLst>
+                    <a:ext uri="{9D8B030D-6E8A-4147-A177-3AD203B41FA5}">
+                      <a16:colId xmlns:a16="http://schemas.microsoft.com/office/drawing/2014/main" val="2960167586"/>
+                    </a:ext>
+                  </a:extLst>
+                </a:gridCol>
+                <a:gridCol w="1997939">
+                  <a:extLst>
+                    <a:ext uri="{9D8B030D-6E8A-4147-A177-3AD203B41FA5}">
+                      <a16:colId xmlns:a16="http://schemas.microsoft.com/office/drawing/2014/main" val="2617807685"/>
+                    </a:ext>
+                  </a:extLst>
+                </a:gridCol>
+              </a:tblGrid>
+              <a:tr h="284563">
+                <a:tc>
+                  <a:txBody>
+                    <a:bodyPr/>
+                    <a:lstStyle/>
+                    <a:p>
+                      <a:pPr>
+                        <a:lnSpc>
+                          <a:spcPct val="115000"/>
+                        </a:lnSpc>
+                        <a:spcAft>
+                          <a:spcPts val="1000"/>
+                        </a:spcAft>
+                      </a:pPr>
+                      <a:r>
+                        <a:rPr lang="en-US" sz="2000" dirty="0">
+                          <a:solidFill>
+                            <a:srgbClr val="2B2551"/>
+                          </a:solidFill>
+                          <a:effectLst/>
+                        </a:rPr>
+                        <a:t>Layer (Type)</a:t>
+                      </a:r>
+                      <a:endParaRPr lang="en-US" sz="2000" dirty="0">
+                        <a:solidFill>
+                          <a:srgbClr val="2B2551"/>
+                        </a:solidFill>
+                        <a:effectLst/>
+                        <a:latin typeface="Cambria" panose="02040503050406030204" pitchFamily="18" charset="0"/>
+                        <a:ea typeface="MS Mincho" panose="02020609040205080304" pitchFamily="49" charset="-128"/>
+                        <a:cs typeface="Arial" panose="020B0604020202020204" pitchFamily="34" charset="0"/>
+                      </a:endParaRPr>
+                    </a:p>
+                  </a:txBody>
+                  <a:tcPr marL="52860" marR="52860" marT="0" marB="0"/>
+                </a:tc>
+                <a:tc>
+                  <a:txBody>
+                    <a:bodyPr/>
+                    <a:lstStyle/>
+                    <a:p>
+                      <a:pPr>
+                        <a:lnSpc>
+                          <a:spcPct val="115000"/>
+                        </a:lnSpc>
+                        <a:spcAft>
+                          <a:spcPts val="1000"/>
+                        </a:spcAft>
+                      </a:pPr>
+                      <a:r>
+                        <a:rPr lang="en-US" sz="2000" dirty="0">
+                          <a:solidFill>
+                            <a:srgbClr val="2B2551"/>
+                          </a:solidFill>
+                          <a:effectLst/>
+                        </a:rPr>
+                        <a:t>Output Shape</a:t>
+                      </a:r>
+                      <a:endParaRPr lang="en-US" sz="2000" dirty="0">
+                        <a:solidFill>
+                          <a:srgbClr val="2B2551"/>
+                        </a:solidFill>
+                        <a:effectLst/>
+                        <a:latin typeface="Cambria" panose="02040503050406030204" pitchFamily="18" charset="0"/>
+                        <a:ea typeface="MS Mincho" panose="02020609040205080304" pitchFamily="49" charset="-128"/>
+                        <a:cs typeface="Arial" panose="020B0604020202020204" pitchFamily="34" charset="0"/>
+                      </a:endParaRPr>
+                    </a:p>
+                  </a:txBody>
+                  <a:tcPr marL="52860" marR="52860" marT="0" marB="0"/>
+                </a:tc>
+                <a:tc>
+                  <a:txBody>
+                    <a:bodyPr/>
+                    <a:lstStyle/>
+                    <a:p>
+                      <a:pPr>
+                        <a:lnSpc>
+                          <a:spcPct val="115000"/>
+                        </a:lnSpc>
+                        <a:spcAft>
+                          <a:spcPts val="1000"/>
+                        </a:spcAft>
+                      </a:pPr>
+                      <a:r>
+                        <a:rPr lang="en-US" sz="2000">
+                          <a:solidFill>
+                            <a:srgbClr val="2B2551"/>
+                          </a:solidFill>
+                          <a:effectLst/>
+                        </a:rPr>
+                        <a:t>Parameters</a:t>
+                      </a:r>
+                      <a:endParaRPr lang="en-US" sz="2000">
+                        <a:solidFill>
+                          <a:srgbClr val="2B2551"/>
+                        </a:solidFill>
+                        <a:effectLst/>
+                        <a:latin typeface="Cambria" panose="02040503050406030204" pitchFamily="18" charset="0"/>
+                        <a:ea typeface="MS Mincho" panose="02020609040205080304" pitchFamily="49" charset="-128"/>
+                        <a:cs typeface="Arial" panose="020B0604020202020204" pitchFamily="34" charset="0"/>
+                      </a:endParaRPr>
+                    </a:p>
+                  </a:txBody>
+                  <a:tcPr marL="52860" marR="52860" marT="0" marB="0"/>
+                </a:tc>
+                <a:tc>
+                  <a:txBody>
+                    <a:bodyPr/>
+                    <a:lstStyle/>
+                    <a:p>
+                      <a:pPr>
+                        <a:lnSpc>
+                          <a:spcPct val="115000"/>
+                        </a:lnSpc>
+                        <a:spcAft>
+                          <a:spcPts val="1000"/>
+                        </a:spcAft>
+                      </a:pPr>
+                      <a:r>
+                        <a:rPr lang="en-US" sz="2000">
+                          <a:solidFill>
+                            <a:srgbClr val="2B2551"/>
+                          </a:solidFill>
+                          <a:effectLst/>
+                        </a:rPr>
+                        <a:t>Kernel Size</a:t>
+                      </a:r>
+                      <a:endParaRPr lang="en-US" sz="2000">
+                        <a:solidFill>
+                          <a:srgbClr val="2B2551"/>
+                        </a:solidFill>
+                        <a:effectLst/>
+                        <a:latin typeface="Cambria" panose="02040503050406030204" pitchFamily="18" charset="0"/>
+                        <a:ea typeface="MS Mincho" panose="02020609040205080304" pitchFamily="49" charset="-128"/>
+                        <a:cs typeface="Arial" panose="020B0604020202020204" pitchFamily="34" charset="0"/>
+                      </a:endParaRPr>
+                    </a:p>
+                  </a:txBody>
+                  <a:tcPr marL="52860" marR="52860" marT="0" marB="0"/>
+                </a:tc>
+                <a:tc>
+                  <a:txBody>
+                    <a:bodyPr/>
+                    <a:lstStyle/>
+                    <a:p>
+                      <a:pPr>
+                        <a:lnSpc>
+                          <a:spcPct val="115000"/>
+                        </a:lnSpc>
+                        <a:spcAft>
+                          <a:spcPts val="1000"/>
+                        </a:spcAft>
+                      </a:pPr>
+                      <a:r>
+                        <a:rPr lang="en-US" sz="2000">
+                          <a:solidFill>
+                            <a:srgbClr val="2B2551"/>
+                          </a:solidFill>
+                          <a:effectLst/>
+                        </a:rPr>
+                        <a:t>Activation Function</a:t>
+                      </a:r>
+                      <a:endParaRPr lang="en-US" sz="2000">
+                        <a:solidFill>
+                          <a:srgbClr val="2B2551"/>
+                        </a:solidFill>
+                        <a:effectLst/>
+                        <a:latin typeface="Cambria" panose="02040503050406030204" pitchFamily="18" charset="0"/>
+                        <a:ea typeface="MS Mincho" panose="02020609040205080304" pitchFamily="49" charset="-128"/>
+                        <a:cs typeface="Arial" panose="020B0604020202020204" pitchFamily="34" charset="0"/>
+                      </a:endParaRPr>
+                    </a:p>
+                  </a:txBody>
+                  <a:tcPr marL="52860" marR="52860" marT="0" marB="0"/>
+                </a:tc>
+                <a:tc>
+                  <a:txBody>
+                    <a:bodyPr/>
+                    <a:lstStyle/>
+                    <a:p>
+                      <a:pPr>
+                        <a:lnSpc>
+                          <a:spcPct val="115000"/>
+                        </a:lnSpc>
+                        <a:spcAft>
+                          <a:spcPts val="1000"/>
+                        </a:spcAft>
+                      </a:pPr>
+                      <a:r>
+                        <a:rPr lang="en-US" sz="2000">
+                          <a:solidFill>
+                            <a:srgbClr val="2B2551"/>
+                          </a:solidFill>
+                          <a:effectLst/>
+                        </a:rPr>
+                        <a:t>Regularization (L2)</a:t>
+                      </a:r>
+                      <a:endParaRPr lang="en-US" sz="2000">
+                        <a:solidFill>
+                          <a:srgbClr val="2B2551"/>
+                        </a:solidFill>
+                        <a:effectLst/>
+                        <a:latin typeface="Cambria" panose="02040503050406030204" pitchFamily="18" charset="0"/>
+                        <a:ea typeface="MS Mincho" panose="02020609040205080304" pitchFamily="49" charset="-128"/>
+                        <a:cs typeface="Arial" panose="020B0604020202020204" pitchFamily="34" charset="0"/>
+                      </a:endParaRPr>
+                    </a:p>
+                  </a:txBody>
+                  <a:tcPr marL="52860" marR="52860" marT="0" marB="0"/>
+                </a:tc>
+                <a:extLst>
+                  <a:ext uri="{0D108BD9-81ED-4DB2-BD59-A6C34878D82A}">
+                    <a16:rowId xmlns:a16="http://schemas.microsoft.com/office/drawing/2014/main" val="493424597"/>
+                  </a:ext>
+                </a:extLst>
+              </a:tr>
+              <a:tr h="433159">
+                <a:tc>
+                  <a:txBody>
+                    <a:bodyPr/>
+                    <a:lstStyle/>
+                    <a:p>
+                      <a:pPr>
+                        <a:lnSpc>
+                          <a:spcPct val="115000"/>
+                        </a:lnSpc>
+                        <a:spcAft>
+                          <a:spcPts val="1000"/>
+                        </a:spcAft>
+                      </a:pPr>
+                      <a:r>
+                        <a:rPr lang="en-US" sz="2000">
+                          <a:solidFill>
+                            <a:srgbClr val="2B2551"/>
+                          </a:solidFill>
+                          <a:effectLst/>
+                        </a:rPr>
+                        <a:t>Input Layer (Input)</a:t>
+                      </a:r>
+                      <a:endParaRPr lang="en-US" sz="2000">
+                        <a:solidFill>
+                          <a:srgbClr val="2B2551"/>
+                        </a:solidFill>
+                        <a:effectLst/>
+                        <a:latin typeface="Cambria" panose="02040503050406030204" pitchFamily="18" charset="0"/>
+                        <a:ea typeface="MS Mincho" panose="02020609040205080304" pitchFamily="49" charset="-128"/>
+                        <a:cs typeface="Arial" panose="020B0604020202020204" pitchFamily="34" charset="0"/>
+                      </a:endParaRPr>
+                    </a:p>
+                  </a:txBody>
+                  <a:tcPr marL="52860" marR="52860" marT="0" marB="0"/>
+                </a:tc>
+                <a:tc>
+                  <a:txBody>
+                    <a:bodyPr/>
+                    <a:lstStyle/>
+                    <a:p>
+                      <a:pPr>
+                        <a:lnSpc>
+                          <a:spcPct val="115000"/>
+                        </a:lnSpc>
+                        <a:spcAft>
+                          <a:spcPts val="1000"/>
+                        </a:spcAft>
+                      </a:pPr>
+                      <a:r>
+                        <a:rPr lang="en-US" sz="2000">
+                          <a:solidFill>
+                            <a:srgbClr val="2B2551"/>
+                          </a:solidFill>
+                          <a:effectLst/>
+                        </a:rPr>
+                        <a:t>(None, input_shape)</a:t>
+                      </a:r>
+                      <a:endParaRPr lang="en-US" sz="2000">
+                        <a:solidFill>
+                          <a:srgbClr val="2B2551"/>
+                        </a:solidFill>
+                        <a:effectLst/>
+                        <a:latin typeface="Cambria" panose="02040503050406030204" pitchFamily="18" charset="0"/>
+                        <a:ea typeface="MS Mincho" panose="02020609040205080304" pitchFamily="49" charset="-128"/>
+                        <a:cs typeface="Arial" panose="020B0604020202020204" pitchFamily="34" charset="0"/>
+                      </a:endParaRPr>
+                    </a:p>
+                  </a:txBody>
+                  <a:tcPr marL="52860" marR="52860" marT="0" marB="0"/>
+                </a:tc>
+                <a:tc>
+                  <a:txBody>
+                    <a:bodyPr/>
+                    <a:lstStyle/>
+                    <a:p>
+                      <a:pPr>
+                        <a:lnSpc>
+                          <a:spcPct val="115000"/>
+                        </a:lnSpc>
+                        <a:spcAft>
+                          <a:spcPts val="1000"/>
+                        </a:spcAft>
+                      </a:pPr>
+                      <a:r>
+                        <a:rPr lang="en-US" sz="2000">
+                          <a:solidFill>
+                            <a:srgbClr val="2B2551"/>
+                          </a:solidFill>
+                          <a:effectLst/>
+                        </a:rPr>
+                        <a:t>0</a:t>
+                      </a:r>
+                      <a:endParaRPr lang="en-US" sz="2000">
+                        <a:solidFill>
+                          <a:srgbClr val="2B2551"/>
+                        </a:solidFill>
+                        <a:effectLst/>
+                        <a:latin typeface="Cambria" panose="02040503050406030204" pitchFamily="18" charset="0"/>
+                        <a:ea typeface="MS Mincho" panose="02020609040205080304" pitchFamily="49" charset="-128"/>
+                        <a:cs typeface="Arial" panose="020B0604020202020204" pitchFamily="34" charset="0"/>
+                      </a:endParaRPr>
+                    </a:p>
+                  </a:txBody>
+                  <a:tcPr marL="52860" marR="52860" marT="0" marB="0"/>
+                </a:tc>
+                <a:tc>
+                  <a:txBody>
+                    <a:bodyPr/>
+                    <a:lstStyle/>
+                    <a:p>
+                      <a:pPr>
+                        <a:lnSpc>
+                          <a:spcPct val="115000"/>
+                        </a:lnSpc>
+                        <a:spcAft>
+                          <a:spcPts val="1000"/>
+                        </a:spcAft>
+                      </a:pPr>
+                      <a:r>
+                        <a:rPr lang="en-US" sz="2000">
+                          <a:solidFill>
+                            <a:srgbClr val="2B2551"/>
+                          </a:solidFill>
+                          <a:effectLst/>
+                        </a:rPr>
+                        <a:t>N/A</a:t>
+                      </a:r>
+                      <a:endParaRPr lang="en-US" sz="2000">
+                        <a:solidFill>
+                          <a:srgbClr val="2B2551"/>
+                        </a:solidFill>
+                        <a:effectLst/>
+                        <a:latin typeface="Cambria" panose="02040503050406030204" pitchFamily="18" charset="0"/>
+                        <a:ea typeface="MS Mincho" panose="02020609040205080304" pitchFamily="49" charset="-128"/>
+                        <a:cs typeface="Arial" panose="020B0604020202020204" pitchFamily="34" charset="0"/>
+                      </a:endParaRPr>
+                    </a:p>
+                  </a:txBody>
+                  <a:tcPr marL="52860" marR="52860" marT="0" marB="0"/>
+                </a:tc>
+                <a:tc>
+                  <a:txBody>
+                    <a:bodyPr/>
+                    <a:lstStyle/>
+                    <a:p>
+                      <a:pPr>
+                        <a:lnSpc>
+                          <a:spcPct val="115000"/>
+                        </a:lnSpc>
+                        <a:spcAft>
+                          <a:spcPts val="1000"/>
+                        </a:spcAft>
+                      </a:pPr>
+                      <a:r>
+                        <a:rPr lang="en-US" sz="2000">
+                          <a:solidFill>
+                            <a:srgbClr val="2B2551"/>
+                          </a:solidFill>
+                          <a:effectLst/>
+                        </a:rPr>
+                        <a:t>N/A</a:t>
+                      </a:r>
+                      <a:endParaRPr lang="en-US" sz="2000">
+                        <a:solidFill>
+                          <a:srgbClr val="2B2551"/>
+                        </a:solidFill>
+                        <a:effectLst/>
+                        <a:latin typeface="Cambria" panose="02040503050406030204" pitchFamily="18" charset="0"/>
+                        <a:ea typeface="MS Mincho" panose="02020609040205080304" pitchFamily="49" charset="-128"/>
+                        <a:cs typeface="Arial" panose="020B0604020202020204" pitchFamily="34" charset="0"/>
+                      </a:endParaRPr>
+                    </a:p>
+                  </a:txBody>
+                  <a:tcPr marL="52860" marR="52860" marT="0" marB="0"/>
+                </a:tc>
+                <a:tc>
+                  <a:txBody>
+                    <a:bodyPr/>
+                    <a:lstStyle/>
+                    <a:p>
+                      <a:pPr>
+                        <a:lnSpc>
+                          <a:spcPct val="115000"/>
+                        </a:lnSpc>
+                        <a:spcAft>
+                          <a:spcPts val="1000"/>
+                        </a:spcAft>
+                      </a:pPr>
+                      <a:r>
+                        <a:rPr lang="en-US" sz="2000">
+                          <a:solidFill>
+                            <a:srgbClr val="2B2551"/>
+                          </a:solidFill>
+                          <a:effectLst/>
+                        </a:rPr>
+                        <a:t>None</a:t>
+                      </a:r>
+                      <a:endParaRPr lang="en-US" sz="2000">
+                        <a:solidFill>
+                          <a:srgbClr val="2B2551"/>
+                        </a:solidFill>
+                        <a:effectLst/>
+                        <a:latin typeface="Cambria" panose="02040503050406030204" pitchFamily="18" charset="0"/>
+                        <a:ea typeface="MS Mincho" panose="02020609040205080304" pitchFamily="49" charset="-128"/>
+                        <a:cs typeface="Arial" panose="020B0604020202020204" pitchFamily="34" charset="0"/>
+                      </a:endParaRPr>
+                    </a:p>
+                  </a:txBody>
+                  <a:tcPr marL="52860" marR="52860" marT="0" marB="0"/>
+                </a:tc>
+                <a:extLst>
+                  <a:ext uri="{0D108BD9-81ED-4DB2-BD59-A6C34878D82A}">
+                    <a16:rowId xmlns:a16="http://schemas.microsoft.com/office/drawing/2014/main" val="3906559760"/>
+                  </a:ext>
+                </a:extLst>
+              </a:tr>
+              <a:tr h="433159">
+                <a:tc>
+                  <a:txBody>
+                    <a:bodyPr/>
+                    <a:lstStyle/>
+                    <a:p>
+                      <a:pPr>
+                        <a:lnSpc>
+                          <a:spcPct val="115000"/>
+                        </a:lnSpc>
+                        <a:spcAft>
+                          <a:spcPts val="1000"/>
+                        </a:spcAft>
+                      </a:pPr>
+                      <a:r>
+                        <a:rPr lang="en-US" sz="2000">
+                          <a:solidFill>
+                            <a:srgbClr val="2B2551"/>
+                          </a:solidFill>
+                          <a:effectLst/>
+                        </a:rPr>
+                        <a:t>Conv2D (32 filters)</a:t>
+                      </a:r>
+                      <a:endParaRPr lang="en-US" sz="2000">
+                        <a:solidFill>
+                          <a:srgbClr val="2B2551"/>
+                        </a:solidFill>
+                        <a:effectLst/>
+                        <a:latin typeface="Cambria" panose="02040503050406030204" pitchFamily="18" charset="0"/>
+                        <a:ea typeface="MS Mincho" panose="02020609040205080304" pitchFamily="49" charset="-128"/>
+                        <a:cs typeface="Arial" panose="020B0604020202020204" pitchFamily="34" charset="0"/>
+                      </a:endParaRPr>
+                    </a:p>
+                  </a:txBody>
+                  <a:tcPr marL="52860" marR="52860" marT="0" marB="0"/>
+                </a:tc>
+                <a:tc>
+                  <a:txBody>
+                    <a:bodyPr/>
+                    <a:lstStyle/>
+                    <a:p>
+                      <a:pPr>
+                        <a:lnSpc>
+                          <a:spcPct val="115000"/>
+                        </a:lnSpc>
+                        <a:spcAft>
+                          <a:spcPts val="1000"/>
+                        </a:spcAft>
+                      </a:pPr>
+                      <a:r>
+                        <a:rPr lang="en-US" sz="2000">
+                          <a:solidFill>
+                            <a:srgbClr val="2B2551"/>
+                          </a:solidFill>
+                          <a:effectLst/>
+                        </a:rPr>
+                        <a:t>(None, input_shape/2)</a:t>
+                      </a:r>
+                      <a:endParaRPr lang="en-US" sz="2000">
+                        <a:solidFill>
+                          <a:srgbClr val="2B2551"/>
+                        </a:solidFill>
+                        <a:effectLst/>
+                        <a:latin typeface="Cambria" panose="02040503050406030204" pitchFamily="18" charset="0"/>
+                        <a:ea typeface="MS Mincho" panose="02020609040205080304" pitchFamily="49" charset="-128"/>
+                        <a:cs typeface="Arial" panose="020B0604020202020204" pitchFamily="34" charset="0"/>
+                      </a:endParaRPr>
+                    </a:p>
+                  </a:txBody>
+                  <a:tcPr marL="52860" marR="52860" marT="0" marB="0"/>
+                </a:tc>
+                <a:tc>
+                  <a:txBody>
+                    <a:bodyPr/>
+                    <a:lstStyle/>
+                    <a:p>
+                      <a:pPr>
+                        <a:lnSpc>
+                          <a:spcPct val="115000"/>
+                        </a:lnSpc>
+                        <a:spcAft>
+                          <a:spcPts val="1000"/>
+                        </a:spcAft>
+                      </a:pPr>
+                      <a:r>
+                        <a:rPr lang="en-US" sz="2000">
+                          <a:solidFill>
+                            <a:srgbClr val="2B2551"/>
+                          </a:solidFill>
+                          <a:effectLst/>
+                        </a:rPr>
+                        <a:t>896</a:t>
+                      </a:r>
+                      <a:endParaRPr lang="en-US" sz="2000">
+                        <a:solidFill>
+                          <a:srgbClr val="2B2551"/>
+                        </a:solidFill>
+                        <a:effectLst/>
+                        <a:latin typeface="Cambria" panose="02040503050406030204" pitchFamily="18" charset="0"/>
+                        <a:ea typeface="MS Mincho" panose="02020609040205080304" pitchFamily="49" charset="-128"/>
+                        <a:cs typeface="Arial" panose="020B0604020202020204" pitchFamily="34" charset="0"/>
+                      </a:endParaRPr>
+                    </a:p>
+                  </a:txBody>
+                  <a:tcPr marL="52860" marR="52860" marT="0" marB="0"/>
+                </a:tc>
+                <a:tc>
+                  <a:txBody>
+                    <a:bodyPr/>
+                    <a:lstStyle/>
+                    <a:p>
+                      <a:pPr>
+                        <a:lnSpc>
+                          <a:spcPct val="115000"/>
+                        </a:lnSpc>
+                        <a:spcAft>
+                          <a:spcPts val="1000"/>
+                        </a:spcAft>
+                      </a:pPr>
+                      <a:r>
+                        <a:rPr lang="en-US" sz="2000">
+                          <a:solidFill>
+                            <a:srgbClr val="2B2551"/>
+                          </a:solidFill>
+                          <a:effectLst/>
+                        </a:rPr>
+                        <a:t>(3, 3)</a:t>
+                      </a:r>
+                      <a:endParaRPr lang="en-US" sz="2000">
+                        <a:solidFill>
+                          <a:srgbClr val="2B2551"/>
+                        </a:solidFill>
+                        <a:effectLst/>
+                        <a:latin typeface="Cambria" panose="02040503050406030204" pitchFamily="18" charset="0"/>
+                        <a:ea typeface="MS Mincho" panose="02020609040205080304" pitchFamily="49" charset="-128"/>
+                        <a:cs typeface="Arial" panose="020B0604020202020204" pitchFamily="34" charset="0"/>
+                      </a:endParaRPr>
+                    </a:p>
+                  </a:txBody>
+                  <a:tcPr marL="52860" marR="52860" marT="0" marB="0"/>
+                </a:tc>
+                <a:tc>
+                  <a:txBody>
+                    <a:bodyPr/>
+                    <a:lstStyle/>
+                    <a:p>
+                      <a:pPr>
+                        <a:lnSpc>
+                          <a:spcPct val="115000"/>
+                        </a:lnSpc>
+                        <a:spcAft>
+                          <a:spcPts val="1000"/>
+                        </a:spcAft>
+                      </a:pPr>
+                      <a:r>
+                        <a:rPr lang="en-US" sz="2000">
+                          <a:solidFill>
+                            <a:srgbClr val="2B2551"/>
+                          </a:solidFill>
+                          <a:effectLst/>
+                        </a:rPr>
+                        <a:t>ReLU</a:t>
+                      </a:r>
+                      <a:endParaRPr lang="en-US" sz="2000">
+                        <a:solidFill>
+                          <a:srgbClr val="2B2551"/>
+                        </a:solidFill>
+                        <a:effectLst/>
+                        <a:latin typeface="Cambria" panose="02040503050406030204" pitchFamily="18" charset="0"/>
+                        <a:ea typeface="MS Mincho" panose="02020609040205080304" pitchFamily="49" charset="-128"/>
+                        <a:cs typeface="Arial" panose="020B0604020202020204" pitchFamily="34" charset="0"/>
+                      </a:endParaRPr>
+                    </a:p>
+                  </a:txBody>
+                  <a:tcPr marL="52860" marR="52860" marT="0" marB="0"/>
+                </a:tc>
+                <a:tc>
+                  <a:txBody>
+                    <a:bodyPr/>
+                    <a:lstStyle/>
+                    <a:p>
+                      <a:pPr>
+                        <a:lnSpc>
+                          <a:spcPct val="115000"/>
+                        </a:lnSpc>
+                        <a:spcAft>
+                          <a:spcPts val="1000"/>
+                        </a:spcAft>
+                      </a:pPr>
+                      <a:r>
+                        <a:rPr lang="en-US" sz="2000">
+                          <a:solidFill>
+                            <a:srgbClr val="2B2551"/>
+                          </a:solidFill>
+                          <a:effectLst/>
+                        </a:rPr>
+                        <a:t>0.002</a:t>
+                      </a:r>
+                      <a:endParaRPr lang="en-US" sz="2000">
+                        <a:solidFill>
+                          <a:srgbClr val="2B2551"/>
+                        </a:solidFill>
+                        <a:effectLst/>
+                        <a:latin typeface="Cambria" panose="02040503050406030204" pitchFamily="18" charset="0"/>
+                        <a:ea typeface="MS Mincho" panose="02020609040205080304" pitchFamily="49" charset="-128"/>
+                        <a:cs typeface="Arial" panose="020B0604020202020204" pitchFamily="34" charset="0"/>
+                      </a:endParaRPr>
+                    </a:p>
+                  </a:txBody>
+                  <a:tcPr marL="52860" marR="52860" marT="0" marB="0"/>
+                </a:tc>
+                <a:extLst>
+                  <a:ext uri="{0D108BD9-81ED-4DB2-BD59-A6C34878D82A}">
+                    <a16:rowId xmlns:a16="http://schemas.microsoft.com/office/drawing/2014/main" val="364695453"/>
+                  </a:ext>
+                </a:extLst>
+              </a:tr>
+              <a:tr h="433159">
+                <a:tc>
+                  <a:txBody>
+                    <a:bodyPr/>
+                    <a:lstStyle/>
+                    <a:p>
+                      <a:pPr>
+                        <a:lnSpc>
+                          <a:spcPct val="115000"/>
+                        </a:lnSpc>
+                        <a:spcAft>
+                          <a:spcPts val="1000"/>
+                        </a:spcAft>
+                      </a:pPr>
+                      <a:r>
+                        <a:rPr lang="en-US" sz="2000">
+                          <a:solidFill>
+                            <a:srgbClr val="2B2551"/>
+                          </a:solidFill>
+                          <a:effectLst/>
+                        </a:rPr>
+                        <a:t>MaxPooling2D</a:t>
+                      </a:r>
+                      <a:endParaRPr lang="en-US" sz="2000">
+                        <a:solidFill>
+                          <a:srgbClr val="2B2551"/>
+                        </a:solidFill>
+                        <a:effectLst/>
+                        <a:latin typeface="Cambria" panose="02040503050406030204" pitchFamily="18" charset="0"/>
+                        <a:ea typeface="MS Mincho" panose="02020609040205080304" pitchFamily="49" charset="-128"/>
+                        <a:cs typeface="Arial" panose="020B0604020202020204" pitchFamily="34" charset="0"/>
+                      </a:endParaRPr>
+                    </a:p>
+                  </a:txBody>
+                  <a:tcPr marL="52860" marR="52860" marT="0" marB="0"/>
+                </a:tc>
+                <a:tc>
+                  <a:txBody>
+                    <a:bodyPr/>
+                    <a:lstStyle/>
+                    <a:p>
+                      <a:pPr>
+                        <a:lnSpc>
+                          <a:spcPct val="115000"/>
+                        </a:lnSpc>
+                        <a:spcAft>
+                          <a:spcPts val="1000"/>
+                        </a:spcAft>
+                      </a:pPr>
+                      <a:r>
+                        <a:rPr lang="en-US" sz="2000">
+                          <a:solidFill>
+                            <a:srgbClr val="2B2551"/>
+                          </a:solidFill>
+                          <a:effectLst/>
+                        </a:rPr>
+                        <a:t>(None, input_shape/4)</a:t>
+                      </a:r>
+                      <a:endParaRPr lang="en-US" sz="2000">
+                        <a:solidFill>
+                          <a:srgbClr val="2B2551"/>
+                        </a:solidFill>
+                        <a:effectLst/>
+                        <a:latin typeface="Cambria" panose="02040503050406030204" pitchFamily="18" charset="0"/>
+                        <a:ea typeface="MS Mincho" panose="02020609040205080304" pitchFamily="49" charset="-128"/>
+                        <a:cs typeface="Arial" panose="020B0604020202020204" pitchFamily="34" charset="0"/>
+                      </a:endParaRPr>
+                    </a:p>
+                  </a:txBody>
+                  <a:tcPr marL="52860" marR="52860" marT="0" marB="0"/>
+                </a:tc>
+                <a:tc>
+                  <a:txBody>
+                    <a:bodyPr/>
+                    <a:lstStyle/>
+                    <a:p>
+                      <a:pPr>
+                        <a:lnSpc>
+                          <a:spcPct val="115000"/>
+                        </a:lnSpc>
+                        <a:spcAft>
+                          <a:spcPts val="1000"/>
+                        </a:spcAft>
+                      </a:pPr>
+                      <a:r>
+                        <a:rPr lang="en-US" sz="2000">
+                          <a:solidFill>
+                            <a:srgbClr val="2B2551"/>
+                          </a:solidFill>
+                          <a:effectLst/>
+                        </a:rPr>
+                        <a:t>0</a:t>
+                      </a:r>
+                      <a:endParaRPr lang="en-US" sz="2000">
+                        <a:solidFill>
+                          <a:srgbClr val="2B2551"/>
+                        </a:solidFill>
+                        <a:effectLst/>
+                        <a:latin typeface="Cambria" panose="02040503050406030204" pitchFamily="18" charset="0"/>
+                        <a:ea typeface="MS Mincho" panose="02020609040205080304" pitchFamily="49" charset="-128"/>
+                        <a:cs typeface="Arial" panose="020B0604020202020204" pitchFamily="34" charset="0"/>
+                      </a:endParaRPr>
+                    </a:p>
+                  </a:txBody>
+                  <a:tcPr marL="52860" marR="52860" marT="0" marB="0"/>
+                </a:tc>
+                <a:tc>
+                  <a:txBody>
+                    <a:bodyPr/>
+                    <a:lstStyle/>
+                    <a:p>
+                      <a:pPr>
+                        <a:lnSpc>
+                          <a:spcPct val="115000"/>
+                        </a:lnSpc>
+                        <a:spcAft>
+                          <a:spcPts val="1000"/>
+                        </a:spcAft>
+                      </a:pPr>
+                      <a:r>
+                        <a:rPr lang="en-US" sz="2000">
+                          <a:solidFill>
+                            <a:srgbClr val="2B2551"/>
+                          </a:solidFill>
+                          <a:effectLst/>
+                        </a:rPr>
+                        <a:t>(2, 2)</a:t>
+                      </a:r>
+                      <a:endParaRPr lang="en-US" sz="2000">
+                        <a:solidFill>
+                          <a:srgbClr val="2B2551"/>
+                        </a:solidFill>
+                        <a:effectLst/>
+                        <a:latin typeface="Cambria" panose="02040503050406030204" pitchFamily="18" charset="0"/>
+                        <a:ea typeface="MS Mincho" panose="02020609040205080304" pitchFamily="49" charset="-128"/>
+                        <a:cs typeface="Arial" panose="020B0604020202020204" pitchFamily="34" charset="0"/>
+                      </a:endParaRPr>
+                    </a:p>
+                  </a:txBody>
+                  <a:tcPr marL="52860" marR="52860" marT="0" marB="0"/>
+                </a:tc>
+                <a:tc>
+                  <a:txBody>
+                    <a:bodyPr/>
+                    <a:lstStyle/>
+                    <a:p>
+                      <a:pPr>
+                        <a:lnSpc>
+                          <a:spcPct val="115000"/>
+                        </a:lnSpc>
+                        <a:spcAft>
+                          <a:spcPts val="1000"/>
+                        </a:spcAft>
+                      </a:pPr>
+                      <a:r>
+                        <a:rPr lang="en-US" sz="2000">
+                          <a:solidFill>
+                            <a:srgbClr val="2B2551"/>
+                          </a:solidFill>
+                          <a:effectLst/>
+                        </a:rPr>
+                        <a:t>N/A</a:t>
+                      </a:r>
+                      <a:endParaRPr lang="en-US" sz="2000">
+                        <a:solidFill>
+                          <a:srgbClr val="2B2551"/>
+                        </a:solidFill>
+                        <a:effectLst/>
+                        <a:latin typeface="Cambria" panose="02040503050406030204" pitchFamily="18" charset="0"/>
+                        <a:ea typeface="MS Mincho" panose="02020609040205080304" pitchFamily="49" charset="-128"/>
+                        <a:cs typeface="Arial" panose="020B0604020202020204" pitchFamily="34" charset="0"/>
+                      </a:endParaRPr>
+                    </a:p>
+                  </a:txBody>
+                  <a:tcPr marL="52860" marR="52860" marT="0" marB="0"/>
+                </a:tc>
+                <a:tc>
+                  <a:txBody>
+                    <a:bodyPr/>
+                    <a:lstStyle/>
+                    <a:p>
+                      <a:pPr>
+                        <a:lnSpc>
+                          <a:spcPct val="115000"/>
+                        </a:lnSpc>
+                        <a:spcAft>
+                          <a:spcPts val="1000"/>
+                        </a:spcAft>
+                      </a:pPr>
+                      <a:r>
+                        <a:rPr lang="en-US" sz="2000">
+                          <a:solidFill>
+                            <a:srgbClr val="2B2551"/>
+                          </a:solidFill>
+                          <a:effectLst/>
+                        </a:rPr>
+                        <a:t>None</a:t>
+                      </a:r>
+                      <a:endParaRPr lang="en-US" sz="2000">
+                        <a:solidFill>
+                          <a:srgbClr val="2B2551"/>
+                        </a:solidFill>
+                        <a:effectLst/>
+                        <a:latin typeface="Cambria" panose="02040503050406030204" pitchFamily="18" charset="0"/>
+                        <a:ea typeface="MS Mincho" panose="02020609040205080304" pitchFamily="49" charset="-128"/>
+                        <a:cs typeface="Arial" panose="020B0604020202020204" pitchFamily="34" charset="0"/>
+                      </a:endParaRPr>
+                    </a:p>
+                  </a:txBody>
+                  <a:tcPr marL="52860" marR="52860" marT="0" marB="0"/>
+                </a:tc>
+                <a:extLst>
+                  <a:ext uri="{0D108BD9-81ED-4DB2-BD59-A6C34878D82A}">
+                    <a16:rowId xmlns:a16="http://schemas.microsoft.com/office/drawing/2014/main" val="4054725728"/>
+                  </a:ext>
+                </a:extLst>
+              </a:tr>
+              <a:tr h="433159">
+                <a:tc>
+                  <a:txBody>
+                    <a:bodyPr/>
+                    <a:lstStyle/>
+                    <a:p>
+                      <a:pPr>
+                        <a:lnSpc>
+                          <a:spcPct val="115000"/>
+                        </a:lnSpc>
+                        <a:spcAft>
+                          <a:spcPts val="1000"/>
+                        </a:spcAft>
+                      </a:pPr>
+                      <a:r>
+                        <a:rPr lang="en-US" sz="2000">
+                          <a:solidFill>
+                            <a:srgbClr val="2B2551"/>
+                          </a:solidFill>
+                          <a:effectLst/>
+                        </a:rPr>
+                        <a:t>Conv2D (64 filters)</a:t>
+                      </a:r>
+                      <a:endParaRPr lang="en-US" sz="2000">
+                        <a:solidFill>
+                          <a:srgbClr val="2B2551"/>
+                        </a:solidFill>
+                        <a:effectLst/>
+                        <a:latin typeface="Cambria" panose="02040503050406030204" pitchFamily="18" charset="0"/>
+                        <a:ea typeface="MS Mincho" panose="02020609040205080304" pitchFamily="49" charset="-128"/>
+                        <a:cs typeface="Arial" panose="020B0604020202020204" pitchFamily="34" charset="0"/>
+                      </a:endParaRPr>
+                    </a:p>
+                  </a:txBody>
+                  <a:tcPr marL="52860" marR="52860" marT="0" marB="0"/>
+                </a:tc>
+                <a:tc>
+                  <a:txBody>
+                    <a:bodyPr/>
+                    <a:lstStyle/>
+                    <a:p>
+                      <a:pPr>
+                        <a:lnSpc>
+                          <a:spcPct val="115000"/>
+                        </a:lnSpc>
+                        <a:spcAft>
+                          <a:spcPts val="1000"/>
+                        </a:spcAft>
+                      </a:pPr>
+                      <a:r>
+                        <a:rPr lang="en-US" sz="2000">
+                          <a:solidFill>
+                            <a:srgbClr val="2B2551"/>
+                          </a:solidFill>
+                          <a:effectLst/>
+                        </a:rPr>
+                        <a:t>(None, input_shape/8)</a:t>
+                      </a:r>
+                      <a:endParaRPr lang="en-US" sz="2000">
+                        <a:solidFill>
+                          <a:srgbClr val="2B2551"/>
+                        </a:solidFill>
+                        <a:effectLst/>
+                        <a:latin typeface="Cambria" panose="02040503050406030204" pitchFamily="18" charset="0"/>
+                        <a:ea typeface="MS Mincho" panose="02020609040205080304" pitchFamily="49" charset="-128"/>
+                        <a:cs typeface="Arial" panose="020B0604020202020204" pitchFamily="34" charset="0"/>
+                      </a:endParaRPr>
+                    </a:p>
+                  </a:txBody>
+                  <a:tcPr marL="52860" marR="52860" marT="0" marB="0"/>
+                </a:tc>
+                <a:tc>
+                  <a:txBody>
+                    <a:bodyPr/>
+                    <a:lstStyle/>
+                    <a:p>
+                      <a:pPr>
+                        <a:lnSpc>
+                          <a:spcPct val="115000"/>
+                        </a:lnSpc>
+                        <a:spcAft>
+                          <a:spcPts val="1000"/>
+                        </a:spcAft>
+                      </a:pPr>
+                      <a:r>
+                        <a:rPr lang="en-US" sz="2000">
+                          <a:solidFill>
+                            <a:srgbClr val="2B2551"/>
+                          </a:solidFill>
+                          <a:effectLst/>
+                        </a:rPr>
+                        <a:t>18,496</a:t>
+                      </a:r>
+                      <a:endParaRPr lang="en-US" sz="2000">
+                        <a:solidFill>
+                          <a:srgbClr val="2B2551"/>
+                        </a:solidFill>
+                        <a:effectLst/>
+                        <a:latin typeface="Cambria" panose="02040503050406030204" pitchFamily="18" charset="0"/>
+                        <a:ea typeface="MS Mincho" panose="02020609040205080304" pitchFamily="49" charset="-128"/>
+                        <a:cs typeface="Arial" panose="020B0604020202020204" pitchFamily="34" charset="0"/>
+                      </a:endParaRPr>
+                    </a:p>
+                  </a:txBody>
+                  <a:tcPr marL="52860" marR="52860" marT="0" marB="0"/>
+                </a:tc>
+                <a:tc>
+                  <a:txBody>
+                    <a:bodyPr/>
+                    <a:lstStyle/>
+                    <a:p>
+                      <a:pPr>
+                        <a:lnSpc>
+                          <a:spcPct val="115000"/>
+                        </a:lnSpc>
+                        <a:spcAft>
+                          <a:spcPts val="1000"/>
+                        </a:spcAft>
+                      </a:pPr>
+                      <a:r>
+                        <a:rPr lang="en-US" sz="2000">
+                          <a:solidFill>
+                            <a:srgbClr val="2B2551"/>
+                          </a:solidFill>
+                          <a:effectLst/>
+                        </a:rPr>
+                        <a:t>(3, 3)</a:t>
+                      </a:r>
+                      <a:endParaRPr lang="en-US" sz="2000">
+                        <a:solidFill>
+                          <a:srgbClr val="2B2551"/>
+                        </a:solidFill>
+                        <a:effectLst/>
+                        <a:latin typeface="Cambria" panose="02040503050406030204" pitchFamily="18" charset="0"/>
+                        <a:ea typeface="MS Mincho" panose="02020609040205080304" pitchFamily="49" charset="-128"/>
+                        <a:cs typeface="Arial" panose="020B0604020202020204" pitchFamily="34" charset="0"/>
+                      </a:endParaRPr>
+                    </a:p>
+                  </a:txBody>
+                  <a:tcPr marL="52860" marR="52860" marT="0" marB="0"/>
+                </a:tc>
+                <a:tc>
+                  <a:txBody>
+                    <a:bodyPr/>
+                    <a:lstStyle/>
+                    <a:p>
+                      <a:pPr>
+                        <a:lnSpc>
+                          <a:spcPct val="115000"/>
+                        </a:lnSpc>
+                        <a:spcAft>
+                          <a:spcPts val="1000"/>
+                        </a:spcAft>
+                      </a:pPr>
+                      <a:r>
+                        <a:rPr lang="en-US" sz="2000">
+                          <a:solidFill>
+                            <a:srgbClr val="2B2551"/>
+                          </a:solidFill>
+                          <a:effectLst/>
+                        </a:rPr>
+                        <a:t>ReLU</a:t>
+                      </a:r>
+                      <a:endParaRPr lang="en-US" sz="2000">
+                        <a:solidFill>
+                          <a:srgbClr val="2B2551"/>
+                        </a:solidFill>
+                        <a:effectLst/>
+                        <a:latin typeface="Cambria" panose="02040503050406030204" pitchFamily="18" charset="0"/>
+                        <a:ea typeface="MS Mincho" panose="02020609040205080304" pitchFamily="49" charset="-128"/>
+                        <a:cs typeface="Arial" panose="020B0604020202020204" pitchFamily="34" charset="0"/>
+                      </a:endParaRPr>
+                    </a:p>
+                  </a:txBody>
+                  <a:tcPr marL="52860" marR="52860" marT="0" marB="0"/>
+                </a:tc>
+                <a:tc>
+                  <a:txBody>
+                    <a:bodyPr/>
+                    <a:lstStyle/>
+                    <a:p>
+                      <a:pPr>
+                        <a:lnSpc>
+                          <a:spcPct val="115000"/>
+                        </a:lnSpc>
+                        <a:spcAft>
+                          <a:spcPts val="1000"/>
+                        </a:spcAft>
+                      </a:pPr>
+                      <a:r>
+                        <a:rPr lang="en-US" sz="2000">
+                          <a:solidFill>
+                            <a:srgbClr val="2B2551"/>
+                          </a:solidFill>
+                          <a:effectLst/>
+                        </a:rPr>
+                        <a:t>0.002</a:t>
+                      </a:r>
+                      <a:endParaRPr lang="en-US" sz="2000">
+                        <a:solidFill>
+                          <a:srgbClr val="2B2551"/>
+                        </a:solidFill>
+                        <a:effectLst/>
+                        <a:latin typeface="Cambria" panose="02040503050406030204" pitchFamily="18" charset="0"/>
+                        <a:ea typeface="MS Mincho" panose="02020609040205080304" pitchFamily="49" charset="-128"/>
+                        <a:cs typeface="Arial" panose="020B0604020202020204" pitchFamily="34" charset="0"/>
+                      </a:endParaRPr>
+                    </a:p>
+                  </a:txBody>
+                  <a:tcPr marL="52860" marR="52860" marT="0" marB="0"/>
+                </a:tc>
+                <a:extLst>
+                  <a:ext uri="{0D108BD9-81ED-4DB2-BD59-A6C34878D82A}">
+                    <a16:rowId xmlns:a16="http://schemas.microsoft.com/office/drawing/2014/main" val="4055128340"/>
+                  </a:ext>
+                </a:extLst>
+              </a:tr>
+              <a:tr h="433159">
+                <a:tc>
+                  <a:txBody>
+                    <a:bodyPr/>
+                    <a:lstStyle/>
+                    <a:p>
+                      <a:pPr>
+                        <a:lnSpc>
+                          <a:spcPct val="115000"/>
+                        </a:lnSpc>
+                        <a:spcAft>
+                          <a:spcPts val="1000"/>
+                        </a:spcAft>
+                      </a:pPr>
+                      <a:r>
+                        <a:rPr lang="en-US" sz="2000">
+                          <a:solidFill>
+                            <a:srgbClr val="2B2551"/>
+                          </a:solidFill>
+                          <a:effectLst/>
+                        </a:rPr>
+                        <a:t>MaxPooling2D</a:t>
+                      </a:r>
+                      <a:endParaRPr lang="en-US" sz="2000">
+                        <a:solidFill>
+                          <a:srgbClr val="2B2551"/>
+                        </a:solidFill>
+                        <a:effectLst/>
+                        <a:latin typeface="Cambria" panose="02040503050406030204" pitchFamily="18" charset="0"/>
+                        <a:ea typeface="MS Mincho" panose="02020609040205080304" pitchFamily="49" charset="-128"/>
+                        <a:cs typeface="Arial" panose="020B0604020202020204" pitchFamily="34" charset="0"/>
+                      </a:endParaRPr>
+                    </a:p>
+                  </a:txBody>
+                  <a:tcPr marL="52860" marR="52860" marT="0" marB="0"/>
+                </a:tc>
+                <a:tc>
+                  <a:txBody>
+                    <a:bodyPr/>
+                    <a:lstStyle/>
+                    <a:p>
+                      <a:pPr>
+                        <a:lnSpc>
+                          <a:spcPct val="115000"/>
+                        </a:lnSpc>
+                        <a:spcAft>
+                          <a:spcPts val="1000"/>
+                        </a:spcAft>
+                      </a:pPr>
+                      <a:r>
+                        <a:rPr lang="en-US" sz="2000">
+                          <a:solidFill>
+                            <a:srgbClr val="2B2551"/>
+                          </a:solidFill>
+                          <a:effectLst/>
+                        </a:rPr>
+                        <a:t>(None, input_shape/16)</a:t>
+                      </a:r>
+                      <a:endParaRPr lang="en-US" sz="2000">
+                        <a:solidFill>
+                          <a:srgbClr val="2B2551"/>
+                        </a:solidFill>
+                        <a:effectLst/>
+                        <a:latin typeface="Cambria" panose="02040503050406030204" pitchFamily="18" charset="0"/>
+                        <a:ea typeface="MS Mincho" panose="02020609040205080304" pitchFamily="49" charset="-128"/>
+                        <a:cs typeface="Arial" panose="020B0604020202020204" pitchFamily="34" charset="0"/>
+                      </a:endParaRPr>
+                    </a:p>
+                  </a:txBody>
+                  <a:tcPr marL="52860" marR="52860" marT="0" marB="0"/>
+                </a:tc>
+                <a:tc>
+                  <a:txBody>
+                    <a:bodyPr/>
+                    <a:lstStyle/>
+                    <a:p>
+                      <a:pPr>
+                        <a:lnSpc>
+                          <a:spcPct val="115000"/>
+                        </a:lnSpc>
+                        <a:spcAft>
+                          <a:spcPts val="1000"/>
+                        </a:spcAft>
+                      </a:pPr>
+                      <a:r>
+                        <a:rPr lang="en-US" sz="2000">
+                          <a:solidFill>
+                            <a:srgbClr val="2B2551"/>
+                          </a:solidFill>
+                          <a:effectLst/>
+                        </a:rPr>
+                        <a:t>0</a:t>
+                      </a:r>
+                      <a:endParaRPr lang="en-US" sz="2000">
+                        <a:solidFill>
+                          <a:srgbClr val="2B2551"/>
+                        </a:solidFill>
+                        <a:effectLst/>
+                        <a:latin typeface="Cambria" panose="02040503050406030204" pitchFamily="18" charset="0"/>
+                        <a:ea typeface="MS Mincho" panose="02020609040205080304" pitchFamily="49" charset="-128"/>
+                        <a:cs typeface="Arial" panose="020B0604020202020204" pitchFamily="34" charset="0"/>
+                      </a:endParaRPr>
+                    </a:p>
+                  </a:txBody>
+                  <a:tcPr marL="52860" marR="52860" marT="0" marB="0"/>
+                </a:tc>
+                <a:tc>
+                  <a:txBody>
+                    <a:bodyPr/>
+                    <a:lstStyle/>
+                    <a:p>
+                      <a:pPr>
+                        <a:lnSpc>
+                          <a:spcPct val="115000"/>
+                        </a:lnSpc>
+                        <a:spcAft>
+                          <a:spcPts val="1000"/>
+                        </a:spcAft>
+                      </a:pPr>
+                      <a:r>
+                        <a:rPr lang="en-US" sz="2000">
+                          <a:solidFill>
+                            <a:srgbClr val="2B2551"/>
+                          </a:solidFill>
+                          <a:effectLst/>
+                        </a:rPr>
+                        <a:t>(2, 2)</a:t>
+                      </a:r>
+                      <a:endParaRPr lang="en-US" sz="2000">
+                        <a:solidFill>
+                          <a:srgbClr val="2B2551"/>
+                        </a:solidFill>
+                        <a:effectLst/>
+                        <a:latin typeface="Cambria" panose="02040503050406030204" pitchFamily="18" charset="0"/>
+                        <a:ea typeface="MS Mincho" panose="02020609040205080304" pitchFamily="49" charset="-128"/>
+                        <a:cs typeface="Arial" panose="020B0604020202020204" pitchFamily="34" charset="0"/>
+                      </a:endParaRPr>
+                    </a:p>
+                  </a:txBody>
+                  <a:tcPr marL="52860" marR="52860" marT="0" marB="0"/>
+                </a:tc>
+                <a:tc>
+                  <a:txBody>
+                    <a:bodyPr/>
+                    <a:lstStyle/>
+                    <a:p>
+                      <a:pPr>
+                        <a:lnSpc>
+                          <a:spcPct val="115000"/>
+                        </a:lnSpc>
+                        <a:spcAft>
+                          <a:spcPts val="1000"/>
+                        </a:spcAft>
+                      </a:pPr>
+                      <a:r>
+                        <a:rPr lang="en-US" sz="2000">
+                          <a:solidFill>
+                            <a:srgbClr val="2B2551"/>
+                          </a:solidFill>
+                          <a:effectLst/>
+                        </a:rPr>
+                        <a:t>N/A</a:t>
+                      </a:r>
+                      <a:endParaRPr lang="en-US" sz="2000">
+                        <a:solidFill>
+                          <a:srgbClr val="2B2551"/>
+                        </a:solidFill>
+                        <a:effectLst/>
+                        <a:latin typeface="Cambria" panose="02040503050406030204" pitchFamily="18" charset="0"/>
+                        <a:ea typeface="MS Mincho" panose="02020609040205080304" pitchFamily="49" charset="-128"/>
+                        <a:cs typeface="Arial" panose="020B0604020202020204" pitchFamily="34" charset="0"/>
+                      </a:endParaRPr>
+                    </a:p>
+                  </a:txBody>
+                  <a:tcPr marL="52860" marR="52860" marT="0" marB="0"/>
+                </a:tc>
+                <a:tc>
+                  <a:txBody>
+                    <a:bodyPr/>
+                    <a:lstStyle/>
+                    <a:p>
+                      <a:pPr>
+                        <a:lnSpc>
+                          <a:spcPct val="115000"/>
+                        </a:lnSpc>
+                        <a:spcAft>
+                          <a:spcPts val="1000"/>
+                        </a:spcAft>
+                      </a:pPr>
+                      <a:r>
+                        <a:rPr lang="en-US" sz="2000">
+                          <a:solidFill>
+                            <a:srgbClr val="2B2551"/>
+                          </a:solidFill>
+                          <a:effectLst/>
+                        </a:rPr>
+                        <a:t>None</a:t>
+                      </a:r>
+                      <a:endParaRPr lang="en-US" sz="2000">
+                        <a:solidFill>
+                          <a:srgbClr val="2B2551"/>
+                        </a:solidFill>
+                        <a:effectLst/>
+                        <a:latin typeface="Cambria" panose="02040503050406030204" pitchFamily="18" charset="0"/>
+                        <a:ea typeface="MS Mincho" panose="02020609040205080304" pitchFamily="49" charset="-128"/>
+                        <a:cs typeface="Arial" panose="020B0604020202020204" pitchFamily="34" charset="0"/>
+                      </a:endParaRPr>
+                    </a:p>
+                  </a:txBody>
+                  <a:tcPr marL="52860" marR="52860" marT="0" marB="0"/>
+                </a:tc>
+                <a:extLst>
+                  <a:ext uri="{0D108BD9-81ED-4DB2-BD59-A6C34878D82A}">
+                    <a16:rowId xmlns:a16="http://schemas.microsoft.com/office/drawing/2014/main" val="3723922233"/>
+                  </a:ext>
+                </a:extLst>
+              </a:tr>
+              <a:tr h="433159">
+                <a:tc>
+                  <a:txBody>
+                    <a:bodyPr/>
+                    <a:lstStyle/>
+                    <a:p>
+                      <a:pPr>
+                        <a:lnSpc>
+                          <a:spcPct val="115000"/>
+                        </a:lnSpc>
+                        <a:spcAft>
+                          <a:spcPts val="1000"/>
+                        </a:spcAft>
+                      </a:pPr>
+                      <a:r>
+                        <a:rPr lang="en-US" sz="2000">
+                          <a:solidFill>
+                            <a:srgbClr val="2B2551"/>
+                          </a:solidFill>
+                          <a:effectLst/>
+                        </a:rPr>
+                        <a:t>Conv2D (128 filters)</a:t>
+                      </a:r>
+                      <a:endParaRPr lang="en-US" sz="2000">
+                        <a:solidFill>
+                          <a:srgbClr val="2B2551"/>
+                        </a:solidFill>
+                        <a:effectLst/>
+                        <a:latin typeface="Cambria" panose="02040503050406030204" pitchFamily="18" charset="0"/>
+                        <a:ea typeface="MS Mincho" panose="02020609040205080304" pitchFamily="49" charset="-128"/>
+                        <a:cs typeface="Arial" panose="020B0604020202020204" pitchFamily="34" charset="0"/>
+                      </a:endParaRPr>
+                    </a:p>
+                  </a:txBody>
+                  <a:tcPr marL="52860" marR="52860" marT="0" marB="0"/>
+                </a:tc>
+                <a:tc>
+                  <a:txBody>
+                    <a:bodyPr/>
+                    <a:lstStyle/>
+                    <a:p>
+                      <a:pPr>
+                        <a:lnSpc>
+                          <a:spcPct val="115000"/>
+                        </a:lnSpc>
+                        <a:spcAft>
+                          <a:spcPts val="1000"/>
+                        </a:spcAft>
+                      </a:pPr>
+                      <a:r>
+                        <a:rPr lang="en-US" sz="2000">
+                          <a:solidFill>
+                            <a:srgbClr val="2B2551"/>
+                          </a:solidFill>
+                          <a:effectLst/>
+                        </a:rPr>
+                        <a:t>(None, input_shape/32)</a:t>
+                      </a:r>
+                      <a:endParaRPr lang="en-US" sz="2000">
+                        <a:solidFill>
+                          <a:srgbClr val="2B2551"/>
+                        </a:solidFill>
+                        <a:effectLst/>
+                        <a:latin typeface="Cambria" panose="02040503050406030204" pitchFamily="18" charset="0"/>
+                        <a:ea typeface="MS Mincho" panose="02020609040205080304" pitchFamily="49" charset="-128"/>
+                        <a:cs typeface="Arial" panose="020B0604020202020204" pitchFamily="34" charset="0"/>
+                      </a:endParaRPr>
+                    </a:p>
+                  </a:txBody>
+                  <a:tcPr marL="52860" marR="52860" marT="0" marB="0"/>
+                </a:tc>
+                <a:tc>
+                  <a:txBody>
+                    <a:bodyPr/>
+                    <a:lstStyle/>
+                    <a:p>
+                      <a:pPr>
+                        <a:lnSpc>
+                          <a:spcPct val="115000"/>
+                        </a:lnSpc>
+                        <a:spcAft>
+                          <a:spcPts val="1000"/>
+                        </a:spcAft>
+                      </a:pPr>
+                      <a:r>
+                        <a:rPr lang="en-US" sz="2000">
+                          <a:solidFill>
+                            <a:srgbClr val="2B2551"/>
+                          </a:solidFill>
+                          <a:effectLst/>
+                        </a:rPr>
+                        <a:t>73,856</a:t>
+                      </a:r>
+                      <a:endParaRPr lang="en-US" sz="2000">
+                        <a:solidFill>
+                          <a:srgbClr val="2B2551"/>
+                        </a:solidFill>
+                        <a:effectLst/>
+                        <a:latin typeface="Cambria" panose="02040503050406030204" pitchFamily="18" charset="0"/>
+                        <a:ea typeface="MS Mincho" panose="02020609040205080304" pitchFamily="49" charset="-128"/>
+                        <a:cs typeface="Arial" panose="020B0604020202020204" pitchFamily="34" charset="0"/>
+                      </a:endParaRPr>
+                    </a:p>
+                  </a:txBody>
+                  <a:tcPr marL="52860" marR="52860" marT="0" marB="0"/>
+                </a:tc>
+                <a:tc>
+                  <a:txBody>
+                    <a:bodyPr/>
+                    <a:lstStyle/>
+                    <a:p>
+                      <a:pPr>
+                        <a:lnSpc>
+                          <a:spcPct val="115000"/>
+                        </a:lnSpc>
+                        <a:spcAft>
+                          <a:spcPts val="1000"/>
+                        </a:spcAft>
+                      </a:pPr>
+                      <a:r>
+                        <a:rPr lang="en-US" sz="2000">
+                          <a:solidFill>
+                            <a:srgbClr val="2B2551"/>
+                          </a:solidFill>
+                          <a:effectLst/>
+                        </a:rPr>
+                        <a:t>(3, 3)</a:t>
+                      </a:r>
+                      <a:endParaRPr lang="en-US" sz="2000">
+                        <a:solidFill>
+                          <a:srgbClr val="2B2551"/>
+                        </a:solidFill>
+                        <a:effectLst/>
+                        <a:latin typeface="Cambria" panose="02040503050406030204" pitchFamily="18" charset="0"/>
+                        <a:ea typeface="MS Mincho" panose="02020609040205080304" pitchFamily="49" charset="-128"/>
+                        <a:cs typeface="Arial" panose="020B0604020202020204" pitchFamily="34" charset="0"/>
+                      </a:endParaRPr>
+                    </a:p>
+                  </a:txBody>
+                  <a:tcPr marL="52860" marR="52860" marT="0" marB="0"/>
+                </a:tc>
+                <a:tc>
+                  <a:txBody>
+                    <a:bodyPr/>
+                    <a:lstStyle/>
+                    <a:p>
+                      <a:pPr>
+                        <a:lnSpc>
+                          <a:spcPct val="115000"/>
+                        </a:lnSpc>
+                        <a:spcAft>
+                          <a:spcPts val="1000"/>
+                        </a:spcAft>
+                      </a:pPr>
+                      <a:r>
+                        <a:rPr lang="en-US" sz="2000">
+                          <a:solidFill>
+                            <a:srgbClr val="2B2551"/>
+                          </a:solidFill>
+                          <a:effectLst/>
+                        </a:rPr>
+                        <a:t>ReLU</a:t>
+                      </a:r>
+                      <a:endParaRPr lang="en-US" sz="2000">
+                        <a:solidFill>
+                          <a:srgbClr val="2B2551"/>
+                        </a:solidFill>
+                        <a:effectLst/>
+                        <a:latin typeface="Cambria" panose="02040503050406030204" pitchFamily="18" charset="0"/>
+                        <a:ea typeface="MS Mincho" panose="02020609040205080304" pitchFamily="49" charset="-128"/>
+                        <a:cs typeface="Arial" panose="020B0604020202020204" pitchFamily="34" charset="0"/>
+                      </a:endParaRPr>
+                    </a:p>
+                  </a:txBody>
+                  <a:tcPr marL="52860" marR="52860" marT="0" marB="0"/>
+                </a:tc>
+                <a:tc>
+                  <a:txBody>
+                    <a:bodyPr/>
+                    <a:lstStyle/>
+                    <a:p>
+                      <a:pPr>
+                        <a:lnSpc>
+                          <a:spcPct val="115000"/>
+                        </a:lnSpc>
+                        <a:spcAft>
+                          <a:spcPts val="1000"/>
+                        </a:spcAft>
+                      </a:pPr>
+                      <a:r>
+                        <a:rPr lang="en-US" sz="2000">
+                          <a:solidFill>
+                            <a:srgbClr val="2B2551"/>
+                          </a:solidFill>
+                          <a:effectLst/>
+                        </a:rPr>
+                        <a:t>0.002</a:t>
+                      </a:r>
+                      <a:endParaRPr lang="en-US" sz="2000">
+                        <a:solidFill>
+                          <a:srgbClr val="2B2551"/>
+                        </a:solidFill>
+                        <a:effectLst/>
+                        <a:latin typeface="Cambria" panose="02040503050406030204" pitchFamily="18" charset="0"/>
+                        <a:ea typeface="MS Mincho" panose="02020609040205080304" pitchFamily="49" charset="-128"/>
+                        <a:cs typeface="Arial" panose="020B0604020202020204" pitchFamily="34" charset="0"/>
+                      </a:endParaRPr>
+                    </a:p>
+                  </a:txBody>
+                  <a:tcPr marL="52860" marR="52860" marT="0" marB="0"/>
+                </a:tc>
+                <a:extLst>
+                  <a:ext uri="{0D108BD9-81ED-4DB2-BD59-A6C34878D82A}">
+                    <a16:rowId xmlns:a16="http://schemas.microsoft.com/office/drawing/2014/main" val="1094226837"/>
+                  </a:ext>
+                </a:extLst>
+              </a:tr>
+              <a:tr h="433159">
+                <a:tc>
+                  <a:txBody>
+                    <a:bodyPr/>
+                    <a:lstStyle/>
+                    <a:p>
+                      <a:pPr>
+                        <a:lnSpc>
+                          <a:spcPct val="115000"/>
+                        </a:lnSpc>
+                        <a:spcAft>
+                          <a:spcPts val="1000"/>
+                        </a:spcAft>
+                      </a:pPr>
+                      <a:r>
+                        <a:rPr lang="en-US" sz="2000">
+                          <a:solidFill>
+                            <a:srgbClr val="2B2551"/>
+                          </a:solidFill>
+                          <a:effectLst/>
+                        </a:rPr>
+                        <a:t>MaxPooling2D</a:t>
+                      </a:r>
+                      <a:endParaRPr lang="en-US" sz="2000">
+                        <a:solidFill>
+                          <a:srgbClr val="2B2551"/>
+                        </a:solidFill>
+                        <a:effectLst/>
+                        <a:latin typeface="Cambria" panose="02040503050406030204" pitchFamily="18" charset="0"/>
+                        <a:ea typeface="MS Mincho" panose="02020609040205080304" pitchFamily="49" charset="-128"/>
+                        <a:cs typeface="Arial" panose="020B0604020202020204" pitchFamily="34" charset="0"/>
+                      </a:endParaRPr>
+                    </a:p>
+                  </a:txBody>
+                  <a:tcPr marL="52860" marR="52860" marT="0" marB="0"/>
+                </a:tc>
+                <a:tc>
+                  <a:txBody>
+                    <a:bodyPr/>
+                    <a:lstStyle/>
+                    <a:p>
+                      <a:pPr>
+                        <a:lnSpc>
+                          <a:spcPct val="115000"/>
+                        </a:lnSpc>
+                        <a:spcAft>
+                          <a:spcPts val="1000"/>
+                        </a:spcAft>
+                      </a:pPr>
+                      <a:r>
+                        <a:rPr lang="en-US" sz="2000">
+                          <a:solidFill>
+                            <a:srgbClr val="2B2551"/>
+                          </a:solidFill>
+                          <a:effectLst/>
+                        </a:rPr>
+                        <a:t>(None, input_shape/64)</a:t>
+                      </a:r>
+                      <a:endParaRPr lang="en-US" sz="2000">
+                        <a:solidFill>
+                          <a:srgbClr val="2B2551"/>
+                        </a:solidFill>
+                        <a:effectLst/>
+                        <a:latin typeface="Cambria" panose="02040503050406030204" pitchFamily="18" charset="0"/>
+                        <a:ea typeface="MS Mincho" panose="02020609040205080304" pitchFamily="49" charset="-128"/>
+                        <a:cs typeface="Arial" panose="020B0604020202020204" pitchFamily="34" charset="0"/>
+                      </a:endParaRPr>
+                    </a:p>
+                  </a:txBody>
+                  <a:tcPr marL="52860" marR="52860" marT="0" marB="0"/>
+                </a:tc>
+                <a:tc>
+                  <a:txBody>
+                    <a:bodyPr/>
+                    <a:lstStyle/>
+                    <a:p>
+                      <a:pPr>
+                        <a:lnSpc>
+                          <a:spcPct val="115000"/>
+                        </a:lnSpc>
+                        <a:spcAft>
+                          <a:spcPts val="1000"/>
+                        </a:spcAft>
+                      </a:pPr>
+                      <a:r>
+                        <a:rPr lang="en-US" sz="2000">
+                          <a:solidFill>
+                            <a:srgbClr val="2B2551"/>
+                          </a:solidFill>
+                          <a:effectLst/>
+                        </a:rPr>
+                        <a:t>0</a:t>
+                      </a:r>
+                      <a:endParaRPr lang="en-US" sz="2000">
+                        <a:solidFill>
+                          <a:srgbClr val="2B2551"/>
+                        </a:solidFill>
+                        <a:effectLst/>
+                        <a:latin typeface="Cambria" panose="02040503050406030204" pitchFamily="18" charset="0"/>
+                        <a:ea typeface="MS Mincho" panose="02020609040205080304" pitchFamily="49" charset="-128"/>
+                        <a:cs typeface="Arial" panose="020B0604020202020204" pitchFamily="34" charset="0"/>
+                      </a:endParaRPr>
+                    </a:p>
+                  </a:txBody>
+                  <a:tcPr marL="52860" marR="52860" marT="0" marB="0"/>
+                </a:tc>
+                <a:tc>
+                  <a:txBody>
+                    <a:bodyPr/>
+                    <a:lstStyle/>
+                    <a:p>
+                      <a:pPr>
+                        <a:lnSpc>
+                          <a:spcPct val="115000"/>
+                        </a:lnSpc>
+                        <a:spcAft>
+                          <a:spcPts val="1000"/>
+                        </a:spcAft>
+                      </a:pPr>
+                      <a:r>
+                        <a:rPr lang="en-US" sz="2000">
+                          <a:solidFill>
+                            <a:srgbClr val="2B2551"/>
+                          </a:solidFill>
+                          <a:effectLst/>
+                        </a:rPr>
+                        <a:t>(2, 2)</a:t>
+                      </a:r>
+                      <a:endParaRPr lang="en-US" sz="2000">
+                        <a:solidFill>
+                          <a:srgbClr val="2B2551"/>
+                        </a:solidFill>
+                        <a:effectLst/>
+                        <a:latin typeface="Cambria" panose="02040503050406030204" pitchFamily="18" charset="0"/>
+                        <a:ea typeface="MS Mincho" panose="02020609040205080304" pitchFamily="49" charset="-128"/>
+                        <a:cs typeface="Arial" panose="020B0604020202020204" pitchFamily="34" charset="0"/>
+                      </a:endParaRPr>
+                    </a:p>
+                  </a:txBody>
+                  <a:tcPr marL="52860" marR="52860" marT="0" marB="0"/>
+                </a:tc>
+                <a:tc>
+                  <a:txBody>
+                    <a:bodyPr/>
+                    <a:lstStyle/>
+                    <a:p>
+                      <a:pPr>
+                        <a:lnSpc>
+                          <a:spcPct val="115000"/>
+                        </a:lnSpc>
+                        <a:spcAft>
+                          <a:spcPts val="1000"/>
+                        </a:spcAft>
+                      </a:pPr>
+                      <a:r>
+                        <a:rPr lang="en-US" sz="2000">
+                          <a:solidFill>
+                            <a:srgbClr val="2B2551"/>
+                          </a:solidFill>
+                          <a:effectLst/>
+                        </a:rPr>
+                        <a:t>N/A</a:t>
+                      </a:r>
+                      <a:endParaRPr lang="en-US" sz="2000">
+                        <a:solidFill>
+                          <a:srgbClr val="2B2551"/>
+                        </a:solidFill>
+                        <a:effectLst/>
+                        <a:latin typeface="Cambria" panose="02040503050406030204" pitchFamily="18" charset="0"/>
+                        <a:ea typeface="MS Mincho" panose="02020609040205080304" pitchFamily="49" charset="-128"/>
+                        <a:cs typeface="Arial" panose="020B0604020202020204" pitchFamily="34" charset="0"/>
+                      </a:endParaRPr>
+                    </a:p>
+                  </a:txBody>
+                  <a:tcPr marL="52860" marR="52860" marT="0" marB="0"/>
+                </a:tc>
+                <a:tc>
+                  <a:txBody>
+                    <a:bodyPr/>
+                    <a:lstStyle/>
+                    <a:p>
+                      <a:pPr>
+                        <a:lnSpc>
+                          <a:spcPct val="115000"/>
+                        </a:lnSpc>
+                        <a:spcAft>
+                          <a:spcPts val="1000"/>
+                        </a:spcAft>
+                      </a:pPr>
+                      <a:r>
+                        <a:rPr lang="en-US" sz="2000">
+                          <a:solidFill>
+                            <a:srgbClr val="2B2551"/>
+                          </a:solidFill>
+                          <a:effectLst/>
+                        </a:rPr>
+                        <a:t>None</a:t>
+                      </a:r>
+                      <a:endParaRPr lang="en-US" sz="2000">
+                        <a:solidFill>
+                          <a:srgbClr val="2B2551"/>
+                        </a:solidFill>
+                        <a:effectLst/>
+                        <a:latin typeface="Cambria" panose="02040503050406030204" pitchFamily="18" charset="0"/>
+                        <a:ea typeface="MS Mincho" panose="02020609040205080304" pitchFamily="49" charset="-128"/>
+                        <a:cs typeface="Arial" panose="020B0604020202020204" pitchFamily="34" charset="0"/>
+                      </a:endParaRPr>
+                    </a:p>
+                  </a:txBody>
+                  <a:tcPr marL="52860" marR="52860" marT="0" marB="0"/>
+                </a:tc>
+                <a:extLst>
+                  <a:ext uri="{0D108BD9-81ED-4DB2-BD59-A6C34878D82A}">
+                    <a16:rowId xmlns:a16="http://schemas.microsoft.com/office/drawing/2014/main" val="2267476000"/>
+                  </a:ext>
+                </a:extLst>
+              </a:tr>
+              <a:tr h="135968">
+                <a:tc>
+                  <a:txBody>
+                    <a:bodyPr/>
+                    <a:lstStyle/>
+                    <a:p>
+                      <a:pPr>
+                        <a:lnSpc>
+                          <a:spcPct val="115000"/>
+                        </a:lnSpc>
+                        <a:spcAft>
+                          <a:spcPts val="1000"/>
+                        </a:spcAft>
+                      </a:pPr>
+                      <a:r>
+                        <a:rPr lang="en-US" sz="2000">
+                          <a:solidFill>
+                            <a:srgbClr val="2B2551"/>
+                          </a:solidFill>
+                          <a:effectLst/>
+                        </a:rPr>
+                        <a:t>Flatten</a:t>
+                      </a:r>
+                      <a:endParaRPr lang="en-US" sz="2000">
+                        <a:solidFill>
+                          <a:srgbClr val="2B2551"/>
+                        </a:solidFill>
+                        <a:effectLst/>
+                        <a:latin typeface="Cambria" panose="02040503050406030204" pitchFamily="18" charset="0"/>
+                        <a:ea typeface="MS Mincho" panose="02020609040205080304" pitchFamily="49" charset="-128"/>
+                        <a:cs typeface="Arial" panose="020B0604020202020204" pitchFamily="34" charset="0"/>
+                      </a:endParaRPr>
+                    </a:p>
+                  </a:txBody>
+                  <a:tcPr marL="52860" marR="52860" marT="0" marB="0"/>
+                </a:tc>
+                <a:tc>
+                  <a:txBody>
+                    <a:bodyPr/>
+                    <a:lstStyle/>
+                    <a:p>
+                      <a:pPr>
+                        <a:lnSpc>
+                          <a:spcPct val="115000"/>
+                        </a:lnSpc>
+                        <a:spcAft>
+                          <a:spcPts val="1000"/>
+                        </a:spcAft>
+                      </a:pPr>
+                      <a:r>
+                        <a:rPr lang="en-US" sz="2000">
+                          <a:solidFill>
+                            <a:srgbClr val="2B2551"/>
+                          </a:solidFill>
+                          <a:effectLst/>
+                        </a:rPr>
+                        <a:t>(None, *)</a:t>
+                      </a:r>
+                      <a:endParaRPr lang="en-US" sz="2000">
+                        <a:solidFill>
+                          <a:srgbClr val="2B2551"/>
+                        </a:solidFill>
+                        <a:effectLst/>
+                        <a:latin typeface="Cambria" panose="02040503050406030204" pitchFamily="18" charset="0"/>
+                        <a:ea typeface="MS Mincho" panose="02020609040205080304" pitchFamily="49" charset="-128"/>
+                        <a:cs typeface="Arial" panose="020B0604020202020204" pitchFamily="34" charset="0"/>
+                      </a:endParaRPr>
+                    </a:p>
+                  </a:txBody>
+                  <a:tcPr marL="52860" marR="52860" marT="0" marB="0"/>
+                </a:tc>
+                <a:tc>
+                  <a:txBody>
+                    <a:bodyPr/>
+                    <a:lstStyle/>
+                    <a:p>
+                      <a:pPr>
+                        <a:lnSpc>
+                          <a:spcPct val="115000"/>
+                        </a:lnSpc>
+                        <a:spcAft>
+                          <a:spcPts val="1000"/>
+                        </a:spcAft>
+                      </a:pPr>
+                      <a:r>
+                        <a:rPr lang="en-US" sz="2000">
+                          <a:solidFill>
+                            <a:srgbClr val="2B2551"/>
+                          </a:solidFill>
+                          <a:effectLst/>
+                        </a:rPr>
+                        <a:t>0</a:t>
+                      </a:r>
+                      <a:endParaRPr lang="en-US" sz="2000">
+                        <a:solidFill>
+                          <a:srgbClr val="2B2551"/>
+                        </a:solidFill>
+                        <a:effectLst/>
+                        <a:latin typeface="Cambria" panose="02040503050406030204" pitchFamily="18" charset="0"/>
+                        <a:ea typeface="MS Mincho" panose="02020609040205080304" pitchFamily="49" charset="-128"/>
+                        <a:cs typeface="Arial" panose="020B0604020202020204" pitchFamily="34" charset="0"/>
+                      </a:endParaRPr>
+                    </a:p>
+                  </a:txBody>
+                  <a:tcPr marL="52860" marR="52860" marT="0" marB="0"/>
+                </a:tc>
+                <a:tc>
+                  <a:txBody>
+                    <a:bodyPr/>
+                    <a:lstStyle/>
+                    <a:p>
+                      <a:pPr>
+                        <a:lnSpc>
+                          <a:spcPct val="115000"/>
+                        </a:lnSpc>
+                        <a:spcAft>
+                          <a:spcPts val="1000"/>
+                        </a:spcAft>
+                      </a:pPr>
+                      <a:r>
+                        <a:rPr lang="en-US" sz="2000">
+                          <a:solidFill>
+                            <a:srgbClr val="2B2551"/>
+                          </a:solidFill>
+                          <a:effectLst/>
+                        </a:rPr>
+                        <a:t>N/A</a:t>
+                      </a:r>
+                      <a:endParaRPr lang="en-US" sz="2000">
+                        <a:solidFill>
+                          <a:srgbClr val="2B2551"/>
+                        </a:solidFill>
+                        <a:effectLst/>
+                        <a:latin typeface="Cambria" panose="02040503050406030204" pitchFamily="18" charset="0"/>
+                        <a:ea typeface="MS Mincho" panose="02020609040205080304" pitchFamily="49" charset="-128"/>
+                        <a:cs typeface="Arial" panose="020B0604020202020204" pitchFamily="34" charset="0"/>
+                      </a:endParaRPr>
+                    </a:p>
+                  </a:txBody>
+                  <a:tcPr marL="52860" marR="52860" marT="0" marB="0"/>
+                </a:tc>
+                <a:tc>
+                  <a:txBody>
+                    <a:bodyPr/>
+                    <a:lstStyle/>
+                    <a:p>
+                      <a:pPr>
+                        <a:lnSpc>
+                          <a:spcPct val="115000"/>
+                        </a:lnSpc>
+                        <a:spcAft>
+                          <a:spcPts val="1000"/>
+                        </a:spcAft>
+                      </a:pPr>
+                      <a:r>
+                        <a:rPr lang="en-US" sz="2000">
+                          <a:solidFill>
+                            <a:srgbClr val="2B2551"/>
+                          </a:solidFill>
+                          <a:effectLst/>
+                        </a:rPr>
+                        <a:t>N/A</a:t>
+                      </a:r>
+                      <a:endParaRPr lang="en-US" sz="2000">
+                        <a:solidFill>
+                          <a:srgbClr val="2B2551"/>
+                        </a:solidFill>
+                        <a:effectLst/>
+                        <a:latin typeface="Cambria" panose="02040503050406030204" pitchFamily="18" charset="0"/>
+                        <a:ea typeface="MS Mincho" panose="02020609040205080304" pitchFamily="49" charset="-128"/>
+                        <a:cs typeface="Arial" panose="020B0604020202020204" pitchFamily="34" charset="0"/>
+                      </a:endParaRPr>
+                    </a:p>
+                  </a:txBody>
+                  <a:tcPr marL="52860" marR="52860" marT="0" marB="0"/>
+                </a:tc>
+                <a:tc>
+                  <a:txBody>
+                    <a:bodyPr/>
+                    <a:lstStyle/>
+                    <a:p>
+                      <a:pPr>
+                        <a:lnSpc>
+                          <a:spcPct val="115000"/>
+                        </a:lnSpc>
+                        <a:spcAft>
+                          <a:spcPts val="1000"/>
+                        </a:spcAft>
+                      </a:pPr>
+                      <a:r>
+                        <a:rPr lang="en-US" sz="2000">
+                          <a:solidFill>
+                            <a:srgbClr val="2B2551"/>
+                          </a:solidFill>
+                          <a:effectLst/>
+                        </a:rPr>
+                        <a:t>None</a:t>
+                      </a:r>
+                      <a:endParaRPr lang="en-US" sz="2000">
+                        <a:solidFill>
+                          <a:srgbClr val="2B2551"/>
+                        </a:solidFill>
+                        <a:effectLst/>
+                        <a:latin typeface="Cambria" panose="02040503050406030204" pitchFamily="18" charset="0"/>
+                        <a:ea typeface="MS Mincho" panose="02020609040205080304" pitchFamily="49" charset="-128"/>
+                        <a:cs typeface="Arial" panose="020B0604020202020204" pitchFamily="34" charset="0"/>
+                      </a:endParaRPr>
+                    </a:p>
+                  </a:txBody>
+                  <a:tcPr marL="52860" marR="52860" marT="0" marB="0"/>
+                </a:tc>
+                <a:extLst>
+                  <a:ext uri="{0D108BD9-81ED-4DB2-BD59-A6C34878D82A}">
+                    <a16:rowId xmlns:a16="http://schemas.microsoft.com/office/drawing/2014/main" val="4015776880"/>
+                  </a:ext>
+                </a:extLst>
+              </a:tr>
+              <a:tr h="284563">
+                <a:tc>
+                  <a:txBody>
+                    <a:bodyPr/>
+                    <a:lstStyle/>
+                    <a:p>
+                      <a:pPr>
+                        <a:lnSpc>
+                          <a:spcPct val="115000"/>
+                        </a:lnSpc>
+                        <a:spcAft>
+                          <a:spcPts val="1000"/>
+                        </a:spcAft>
+                      </a:pPr>
+                      <a:r>
+                        <a:rPr lang="en-US" sz="2000">
+                          <a:solidFill>
+                            <a:srgbClr val="2B2551"/>
+                          </a:solidFill>
+                          <a:effectLst/>
+                        </a:rPr>
+                        <a:t>Dense (500 units)</a:t>
+                      </a:r>
+                      <a:endParaRPr lang="en-US" sz="2000">
+                        <a:solidFill>
+                          <a:srgbClr val="2B2551"/>
+                        </a:solidFill>
+                        <a:effectLst/>
+                        <a:latin typeface="Cambria" panose="02040503050406030204" pitchFamily="18" charset="0"/>
+                        <a:ea typeface="MS Mincho" panose="02020609040205080304" pitchFamily="49" charset="-128"/>
+                        <a:cs typeface="Arial" panose="020B0604020202020204" pitchFamily="34" charset="0"/>
+                      </a:endParaRPr>
+                    </a:p>
+                  </a:txBody>
+                  <a:tcPr marL="52860" marR="52860" marT="0" marB="0"/>
+                </a:tc>
+                <a:tc>
+                  <a:txBody>
+                    <a:bodyPr/>
+                    <a:lstStyle/>
+                    <a:p>
+                      <a:pPr>
+                        <a:lnSpc>
+                          <a:spcPct val="115000"/>
+                        </a:lnSpc>
+                        <a:spcAft>
+                          <a:spcPts val="1000"/>
+                        </a:spcAft>
+                      </a:pPr>
+                      <a:r>
+                        <a:rPr lang="en-US" sz="2000">
+                          <a:solidFill>
+                            <a:srgbClr val="2B2551"/>
+                          </a:solidFill>
+                          <a:effectLst/>
+                        </a:rPr>
+                        <a:t>(None, 500)</a:t>
+                      </a:r>
+                      <a:endParaRPr lang="en-US" sz="2000">
+                        <a:solidFill>
+                          <a:srgbClr val="2B2551"/>
+                        </a:solidFill>
+                        <a:effectLst/>
+                        <a:latin typeface="Cambria" panose="02040503050406030204" pitchFamily="18" charset="0"/>
+                        <a:ea typeface="MS Mincho" panose="02020609040205080304" pitchFamily="49" charset="-128"/>
+                        <a:cs typeface="Arial" panose="020B0604020202020204" pitchFamily="34" charset="0"/>
+                      </a:endParaRPr>
+                    </a:p>
+                  </a:txBody>
+                  <a:tcPr marL="52860" marR="52860" marT="0" marB="0"/>
+                </a:tc>
+                <a:tc>
+                  <a:txBody>
+                    <a:bodyPr/>
+                    <a:lstStyle/>
+                    <a:p>
+                      <a:pPr>
+                        <a:lnSpc>
+                          <a:spcPct val="115000"/>
+                        </a:lnSpc>
+                        <a:spcAft>
+                          <a:spcPts val="1000"/>
+                        </a:spcAft>
+                      </a:pPr>
+                      <a:r>
+                        <a:rPr lang="en-US" sz="2000">
+                          <a:solidFill>
+                            <a:srgbClr val="2B2551"/>
+                          </a:solidFill>
+                          <a:effectLst/>
+                        </a:rPr>
+                        <a:t>64,500</a:t>
+                      </a:r>
+                      <a:endParaRPr lang="en-US" sz="2000">
+                        <a:solidFill>
+                          <a:srgbClr val="2B2551"/>
+                        </a:solidFill>
+                        <a:effectLst/>
+                        <a:latin typeface="Cambria" panose="02040503050406030204" pitchFamily="18" charset="0"/>
+                        <a:ea typeface="MS Mincho" panose="02020609040205080304" pitchFamily="49" charset="-128"/>
+                        <a:cs typeface="Arial" panose="020B0604020202020204" pitchFamily="34" charset="0"/>
+                      </a:endParaRPr>
+                    </a:p>
+                  </a:txBody>
+                  <a:tcPr marL="52860" marR="52860" marT="0" marB="0"/>
+                </a:tc>
+                <a:tc>
+                  <a:txBody>
+                    <a:bodyPr/>
+                    <a:lstStyle/>
+                    <a:p>
+                      <a:pPr>
+                        <a:lnSpc>
+                          <a:spcPct val="115000"/>
+                        </a:lnSpc>
+                        <a:spcAft>
+                          <a:spcPts val="1000"/>
+                        </a:spcAft>
+                      </a:pPr>
+                      <a:r>
+                        <a:rPr lang="en-US" sz="2000">
+                          <a:solidFill>
+                            <a:srgbClr val="2B2551"/>
+                          </a:solidFill>
+                          <a:effectLst/>
+                        </a:rPr>
+                        <a:t>N/A</a:t>
+                      </a:r>
+                      <a:endParaRPr lang="en-US" sz="2000">
+                        <a:solidFill>
+                          <a:srgbClr val="2B2551"/>
+                        </a:solidFill>
+                        <a:effectLst/>
+                        <a:latin typeface="Cambria" panose="02040503050406030204" pitchFamily="18" charset="0"/>
+                        <a:ea typeface="MS Mincho" panose="02020609040205080304" pitchFamily="49" charset="-128"/>
+                        <a:cs typeface="Arial" panose="020B0604020202020204" pitchFamily="34" charset="0"/>
+                      </a:endParaRPr>
+                    </a:p>
+                  </a:txBody>
+                  <a:tcPr marL="52860" marR="52860" marT="0" marB="0"/>
+                </a:tc>
+                <a:tc>
+                  <a:txBody>
+                    <a:bodyPr/>
+                    <a:lstStyle/>
+                    <a:p>
+                      <a:pPr>
+                        <a:lnSpc>
+                          <a:spcPct val="115000"/>
+                        </a:lnSpc>
+                        <a:spcAft>
+                          <a:spcPts val="1000"/>
+                        </a:spcAft>
+                      </a:pPr>
+                      <a:r>
+                        <a:rPr lang="en-US" sz="2000">
+                          <a:solidFill>
+                            <a:srgbClr val="2B2551"/>
+                          </a:solidFill>
+                          <a:effectLst/>
+                        </a:rPr>
+                        <a:t>ReLU</a:t>
+                      </a:r>
+                      <a:endParaRPr lang="en-US" sz="2000">
+                        <a:solidFill>
+                          <a:srgbClr val="2B2551"/>
+                        </a:solidFill>
+                        <a:effectLst/>
+                        <a:latin typeface="Cambria" panose="02040503050406030204" pitchFamily="18" charset="0"/>
+                        <a:ea typeface="MS Mincho" panose="02020609040205080304" pitchFamily="49" charset="-128"/>
+                        <a:cs typeface="Arial" panose="020B0604020202020204" pitchFamily="34" charset="0"/>
+                      </a:endParaRPr>
+                    </a:p>
+                  </a:txBody>
+                  <a:tcPr marL="52860" marR="52860" marT="0" marB="0"/>
+                </a:tc>
+                <a:tc>
+                  <a:txBody>
+                    <a:bodyPr/>
+                    <a:lstStyle/>
+                    <a:p>
+                      <a:pPr>
+                        <a:lnSpc>
+                          <a:spcPct val="115000"/>
+                        </a:lnSpc>
+                        <a:spcAft>
+                          <a:spcPts val="1000"/>
+                        </a:spcAft>
+                      </a:pPr>
+                      <a:r>
+                        <a:rPr lang="en-US" sz="2000">
+                          <a:solidFill>
+                            <a:srgbClr val="2B2551"/>
+                          </a:solidFill>
+                          <a:effectLst/>
+                        </a:rPr>
+                        <a:t>0.002</a:t>
+                      </a:r>
+                      <a:endParaRPr lang="en-US" sz="2000">
+                        <a:solidFill>
+                          <a:srgbClr val="2B2551"/>
+                        </a:solidFill>
+                        <a:effectLst/>
+                        <a:latin typeface="Cambria" panose="02040503050406030204" pitchFamily="18" charset="0"/>
+                        <a:ea typeface="MS Mincho" panose="02020609040205080304" pitchFamily="49" charset="-128"/>
+                        <a:cs typeface="Arial" panose="020B0604020202020204" pitchFamily="34" charset="0"/>
+                      </a:endParaRPr>
+                    </a:p>
+                  </a:txBody>
+                  <a:tcPr marL="52860" marR="52860" marT="0" marB="0"/>
+                </a:tc>
+                <a:extLst>
+                  <a:ext uri="{0D108BD9-81ED-4DB2-BD59-A6C34878D82A}">
+                    <a16:rowId xmlns:a16="http://schemas.microsoft.com/office/drawing/2014/main" val="1631107987"/>
+                  </a:ext>
+                </a:extLst>
+              </a:tr>
+              <a:tr h="433159">
+                <a:tc>
+                  <a:txBody>
+                    <a:bodyPr/>
+                    <a:lstStyle/>
+                    <a:p>
+                      <a:pPr>
+                        <a:lnSpc>
+                          <a:spcPct val="115000"/>
+                        </a:lnSpc>
+                        <a:spcAft>
+                          <a:spcPts val="1000"/>
+                        </a:spcAft>
+                      </a:pPr>
+                      <a:r>
+                        <a:rPr lang="en-US" sz="2000">
+                          <a:solidFill>
+                            <a:srgbClr val="2B2551"/>
+                          </a:solidFill>
+                          <a:effectLst/>
+                        </a:rPr>
+                        <a:t>Dense (Output layer)</a:t>
+                      </a:r>
+                      <a:endParaRPr lang="en-US" sz="2000">
+                        <a:solidFill>
+                          <a:srgbClr val="2B2551"/>
+                        </a:solidFill>
+                        <a:effectLst/>
+                        <a:latin typeface="Cambria" panose="02040503050406030204" pitchFamily="18" charset="0"/>
+                        <a:ea typeface="MS Mincho" panose="02020609040205080304" pitchFamily="49" charset="-128"/>
+                        <a:cs typeface="Arial" panose="020B0604020202020204" pitchFamily="34" charset="0"/>
+                      </a:endParaRPr>
+                    </a:p>
+                  </a:txBody>
+                  <a:tcPr marL="52860" marR="52860" marT="0" marB="0"/>
+                </a:tc>
+                <a:tc>
+                  <a:txBody>
+                    <a:bodyPr/>
+                    <a:lstStyle/>
+                    <a:p>
+                      <a:pPr>
+                        <a:lnSpc>
+                          <a:spcPct val="115000"/>
+                        </a:lnSpc>
+                        <a:spcAft>
+                          <a:spcPts val="1000"/>
+                        </a:spcAft>
+                      </a:pPr>
+                      <a:r>
+                        <a:rPr lang="en-US" sz="2000" dirty="0">
+                          <a:solidFill>
+                            <a:srgbClr val="2B2551"/>
+                          </a:solidFill>
+                          <a:effectLst/>
+                        </a:rPr>
+                        <a:t>(None, </a:t>
+                      </a:r>
+                      <a:r>
+                        <a:rPr lang="en-US" sz="2000" dirty="0" err="1">
+                          <a:solidFill>
+                            <a:srgbClr val="2B2551"/>
+                          </a:solidFill>
+                          <a:effectLst/>
+                        </a:rPr>
+                        <a:t>num_classes</a:t>
+                      </a:r>
+                      <a:r>
+                        <a:rPr lang="en-US" sz="2000" dirty="0">
+                          <a:solidFill>
+                            <a:srgbClr val="2B2551"/>
+                          </a:solidFill>
+                          <a:effectLst/>
+                        </a:rPr>
+                        <a:t>)</a:t>
+                      </a:r>
+                      <a:endParaRPr lang="en-US" sz="2000" dirty="0">
+                        <a:solidFill>
+                          <a:srgbClr val="2B2551"/>
+                        </a:solidFill>
+                        <a:effectLst/>
+                        <a:latin typeface="Cambria" panose="02040503050406030204" pitchFamily="18" charset="0"/>
+                        <a:ea typeface="MS Mincho" panose="02020609040205080304" pitchFamily="49" charset="-128"/>
+                        <a:cs typeface="Arial" panose="020B0604020202020204" pitchFamily="34" charset="0"/>
+                      </a:endParaRPr>
+                    </a:p>
+                  </a:txBody>
+                  <a:tcPr marL="52860" marR="52860" marT="0" marB="0"/>
+                </a:tc>
+                <a:tc>
+                  <a:txBody>
+                    <a:bodyPr/>
+                    <a:lstStyle/>
+                    <a:p>
+                      <a:pPr>
+                        <a:lnSpc>
+                          <a:spcPct val="115000"/>
+                        </a:lnSpc>
+                        <a:spcAft>
+                          <a:spcPts val="1000"/>
+                        </a:spcAft>
+                      </a:pPr>
+                      <a:r>
+                        <a:rPr lang="en-US" sz="2000">
+                          <a:solidFill>
+                            <a:srgbClr val="2B2551"/>
+                          </a:solidFill>
+                          <a:effectLst/>
+                        </a:rPr>
+                        <a:t>num_classes * 501</a:t>
+                      </a:r>
+                      <a:endParaRPr lang="en-US" sz="2000">
+                        <a:solidFill>
+                          <a:srgbClr val="2B2551"/>
+                        </a:solidFill>
+                        <a:effectLst/>
+                        <a:latin typeface="Cambria" panose="02040503050406030204" pitchFamily="18" charset="0"/>
+                        <a:ea typeface="MS Mincho" panose="02020609040205080304" pitchFamily="49" charset="-128"/>
+                        <a:cs typeface="Arial" panose="020B0604020202020204" pitchFamily="34" charset="0"/>
+                      </a:endParaRPr>
+                    </a:p>
+                  </a:txBody>
+                  <a:tcPr marL="52860" marR="52860" marT="0" marB="0"/>
+                </a:tc>
+                <a:tc>
+                  <a:txBody>
+                    <a:bodyPr/>
+                    <a:lstStyle/>
+                    <a:p>
+                      <a:pPr>
+                        <a:lnSpc>
+                          <a:spcPct val="115000"/>
+                        </a:lnSpc>
+                        <a:spcAft>
+                          <a:spcPts val="1000"/>
+                        </a:spcAft>
+                      </a:pPr>
+                      <a:r>
+                        <a:rPr lang="en-US" sz="2000">
+                          <a:solidFill>
+                            <a:srgbClr val="2B2551"/>
+                          </a:solidFill>
+                          <a:effectLst/>
+                        </a:rPr>
+                        <a:t>N/A</a:t>
+                      </a:r>
+                      <a:endParaRPr lang="en-US" sz="2000">
+                        <a:solidFill>
+                          <a:srgbClr val="2B2551"/>
+                        </a:solidFill>
+                        <a:effectLst/>
+                        <a:latin typeface="Cambria" panose="02040503050406030204" pitchFamily="18" charset="0"/>
+                        <a:ea typeface="MS Mincho" panose="02020609040205080304" pitchFamily="49" charset="-128"/>
+                        <a:cs typeface="Arial" panose="020B0604020202020204" pitchFamily="34" charset="0"/>
+                      </a:endParaRPr>
+                    </a:p>
+                  </a:txBody>
+                  <a:tcPr marL="52860" marR="52860" marT="0" marB="0"/>
+                </a:tc>
+                <a:tc>
+                  <a:txBody>
+                    <a:bodyPr/>
+                    <a:lstStyle/>
+                    <a:p>
+                      <a:pPr>
+                        <a:lnSpc>
+                          <a:spcPct val="115000"/>
+                        </a:lnSpc>
+                        <a:spcAft>
+                          <a:spcPts val="1000"/>
+                        </a:spcAft>
+                      </a:pPr>
+                      <a:r>
+                        <a:rPr lang="en-US" sz="2000">
+                          <a:solidFill>
+                            <a:srgbClr val="2B2551"/>
+                          </a:solidFill>
+                          <a:effectLst/>
+                        </a:rPr>
+                        <a:t>Softmax</a:t>
+                      </a:r>
+                      <a:endParaRPr lang="en-US" sz="2000">
+                        <a:solidFill>
+                          <a:srgbClr val="2B2551"/>
+                        </a:solidFill>
+                        <a:effectLst/>
+                        <a:latin typeface="Cambria" panose="02040503050406030204" pitchFamily="18" charset="0"/>
+                        <a:ea typeface="MS Mincho" panose="02020609040205080304" pitchFamily="49" charset="-128"/>
+                        <a:cs typeface="Arial" panose="020B0604020202020204" pitchFamily="34" charset="0"/>
+                      </a:endParaRPr>
+                    </a:p>
+                  </a:txBody>
+                  <a:tcPr marL="52860" marR="52860" marT="0" marB="0"/>
+                </a:tc>
+                <a:tc>
+                  <a:txBody>
+                    <a:bodyPr/>
+                    <a:lstStyle/>
+                    <a:p>
+                      <a:pPr>
+                        <a:lnSpc>
+                          <a:spcPct val="115000"/>
+                        </a:lnSpc>
+                        <a:spcAft>
+                          <a:spcPts val="1000"/>
+                        </a:spcAft>
+                      </a:pPr>
+                      <a:r>
+                        <a:rPr lang="en-US" sz="2000" dirty="0">
+                          <a:solidFill>
+                            <a:srgbClr val="2B2551"/>
+                          </a:solidFill>
+                          <a:effectLst/>
+                        </a:rPr>
+                        <a:t>None</a:t>
+                      </a:r>
+                      <a:endParaRPr lang="en-US" sz="2000" dirty="0">
+                        <a:solidFill>
+                          <a:srgbClr val="2B2551"/>
+                        </a:solidFill>
+                        <a:effectLst/>
+                        <a:latin typeface="Cambria" panose="02040503050406030204" pitchFamily="18" charset="0"/>
+                        <a:ea typeface="MS Mincho" panose="02020609040205080304" pitchFamily="49" charset="-128"/>
+                        <a:cs typeface="Arial" panose="020B0604020202020204" pitchFamily="34" charset="0"/>
+                      </a:endParaRPr>
+                    </a:p>
+                  </a:txBody>
+                  <a:tcPr marL="52860" marR="52860" marT="0" marB="0"/>
+                </a:tc>
+                <a:extLst>
+                  <a:ext uri="{0D108BD9-81ED-4DB2-BD59-A6C34878D82A}">
+                    <a16:rowId xmlns:a16="http://schemas.microsoft.com/office/drawing/2014/main" val="2029286073"/>
+                  </a:ext>
+                </a:extLst>
+              </a:tr>
+            </a:tbl>
+          </a:graphicData>
+        </a:graphic>
+      </p:graphicFrame>
     </p:spTree>
     <p:extLst>
       <p:ext uri="{BB962C8B-B14F-4D97-AF65-F5344CB8AC3E}">
         <p14:creationId xmlns:p14="http://schemas.microsoft.com/office/powerpoint/2010/main" val="929681317"/>
-      </p:ext>
-    </p:extLst>
-  </p:cSld>
-  <p:clrMapOvr>
-    <a:masterClrMapping/>
-  </p:clrMapOvr>
-</p:sld>
-</file>
-
-<file path=ppt/slides/slide13.xml><?xml version="1.0" encoding="utf-8"?>
-<p:sld xmlns:a="http://schemas.openxmlformats.org/drawingml/2006/main" xmlns:r="http://schemas.openxmlformats.org/officeDocument/2006/relationships" xmlns:p="http://schemas.openxmlformats.org/presentationml/2006/main">
-  <p:cSld>
-    <p:spTree>
-      <p:nvGrpSpPr>
-        <p:cNvPr id="1" name=""/>
-        <p:cNvGrpSpPr/>
-        <p:nvPr/>
-      </p:nvGrpSpPr>
-      <p:grpSpPr>
-        <a:xfrm>
-          <a:off x="0" y="0"/>
-          <a:ext cx="0" cy="0"/>
-          <a:chOff x="0" y="0"/>
-          <a:chExt cx="0" cy="0"/>
-        </a:xfrm>
-      </p:grpSpPr>
-      <p:sp>
-        <p:nvSpPr>
-          <p:cNvPr id="2" name="Title 1">
-            <a:extLst>
-              <a:ext uri="{FF2B5EF4-FFF2-40B4-BE49-F238E27FC236}">
-                <a16:creationId xmlns:a16="http://schemas.microsoft.com/office/drawing/2014/main" id="{F6601C89-436E-AD3C-AF5A-DEC59B995445}"/>
-              </a:ext>
-            </a:extLst>
-          </p:cNvPr>
-          <p:cNvSpPr>
-            <a:spLocks noGrp="1"/>
-          </p:cNvSpPr>
-          <p:nvPr>
-            <p:ph type="title"/>
-          </p:nvPr>
-        </p:nvSpPr>
-        <p:spPr/>
-        <p:txBody>
-          <a:bodyPr>
-            <a:normAutofit fontScale="90000"/>
-          </a:bodyPr>
-          <a:lstStyle/>
-          <a:p>
-            <a:r>
-              <a:rPr lang="en-US" b="1"/>
-              <a:t>Model Evaluation</a:t>
-            </a:r>
-            <a:r>
-              <a:rPr lang="tr-TR" b="1"/>
-              <a:t> </a:t>
-            </a:r>
-            <a:r>
-              <a:rPr lang="tr-TR" b="1" err="1"/>
-              <a:t>and</a:t>
-            </a:r>
-            <a:r>
-              <a:rPr lang="tr-TR" b="1"/>
-              <a:t> </a:t>
-            </a:r>
-            <a:r>
-              <a:rPr lang="en-US" b="1"/>
-              <a:t>Hyperparameter Tuning</a:t>
-            </a:r>
-            <a:endParaRPr lang="tr-TR"/>
-          </a:p>
-        </p:txBody>
-      </p:sp>
-      <p:sp>
-        <p:nvSpPr>
-          <p:cNvPr id="3" name="Content Placeholder 2">
-            <a:extLst>
-              <a:ext uri="{FF2B5EF4-FFF2-40B4-BE49-F238E27FC236}">
-                <a16:creationId xmlns:a16="http://schemas.microsoft.com/office/drawing/2014/main" id="{9527CBB5-FCE1-A315-951E-ACBCC104C4CE}"/>
-              </a:ext>
-            </a:extLst>
-          </p:cNvPr>
-          <p:cNvSpPr>
-            <a:spLocks noGrp="1"/>
-          </p:cNvSpPr>
-          <p:nvPr>
-            <p:ph idx="1"/>
-          </p:nvPr>
-        </p:nvSpPr>
-        <p:spPr/>
-        <p:txBody>
-          <a:bodyPr>
-            <a:normAutofit/>
-          </a:bodyPr>
-          <a:lstStyle/>
-          <a:p>
-            <a:pPr marL="0" indent="0">
-              <a:buNone/>
-            </a:pPr>
-            <a:endParaRPr lang="en-US" b="1" i="0" u="none" strike="noStrike" kern="1200" noProof="0" dirty="0">
-              <a:solidFill>
-                <a:srgbClr val="FFFFFF"/>
-              </a:solidFill>
-              <a:latin typeface="Calibri"/>
-              <a:ea typeface="+mn-ea"/>
-              <a:cs typeface="+mn-cs"/>
-            </a:endParaRPr>
-          </a:p>
-          <a:p>
-            <a:r>
-              <a:rPr lang="tr-TR" dirty="0"/>
-              <a:t>Evaluation </a:t>
-            </a:r>
-            <a:r>
-              <a:rPr lang="tr-TR" dirty="0" err="1"/>
-              <a:t>Metrics</a:t>
-            </a:r>
-            <a:r>
-              <a:rPr lang="tr-TR" dirty="0"/>
-              <a:t>:</a:t>
-            </a:r>
-            <a:endParaRPr lang="en-US" dirty="0"/>
-          </a:p>
-          <a:p>
-            <a:pPr lvl="1"/>
-            <a:r>
-              <a:rPr lang="tr-TR" sz="2800" dirty="0" err="1"/>
-              <a:t>Validation</a:t>
-            </a:r>
-            <a:r>
-              <a:rPr lang="tr-TR" sz="2800" dirty="0"/>
-              <a:t> </a:t>
-            </a:r>
-            <a:r>
-              <a:rPr lang="tr-TR" sz="2800" dirty="0" err="1"/>
-              <a:t>accuracy</a:t>
-            </a:r>
-            <a:r>
-              <a:rPr lang="tr-TR" sz="2800" dirty="0"/>
-              <a:t> </a:t>
-            </a:r>
-            <a:r>
-              <a:rPr lang="tr-TR" sz="2800" dirty="0" err="1"/>
-              <a:t>was</a:t>
-            </a:r>
-            <a:r>
-              <a:rPr lang="tr-TR" sz="2800" dirty="0"/>
-              <a:t> </a:t>
-            </a:r>
-            <a:r>
-              <a:rPr lang="tr-TR" sz="2800" dirty="0" err="1"/>
-              <a:t>initially</a:t>
-            </a:r>
-            <a:r>
-              <a:rPr lang="tr-TR" sz="2800" dirty="0"/>
-              <a:t> 85%, </a:t>
-            </a:r>
-            <a:r>
-              <a:rPr lang="tr-TR" sz="2800" dirty="0" err="1"/>
-              <a:t>with</a:t>
-            </a:r>
-            <a:r>
-              <a:rPr lang="tr-TR" sz="2800" dirty="0"/>
-              <a:t> </a:t>
-            </a:r>
-            <a:r>
-              <a:rPr lang="tr-TR" sz="2800" dirty="0" err="1"/>
-              <a:t>overfitting</a:t>
-            </a:r>
-            <a:r>
-              <a:rPr lang="tr-TR" sz="2800" dirty="0"/>
-              <a:t> </a:t>
-            </a:r>
-            <a:r>
-              <a:rPr lang="tr-TR" sz="2800" dirty="0" err="1"/>
-              <a:t>observed</a:t>
-            </a:r>
-            <a:r>
-              <a:rPr lang="tr-TR" sz="2800" dirty="0"/>
-              <a:t>.</a:t>
-            </a:r>
-            <a:endParaRPr lang="en-US" sz="2800" dirty="0"/>
-          </a:p>
-          <a:p>
-            <a:pPr lvl="1"/>
-            <a:r>
-              <a:rPr lang="tr-TR" sz="2800" dirty="0" err="1"/>
-              <a:t>Regularization</a:t>
-            </a:r>
-            <a:r>
-              <a:rPr lang="tr-TR" sz="2800" dirty="0"/>
-              <a:t> (L2), </a:t>
-            </a:r>
-            <a:r>
-              <a:rPr lang="tr-TR" sz="2800" dirty="0" err="1"/>
-              <a:t>adjusted</a:t>
-            </a:r>
-            <a:r>
-              <a:rPr lang="tr-TR" sz="2800" dirty="0"/>
-              <a:t> </a:t>
-            </a:r>
-            <a:r>
-              <a:rPr lang="tr-TR" sz="2800" dirty="0" err="1"/>
-              <a:t>learning</a:t>
-            </a:r>
-            <a:r>
-              <a:rPr lang="tr-TR" sz="2800" dirty="0"/>
-              <a:t> </a:t>
-            </a:r>
-            <a:r>
-              <a:rPr lang="tr-TR" sz="2800" dirty="0" err="1"/>
-              <a:t>rates</a:t>
-            </a:r>
-            <a:r>
-              <a:rPr lang="tr-TR" sz="2800" dirty="0"/>
-              <a:t>, </a:t>
-            </a:r>
-            <a:r>
-              <a:rPr lang="tr-TR" sz="2800" dirty="0" err="1"/>
-              <a:t>and</a:t>
-            </a:r>
-            <a:r>
-              <a:rPr lang="tr-TR" sz="2800" dirty="0"/>
-              <a:t> </a:t>
-            </a:r>
-            <a:r>
-              <a:rPr lang="tr-TR" sz="2800" dirty="0" err="1"/>
-              <a:t>cross-validation</a:t>
-            </a:r>
-            <a:r>
-              <a:rPr lang="tr-TR" sz="2800" dirty="0"/>
-              <a:t> </a:t>
-            </a:r>
-            <a:r>
-              <a:rPr lang="tr-TR" sz="2800" dirty="0" err="1"/>
-              <a:t>improved</a:t>
-            </a:r>
-            <a:r>
-              <a:rPr lang="tr-TR" sz="2800" dirty="0"/>
-              <a:t> </a:t>
-            </a:r>
-            <a:r>
-              <a:rPr lang="en-US" sz="2800" dirty="0"/>
-              <a:t>performance</a:t>
-            </a:r>
-            <a:r>
-              <a:rPr lang="tr-TR" sz="2800" dirty="0"/>
-              <a:t>.</a:t>
-            </a:r>
-            <a:endParaRPr lang="en-US" sz="2800" dirty="0"/>
-          </a:p>
-          <a:p>
-            <a:r>
-              <a:rPr lang="tr-TR" dirty="0" err="1"/>
-              <a:t>Hyperparameter</a:t>
-            </a:r>
-            <a:r>
-              <a:rPr lang="tr-TR" dirty="0"/>
-              <a:t> </a:t>
-            </a:r>
-            <a:r>
-              <a:rPr lang="tr-TR" dirty="0" err="1"/>
-              <a:t>Tuning</a:t>
-            </a:r>
-            <a:r>
-              <a:rPr lang="tr-TR" dirty="0"/>
-              <a:t>:</a:t>
-            </a:r>
-            <a:endParaRPr lang="en-US" dirty="0"/>
-          </a:p>
-          <a:p>
-            <a:pPr lvl="1"/>
-            <a:r>
-              <a:rPr lang="tr-TR" sz="2800" dirty="0" err="1"/>
-              <a:t>Tested</a:t>
-            </a:r>
-            <a:r>
-              <a:rPr lang="tr-TR" sz="2800" dirty="0"/>
-              <a:t> </a:t>
-            </a:r>
-            <a:r>
-              <a:rPr lang="tr-TR" sz="2800" dirty="0" err="1"/>
-              <a:t>various</a:t>
-            </a:r>
-            <a:r>
-              <a:rPr lang="tr-TR" sz="2800" dirty="0"/>
-              <a:t> </a:t>
-            </a:r>
-            <a:r>
-              <a:rPr lang="en-US" sz="2800" dirty="0"/>
-              <a:t>learning</a:t>
-            </a:r>
-            <a:r>
-              <a:rPr lang="tr-TR" sz="2800" dirty="0"/>
-              <a:t> </a:t>
-            </a:r>
-            <a:r>
-              <a:rPr lang="tr-TR" sz="2800" dirty="0" err="1"/>
-              <a:t>rates</a:t>
-            </a:r>
-            <a:r>
-              <a:rPr lang="tr-TR" sz="2800" dirty="0"/>
-              <a:t>, </a:t>
-            </a:r>
-            <a:r>
-              <a:rPr lang="tr-TR" sz="2800" dirty="0" err="1"/>
-              <a:t>batch</a:t>
-            </a:r>
-            <a:r>
-              <a:rPr lang="tr-TR" sz="2800" dirty="0"/>
-              <a:t> </a:t>
-            </a:r>
-            <a:r>
-              <a:rPr lang="tr-TR" sz="2800" dirty="0" err="1"/>
-              <a:t>sizes</a:t>
-            </a:r>
-            <a:r>
-              <a:rPr lang="tr-TR" sz="2800" dirty="0"/>
-              <a:t>, </a:t>
-            </a:r>
-            <a:r>
-              <a:rPr lang="tr-TR" sz="2800" dirty="0" err="1"/>
-              <a:t>and</a:t>
-            </a:r>
-            <a:r>
-              <a:rPr lang="tr-TR" sz="2800" dirty="0"/>
-              <a:t> </a:t>
-            </a:r>
-            <a:r>
-              <a:rPr lang="tr-TR" sz="2800" dirty="0" err="1"/>
-              <a:t>regularization</a:t>
-            </a:r>
-            <a:r>
-              <a:rPr lang="tr-TR" sz="2800" dirty="0"/>
-              <a:t> </a:t>
-            </a:r>
-            <a:r>
-              <a:rPr lang="tr-TR" sz="2800" dirty="0" err="1"/>
-              <a:t>coefficients</a:t>
-            </a:r>
-            <a:r>
-              <a:rPr lang="tr-TR" sz="2800" dirty="0"/>
-              <a:t>.</a:t>
-            </a:r>
-            <a:endParaRPr lang="en-US" sz="2800" dirty="0"/>
-          </a:p>
-          <a:p>
-            <a:pPr lvl="1"/>
-            <a:r>
-              <a:rPr lang="tr-TR" sz="2800" dirty="0" err="1"/>
-              <a:t>Improved</a:t>
-            </a:r>
-            <a:r>
-              <a:rPr lang="tr-TR" sz="2800" dirty="0"/>
-              <a:t> </a:t>
-            </a:r>
-            <a:r>
-              <a:rPr lang="tr-TR" sz="2800" dirty="0" err="1"/>
-              <a:t>validation</a:t>
-            </a:r>
-            <a:r>
-              <a:rPr lang="tr-TR" sz="2800" dirty="0"/>
-              <a:t> </a:t>
-            </a:r>
-            <a:r>
-              <a:rPr lang="tr-TR" sz="2800" dirty="0" err="1"/>
-              <a:t>accuracy</a:t>
-            </a:r>
-            <a:r>
-              <a:rPr lang="tr-TR" sz="2800" dirty="0"/>
-              <a:t> </a:t>
-            </a:r>
-            <a:r>
-              <a:rPr lang="tr-TR" sz="2800" dirty="0" err="1"/>
-              <a:t>to</a:t>
-            </a:r>
-            <a:r>
-              <a:rPr lang="tr-TR" sz="2800" dirty="0"/>
-              <a:t> 88% through </a:t>
-            </a:r>
-            <a:r>
-              <a:rPr lang="tr-TR" sz="2800" dirty="0" err="1"/>
-              <a:t>tuning</a:t>
-            </a:r>
-            <a:r>
-              <a:rPr lang="tr-TR" sz="2800" dirty="0"/>
-              <a:t>.</a:t>
-            </a:r>
-          </a:p>
-        </p:txBody>
-      </p:sp>
-      <p:sp>
-        <p:nvSpPr>
-          <p:cNvPr id="5" name="TextBox 4">
-            <a:extLst>
-              <a:ext uri="{FF2B5EF4-FFF2-40B4-BE49-F238E27FC236}">
-                <a16:creationId xmlns:a16="http://schemas.microsoft.com/office/drawing/2014/main" id="{218E6C4B-A3C8-95B2-C55E-315D15F0D182}"/>
-              </a:ext>
-            </a:extLst>
-          </p:cNvPr>
-          <p:cNvSpPr txBox="1"/>
-          <p:nvPr/>
-        </p:nvSpPr>
-        <p:spPr>
-          <a:xfrm>
-            <a:off x="88776" y="177553"/>
-            <a:ext cx="5066189" cy="276999"/>
-          </a:xfrm>
-          <a:prstGeom prst="rect">
-            <a:avLst/>
-          </a:prstGeom>
-          <a:noFill/>
-        </p:spPr>
-        <p:txBody>
-          <a:bodyPr rot="0" spcFirstLastPara="0" vertOverflow="overflow" horzOverflow="overflow" vert="horz" wrap="square" lIns="91440" tIns="45720" rIns="91440" bIns="45720" numCol="1" spcCol="0" rtlCol="0" fromWordArt="0" anchor="t" anchorCtr="0" forceAA="0" compatLnSpc="1">
-            <a:prstTxWarp prst="textNoShape">
-              <a:avLst/>
-            </a:prstTxWarp>
-            <a:spAutoFit/>
-          </a:bodyPr>
-          <a:lstStyle/>
-          <a:p>
-            <a:r>
-              <a:rPr lang="en-US" sz="1200" dirty="0">
-                <a:cs typeface="Calibri"/>
-              </a:rPr>
-              <a:t>Frontier Tech Leaders </a:t>
-            </a:r>
-            <a:r>
-              <a:rPr lang="en-US" sz="1200" dirty="0" err="1">
-                <a:cs typeface="Calibri"/>
-              </a:rPr>
-              <a:t>Programme</a:t>
-            </a:r>
-            <a:r>
-              <a:rPr lang="en-US" sz="1200" dirty="0">
-                <a:cs typeface="Calibri"/>
-              </a:rPr>
-              <a:t> Global Cohort 1</a:t>
-            </a:r>
-            <a:endParaRPr lang="en-US" sz="1200" dirty="0"/>
-          </a:p>
-        </p:txBody>
-      </p:sp>
-    </p:spTree>
-    <p:extLst>
-      <p:ext uri="{BB962C8B-B14F-4D97-AF65-F5344CB8AC3E}">
-        <p14:creationId xmlns:p14="http://schemas.microsoft.com/office/powerpoint/2010/main" val="1073472500"/>
       </p:ext>
     </p:extLst>
   </p:cSld>
@@ -16128,12 +18298,14 @@
         </p:nvSpPr>
         <p:spPr/>
         <p:txBody>
-          <a:bodyPr/>
+          <a:bodyPr>
+            <a:normAutofit fontScale="90000"/>
+          </a:bodyPr>
           <a:lstStyle/>
           <a:p>
             <a:r>
               <a:rPr lang="en-US" b="1"/>
-              <a:t>Model Refinement</a:t>
+              <a:t>Model Evaluation</a:t>
             </a:r>
             <a:r>
               <a:rPr lang="tr-TR" b="1"/>
@@ -16148,8 +18320,8 @@
               <a:t> </a:t>
             </a:r>
             <a:r>
-              <a:rPr lang="tr-TR" b="1" err="1"/>
-              <a:t>Testing</a:t>
+              <a:rPr lang="en-US" b="1"/>
+              <a:t>Hyperparameter Tuning</a:t>
             </a:r>
             <a:endParaRPr lang="tr-TR"/>
           </a:p>
@@ -16171,52 +18343,105 @@
             <p:ph idx="1"/>
           </p:nvPr>
         </p:nvSpPr>
-        <p:spPr/>
-        <p:txBody>
-          <a:bodyPr vert="horz" lIns="91440" tIns="45720" rIns="91440" bIns="45720" rtlCol="0" anchor="t">
-            <a:noAutofit/>
+        <p:spPr>
+          <a:xfrm>
+            <a:off x="1049143" y="2007219"/>
+            <a:ext cx="10661593" cy="4169743"/>
+          </a:xfrm>
+        </p:spPr>
+        <p:txBody>
+          <a:bodyPr>
+            <a:normAutofit/>
           </a:bodyPr>
           <a:lstStyle/>
           <a:p>
-            <a:r>
-              <a:rPr lang="en-US" dirty="0"/>
-              <a:t>Refinement:</a:t>
-            </a:r>
-          </a:p>
-          <a:p>
-            <a:pPr lvl="1"/>
-            <a:r>
-              <a:rPr lang="en-US" sz="2800" dirty="0"/>
-              <a:t>L2 regularization and adjustments to architecture helped reduce overfitting.</a:t>
-            </a:r>
-          </a:p>
-          <a:p>
-            <a:pPr lvl="1"/>
-            <a:r>
-              <a:rPr lang="en-US" sz="2800" dirty="0"/>
-              <a:t>The final model achieved a test accuracy of 87.5%.</a:t>
-            </a:r>
-          </a:p>
-          <a:p>
-            <a:r>
-              <a:rPr lang="en-US" dirty="0"/>
-              <a:t>Testing:</a:t>
-            </a:r>
-          </a:p>
-          <a:p>
-            <a:pPr lvl="1"/>
-            <a:r>
-              <a:rPr lang="en-US" sz="2800" dirty="0"/>
-              <a:t>A stratified train-test split ensured that class distribution was maintained.</a:t>
-            </a:r>
-          </a:p>
-          <a:p>
-            <a:pPr lvl="1"/>
-            <a:r>
-              <a:rPr lang="en-US" sz="2800" dirty="0"/>
-              <a:t>The confusion matrix was used to assess class-wise performance (ARR, CHF, NSR).</a:t>
-            </a:r>
-            <a:endParaRPr lang="tr-TR" sz="2800" dirty="0"/>
+            <a:pPr algn="just" eaLnBrk="0" fontAlgn="base" hangingPunct="0">
+              <a:lnSpc>
+                <a:spcPct val="100000"/>
+              </a:lnSpc>
+              <a:spcBef>
+                <a:spcPct val="0"/>
+              </a:spcBef>
+              <a:spcAft>
+                <a:spcPct val="0"/>
+              </a:spcAft>
+            </a:pPr>
+            <a:r>
+              <a:rPr kumimoji="0" lang="en-US" altLang="en-US" b="1" i="0" u="none" strike="noStrike" cap="none" normalizeH="0" baseline="0" dirty="0">
+                <a:ln>
+                  <a:noFill/>
+                </a:ln>
+                <a:solidFill>
+                  <a:schemeClr val="tx1"/>
+                </a:solidFill>
+                <a:effectLst/>
+                <a:latin typeface="Arial" panose="020B0604020202020204" pitchFamily="34" charset="0"/>
+              </a:rPr>
+              <a:t>Training:</a:t>
+            </a:r>
+            <a:endParaRPr kumimoji="0" lang="en-US" altLang="en-US" b="0" i="0" u="none" strike="noStrike" cap="none" normalizeH="0" baseline="0" dirty="0">
+              <a:ln>
+                <a:noFill/>
+              </a:ln>
+              <a:solidFill>
+                <a:schemeClr val="tx1"/>
+              </a:solidFill>
+              <a:effectLst/>
+              <a:latin typeface="Arial" panose="020B0604020202020204" pitchFamily="34" charset="0"/>
+            </a:endParaRPr>
+          </a:p>
+          <a:p>
+            <a:pPr lvl="1" algn="just" eaLnBrk="0" fontAlgn="base" hangingPunct="0">
+              <a:lnSpc>
+                <a:spcPct val="100000"/>
+              </a:lnSpc>
+              <a:spcBef>
+                <a:spcPct val="0"/>
+              </a:spcBef>
+              <a:spcAft>
+                <a:spcPct val="0"/>
+              </a:spcAft>
+            </a:pPr>
+            <a:r>
+              <a:rPr kumimoji="0" lang="en-US" altLang="en-US" b="0" i="0" u="none" strike="noStrike" cap="none" normalizeH="0" baseline="0" dirty="0">
+                <a:ln>
+                  <a:noFill/>
+                </a:ln>
+                <a:solidFill>
+                  <a:schemeClr val="tx1"/>
+                </a:solidFill>
+                <a:effectLst/>
+                <a:latin typeface="Arial" panose="020B0604020202020204" pitchFamily="34" charset="0"/>
+              </a:rPr>
+              <a:t>Pretrained layers were fine-tuned for ECG classification.</a:t>
+            </a:r>
+          </a:p>
+          <a:p>
+            <a:pPr lvl="1" algn="just" eaLnBrk="0" fontAlgn="base" hangingPunct="0">
+              <a:lnSpc>
+                <a:spcPct val="100000"/>
+              </a:lnSpc>
+              <a:spcBef>
+                <a:spcPct val="0"/>
+              </a:spcBef>
+              <a:spcAft>
+                <a:spcPct val="0"/>
+              </a:spcAft>
+            </a:pPr>
+            <a:r>
+              <a:rPr kumimoji="0" lang="en-US" altLang="en-US" b="0" i="0" u="none" strike="noStrike" cap="none" normalizeH="0" baseline="0" dirty="0">
+                <a:ln>
+                  <a:noFill/>
+                </a:ln>
+                <a:solidFill>
+                  <a:schemeClr val="tx1"/>
+                </a:solidFill>
+                <a:effectLst/>
+                <a:latin typeface="Arial" panose="020B0604020202020204" pitchFamily="34" charset="0"/>
+              </a:rPr>
+              <a:t>Hyperparameters: Learning rate = 0.001, Batch size = 27, Optimizer = SGDM.</a:t>
+            </a:r>
+            <a:endParaRPr lang="en-US" dirty="0"/>
           </a:p>
         </p:txBody>
       </p:sp>
@@ -16225,7 +18450,7 @@
           <p:cNvPr id="5" name="TextBox 4">
             <a:extLst>
               <a:ext uri="{FF2B5EF4-FFF2-40B4-BE49-F238E27FC236}">
-                <a16:creationId xmlns:a16="http://schemas.microsoft.com/office/drawing/2014/main" id="{90F59DB4-2E19-6373-F8A1-D1E4B62F6BCF}"/>
+                <a16:creationId xmlns:a16="http://schemas.microsoft.com/office/drawing/2014/main" id="{218E6C4B-A3C8-95B2-C55E-315D15F0D182}"/>
               </a:ext>
             </a:extLst>
           </p:cNvPr>
@@ -16258,7 +18483,7 @@
               <a:t>Frontier Tech Leaders </a:t>
             </a:r>
             <a:r>
-              <a:rPr lang="en-US" sz="1200" err="1">
+              <a:rPr lang="en-US" sz="1200" dirty="0" err="1">
                 <a:cs typeface="Calibri"/>
               </a:rPr>
               <a:t>Programme</a:t>
@@ -16273,10 +18498,46 @@
           </a:p>
         </p:txBody>
       </p:sp>
+      <p:pic>
+        <p:nvPicPr>
+          <p:cNvPr id="7" name="Picture 6" descr="A graph of a graph of a graph&#10;&#10;Description automatically generated with medium confidence">
+            <a:extLst>
+              <a:ext uri="{FF2B5EF4-FFF2-40B4-BE49-F238E27FC236}">
+                <a16:creationId xmlns:a16="http://schemas.microsoft.com/office/drawing/2014/main" id="{4582B106-C8E4-FFA4-A5F2-DD8BE3F43EE2}"/>
+              </a:ext>
+            </a:extLst>
+          </p:cNvPr>
+          <p:cNvPicPr>
+            <a:picLocks noChangeAspect="1"/>
+          </p:cNvPicPr>
+          <p:nvPr/>
+        </p:nvPicPr>
+        <p:blipFill>
+          <a:blip r:embed="rId2">
+            <a:extLst>
+              <a:ext uri="{28A0092B-C50C-407E-A947-70E740481C1C}">
+                <a14:useLocalDpi xmlns:a14="http://schemas.microsoft.com/office/drawing/2010/main" val="0"/>
+              </a:ext>
+            </a:extLst>
+          </a:blip>
+          <a:stretch>
+            <a:fillRect/>
+          </a:stretch>
+        </p:blipFill>
+        <p:spPr>
+          <a:xfrm>
+            <a:off x="1499751" y="3529263"/>
+            <a:ext cx="10050565" cy="3296653"/>
+          </a:xfrm>
+          <a:prstGeom prst="rect">
+            <a:avLst/>
+          </a:prstGeom>
+        </p:spPr>
+      </p:pic>
     </p:spTree>
     <p:extLst>
       <p:ext uri="{BB962C8B-B14F-4D97-AF65-F5344CB8AC3E}">
-        <p14:creationId xmlns:p14="http://schemas.microsoft.com/office/powerpoint/2010/main" val="1652675159"/>
+        <p14:creationId xmlns:p14="http://schemas.microsoft.com/office/powerpoint/2010/main" val="1073472500"/>
       </p:ext>
     </p:extLst>
   </p:cSld>
@@ -16308,7 +18569,7 @@
           <p:cNvPr id="2" name="Title 1">
             <a:extLst>
               <a:ext uri="{FF2B5EF4-FFF2-40B4-BE49-F238E27FC236}">
-                <a16:creationId xmlns:a16="http://schemas.microsoft.com/office/drawing/2014/main" id="{E382CF62-297C-8D0F-E3E5-1BA3EBDCD815}"/>
+                <a16:creationId xmlns:a16="http://schemas.microsoft.com/office/drawing/2014/main" id="{F6601C89-436E-AD3C-AF5A-DEC59B995445}"/>
               </a:ext>
             </a:extLst>
           </p:cNvPr>
@@ -16321,28 +18582,76 @@
         </p:nvSpPr>
         <p:spPr/>
         <p:txBody>
-          <a:bodyPr>
-            <a:normAutofit/>
+          <a:bodyPr/>
+          <a:lstStyle/>
+          <a:p>
+            <a:r>
+              <a:rPr lang="en-US" b="1"/>
+              <a:t>Model Refinement</a:t>
+            </a:r>
+            <a:r>
+              <a:rPr lang="tr-TR" b="1"/>
+              <a:t> </a:t>
+            </a:r>
+            <a:r>
+              <a:rPr lang="tr-TR" b="1" err="1"/>
+              <a:t>and</a:t>
+            </a:r>
+            <a:r>
+              <a:rPr lang="tr-TR" b="1"/>
+              <a:t> </a:t>
+            </a:r>
+            <a:r>
+              <a:rPr lang="tr-TR" b="1" err="1"/>
+              <a:t>Testing</a:t>
+            </a:r>
+            <a:endParaRPr lang="tr-TR"/>
+          </a:p>
+        </p:txBody>
+      </p:sp>
+      <p:sp>
+        <p:nvSpPr>
+          <p:cNvPr id="3" name="Content Placeholder 2">
+            <a:extLst>
+              <a:ext uri="{FF2B5EF4-FFF2-40B4-BE49-F238E27FC236}">
+                <a16:creationId xmlns:a16="http://schemas.microsoft.com/office/drawing/2014/main" id="{9527CBB5-FCE1-A315-951E-ACBCC104C4CE}"/>
+              </a:ext>
+            </a:extLst>
+          </p:cNvPr>
+          <p:cNvSpPr>
+            <a:spLocks noGrp="1"/>
+          </p:cNvSpPr>
+          <p:nvPr>
+            <p:ph idx="1"/>
+          </p:nvPr>
+        </p:nvSpPr>
+        <p:spPr/>
+        <p:txBody>
+          <a:bodyPr vert="horz" lIns="91440" tIns="45720" rIns="91440" bIns="45720" rtlCol="0" anchor="t">
+            <a:noAutofit/>
           </a:bodyPr>
           <a:lstStyle/>
           <a:p>
             <a:r>
-              <a:rPr lang="en-US" dirty="0">
-                <a:ea typeface="+mj-lt"/>
-                <a:cs typeface="+mj-lt"/>
-              </a:rPr>
-              <a:t>Results</a:t>
-            </a:r>
-            <a:endParaRPr lang="en-US" dirty="0"/>
-          </a:p>
-        </p:txBody>
-      </p:sp>
-      <p:sp>
-        <p:nvSpPr>
-          <p:cNvPr id="4" name="TextBox 3">
-            <a:extLst>
-              <a:ext uri="{FF2B5EF4-FFF2-40B4-BE49-F238E27FC236}">
-                <a16:creationId xmlns:a16="http://schemas.microsoft.com/office/drawing/2014/main" id="{3831E698-AC64-A6F4-2958-27D7E92C645A}"/>
+              <a:rPr lang="en-US" dirty="0"/>
+              <a:t>Refinement:</a:t>
+            </a:r>
+          </a:p>
+          <a:p>
+            <a:pPr lvl="1"/>
+            <a:r>
+              <a:rPr lang="en-US" sz="2800" dirty="0"/>
+              <a:t>L2 regularization and adjustments to architecture helped reduce overfitting, to get raining accuracy of 80%</a:t>
+            </a:r>
+          </a:p>
+        </p:txBody>
+      </p:sp>
+      <p:sp>
+        <p:nvSpPr>
+          <p:cNvPr id="5" name="TextBox 4">
+            <a:extLst>
+              <a:ext uri="{FF2B5EF4-FFF2-40B4-BE49-F238E27FC236}">
+                <a16:creationId xmlns:a16="http://schemas.microsoft.com/office/drawing/2014/main" id="{90F59DB4-2E19-6373-F8A1-D1E4B62F6BCF}"/>
               </a:ext>
             </a:extLst>
           </p:cNvPr>
@@ -16390,10 +18699,40 @@
           </a:p>
         </p:txBody>
       </p:sp>
+      <p:pic>
+        <p:nvPicPr>
+          <p:cNvPr id="7" name="Picture 6">
+            <a:extLst>
+              <a:ext uri="{FF2B5EF4-FFF2-40B4-BE49-F238E27FC236}">
+                <a16:creationId xmlns:a16="http://schemas.microsoft.com/office/drawing/2014/main" id="{54131F79-5696-2F56-1109-473F608A368B}"/>
+              </a:ext>
+            </a:extLst>
+          </p:cNvPr>
+          <p:cNvPicPr>
+            <a:picLocks noChangeAspect="1"/>
+          </p:cNvPicPr>
+          <p:nvPr/>
+        </p:nvPicPr>
+        <p:blipFill>
+          <a:blip r:embed="rId2"/>
+          <a:stretch>
+            <a:fillRect/>
+          </a:stretch>
+        </p:blipFill>
+        <p:spPr>
+          <a:xfrm>
+            <a:off x="7956884" y="3249915"/>
+            <a:ext cx="4235116" cy="3608085"/>
+          </a:xfrm>
+          <a:prstGeom prst="rect">
+            <a:avLst/>
+          </a:prstGeom>
+        </p:spPr>
+      </p:pic>
     </p:spTree>
     <p:extLst>
       <p:ext uri="{BB962C8B-B14F-4D97-AF65-F5344CB8AC3E}">
-        <p14:creationId xmlns:p14="http://schemas.microsoft.com/office/powerpoint/2010/main" val="1101562535"/>
+        <p14:creationId xmlns:p14="http://schemas.microsoft.com/office/powerpoint/2010/main" val="1652675159"/>
       </p:ext>
     </p:extLst>
   </p:cSld>
@@ -16425,7 +18764,7 @@
           <p:cNvPr id="2" name="Title 1">
             <a:extLst>
               <a:ext uri="{FF2B5EF4-FFF2-40B4-BE49-F238E27FC236}">
-                <a16:creationId xmlns:a16="http://schemas.microsoft.com/office/drawing/2014/main" id="{F6601C89-436E-AD3C-AF5A-DEC59B995445}"/>
+                <a16:creationId xmlns:a16="http://schemas.microsoft.com/office/drawing/2014/main" id="{E382CF62-297C-8D0F-E3E5-1BA3EBDCD815}"/>
               </a:ext>
             </a:extLst>
           </p:cNvPr>
@@ -16438,23 +18777,28 @@
         </p:nvSpPr>
         <p:spPr/>
         <p:txBody>
-          <a:bodyPr/>
-          <a:lstStyle/>
-          <a:p>
-            <a:r>
-              <a:rPr lang="en-US" b="1" dirty="0"/>
-              <a:t>Evaluation Results</a:t>
-            </a:r>
-            <a:endParaRPr lang="tr-TR" dirty="0"/>
-          </a:p>
-        </p:txBody>
-      </p:sp>
-      <p:sp>
-        <p:nvSpPr>
-          <p:cNvPr id="5" name="TextBox 4">
-            <a:extLst>
-              <a:ext uri="{FF2B5EF4-FFF2-40B4-BE49-F238E27FC236}">
-                <a16:creationId xmlns:a16="http://schemas.microsoft.com/office/drawing/2014/main" id="{82033EC6-A98C-FBBC-86AF-DA8BE8455201}"/>
+          <a:bodyPr>
+            <a:normAutofit/>
+          </a:bodyPr>
+          <a:lstStyle/>
+          <a:p>
+            <a:r>
+              <a:rPr lang="en-US" dirty="0">
+                <a:ea typeface="+mj-lt"/>
+                <a:cs typeface="+mj-lt"/>
+              </a:rPr>
+              <a:t>Results</a:t>
+            </a:r>
+            <a:endParaRPr lang="en-US" dirty="0"/>
+          </a:p>
+        </p:txBody>
+      </p:sp>
+      <p:sp>
+        <p:nvSpPr>
+          <p:cNvPr id="4" name="TextBox 3">
+            <a:extLst>
+              <a:ext uri="{FF2B5EF4-FFF2-40B4-BE49-F238E27FC236}">
+                <a16:creationId xmlns:a16="http://schemas.microsoft.com/office/drawing/2014/main" id="{3831E698-AC64-A6F4-2958-27D7E92C645A}"/>
               </a:ext>
             </a:extLst>
           </p:cNvPr>
@@ -16502,6 +18846,118 @@
           </a:p>
         </p:txBody>
       </p:sp>
+    </p:spTree>
+    <p:extLst>
+      <p:ext uri="{BB962C8B-B14F-4D97-AF65-F5344CB8AC3E}">
+        <p14:creationId xmlns:p14="http://schemas.microsoft.com/office/powerpoint/2010/main" val="1101562535"/>
+      </p:ext>
+    </p:extLst>
+  </p:cSld>
+  <p:clrMapOvr>
+    <a:masterClrMapping/>
+  </p:clrMapOvr>
+</p:sld>
+</file>
+
+<file path=ppt/slides/slide17.xml><?xml version="1.0" encoding="utf-8"?>
+<p:sld xmlns:a="http://schemas.openxmlformats.org/drawingml/2006/main" xmlns:r="http://schemas.openxmlformats.org/officeDocument/2006/relationships" xmlns:p="http://schemas.openxmlformats.org/presentationml/2006/main">
+  <p:cSld>
+    <p:spTree>
+      <p:nvGrpSpPr>
+        <p:cNvPr id="1" name=""/>
+        <p:cNvGrpSpPr/>
+        <p:nvPr/>
+      </p:nvGrpSpPr>
+      <p:grpSpPr>
+        <a:xfrm>
+          <a:off x="0" y="0"/>
+          <a:ext cx="0" cy="0"/>
+          <a:chOff x="0" y="0"/>
+          <a:chExt cx="0" cy="0"/>
+        </a:xfrm>
+      </p:grpSpPr>
+      <p:sp>
+        <p:nvSpPr>
+          <p:cNvPr id="2" name="Title 1">
+            <a:extLst>
+              <a:ext uri="{FF2B5EF4-FFF2-40B4-BE49-F238E27FC236}">
+                <a16:creationId xmlns:a16="http://schemas.microsoft.com/office/drawing/2014/main" id="{F6601C89-436E-AD3C-AF5A-DEC59B995445}"/>
+              </a:ext>
+            </a:extLst>
+          </p:cNvPr>
+          <p:cNvSpPr>
+            <a:spLocks noGrp="1"/>
+          </p:cNvSpPr>
+          <p:nvPr>
+            <p:ph type="title"/>
+          </p:nvPr>
+        </p:nvSpPr>
+        <p:spPr/>
+        <p:txBody>
+          <a:bodyPr/>
+          <a:lstStyle/>
+          <a:p>
+            <a:r>
+              <a:rPr lang="en-US" b="1" dirty="0"/>
+              <a:t>Evaluation Results</a:t>
+            </a:r>
+            <a:endParaRPr lang="tr-TR" dirty="0"/>
+          </a:p>
+        </p:txBody>
+      </p:sp>
+      <p:sp>
+        <p:nvSpPr>
+          <p:cNvPr id="5" name="TextBox 4">
+            <a:extLst>
+              <a:ext uri="{FF2B5EF4-FFF2-40B4-BE49-F238E27FC236}">
+                <a16:creationId xmlns:a16="http://schemas.microsoft.com/office/drawing/2014/main" id="{82033EC6-A98C-FBBC-86AF-DA8BE8455201}"/>
+              </a:ext>
+            </a:extLst>
+          </p:cNvPr>
+          <p:cNvSpPr txBox="1"/>
+          <p:nvPr/>
+        </p:nvSpPr>
+        <p:spPr>
+          <a:xfrm>
+            <a:off x="88776" y="177553"/>
+            <a:ext cx="5066189" cy="276999"/>
+          </a:xfrm>
+          <a:prstGeom prst="rect">
+            <a:avLst/>
+          </a:prstGeom>
+          <a:noFill/>
+        </p:spPr>
+        <p:txBody>
+          <a:bodyPr rot="0" spcFirstLastPara="0" vertOverflow="overflow" horzOverflow="overflow" vert="horz" wrap="square" lIns="91440" tIns="45720" rIns="91440" bIns="45720" numCol="1" spcCol="0" rtlCol="0" fromWordArt="0" anchor="t" anchorCtr="0" forceAA="0" compatLnSpc="1">
+            <a:prstTxWarp prst="textNoShape">
+              <a:avLst/>
+            </a:prstTxWarp>
+            <a:spAutoFit/>
+          </a:bodyPr>
+          <a:lstStyle/>
+          <a:p>
+            <a:r>
+              <a:rPr lang="en-US" sz="1200" dirty="0">
+                <a:cs typeface="Calibri"/>
+              </a:rPr>
+              <a:t>Frontier Tech Leaders </a:t>
+            </a:r>
+            <a:r>
+              <a:rPr lang="en-US" sz="1200" err="1">
+                <a:cs typeface="Calibri"/>
+              </a:rPr>
+              <a:t>Programme</a:t>
+            </a:r>
+            <a:r>
+              <a:rPr lang="en-US" sz="1200" dirty="0">
+                <a:cs typeface="Calibri"/>
+              </a:rPr>
+              <a:t> Global Cohort 1</a:t>
+            </a:r>
+            <a:endParaRPr lang="en-US" sz="1200" dirty="0"/>
+          </a:p>
+        </p:txBody>
+      </p:sp>
       <p:sp>
         <p:nvSpPr>
           <p:cNvPr id="4" name="Rectangle 1">
@@ -16520,7 +18976,7 @@
         </p:nvSpPr>
         <p:spPr bwMode="auto">
           <a:xfrm>
-            <a:off x="1039652" y="2241351"/>
+            <a:off x="1039653" y="1986033"/>
             <a:ext cx="10112695" cy="4401205"/>
           </a:xfrm>
           <a:prstGeom prst="rect">
@@ -16605,6 +19061,126 @@
             </a:endParaRPr>
           </a:p>
           <a:p>
+            <a:pPr eaLnBrk="0" fontAlgn="base" hangingPunct="0">
+              <a:lnSpc>
+                <a:spcPct val="100000"/>
+              </a:lnSpc>
+              <a:spcBef>
+                <a:spcPct val="0"/>
+              </a:spcBef>
+              <a:spcAft>
+                <a:spcPct val="0"/>
+              </a:spcAft>
+            </a:pPr>
+            <a:endParaRPr kumimoji="0" lang="en-US" altLang="en-US" b="1" i="0" u="none" strike="noStrike" cap="none" normalizeH="0" baseline="0" dirty="0">
+              <a:ln>
+                <a:noFill/>
+              </a:ln>
+              <a:solidFill>
+                <a:schemeClr val="tx1"/>
+              </a:solidFill>
+              <a:effectLst/>
+              <a:latin typeface="Arial" panose="020B0604020202020204" pitchFamily="34" charset="0"/>
+            </a:endParaRPr>
+          </a:p>
+          <a:p>
+            <a:pPr eaLnBrk="0" fontAlgn="base" hangingPunct="0">
+              <a:lnSpc>
+                <a:spcPct val="100000"/>
+              </a:lnSpc>
+              <a:spcBef>
+                <a:spcPct val="0"/>
+              </a:spcBef>
+              <a:spcAft>
+                <a:spcPct val="0"/>
+              </a:spcAft>
+            </a:pPr>
+            <a:endParaRPr lang="en-US" altLang="en-US" b="1" dirty="0">
+              <a:solidFill>
+                <a:schemeClr val="tx1"/>
+              </a:solidFill>
+              <a:latin typeface="Arial" panose="020B0604020202020204" pitchFamily="34" charset="0"/>
+            </a:endParaRPr>
+          </a:p>
+          <a:p>
+            <a:pPr eaLnBrk="0" fontAlgn="base" hangingPunct="0">
+              <a:lnSpc>
+                <a:spcPct val="100000"/>
+              </a:lnSpc>
+              <a:spcBef>
+                <a:spcPct val="0"/>
+              </a:spcBef>
+              <a:spcAft>
+                <a:spcPct val="0"/>
+              </a:spcAft>
+            </a:pPr>
+            <a:endParaRPr kumimoji="0" lang="en-US" altLang="en-US" b="1" i="0" u="none" strike="noStrike" cap="none" normalizeH="0" baseline="0" dirty="0">
+              <a:ln>
+                <a:noFill/>
+              </a:ln>
+              <a:solidFill>
+                <a:schemeClr val="tx1"/>
+              </a:solidFill>
+              <a:effectLst/>
+              <a:latin typeface="Arial" panose="020B0604020202020204" pitchFamily="34" charset="0"/>
+            </a:endParaRPr>
+          </a:p>
+          <a:p>
+            <a:pPr eaLnBrk="0" fontAlgn="base" hangingPunct="0">
+              <a:lnSpc>
+                <a:spcPct val="100000"/>
+              </a:lnSpc>
+              <a:spcBef>
+                <a:spcPct val="0"/>
+              </a:spcBef>
+              <a:spcAft>
+                <a:spcPct val="0"/>
+              </a:spcAft>
+            </a:pPr>
+            <a:endParaRPr lang="en-US" altLang="en-US" b="1" dirty="0">
+              <a:solidFill>
+                <a:schemeClr val="tx1"/>
+              </a:solidFill>
+              <a:latin typeface="Arial" panose="020B0604020202020204" pitchFamily="34" charset="0"/>
+            </a:endParaRPr>
+          </a:p>
+          <a:p>
+            <a:pPr eaLnBrk="0" fontAlgn="base" hangingPunct="0">
+              <a:lnSpc>
+                <a:spcPct val="100000"/>
+              </a:lnSpc>
+              <a:spcBef>
+                <a:spcPct val="0"/>
+              </a:spcBef>
+              <a:spcAft>
+                <a:spcPct val="0"/>
+              </a:spcAft>
+            </a:pPr>
+            <a:r>
+              <a:rPr kumimoji="0" lang="en-US" altLang="en-US" b="1" i="0" u="none" strike="noStrike" cap="none" normalizeH="0" baseline="0" dirty="0">
+                <a:ln>
+                  <a:noFill/>
+                </a:ln>
+                <a:solidFill>
+                  <a:schemeClr val="tx1"/>
+                </a:solidFill>
+                <a:effectLst/>
+                <a:latin typeface="Arial" panose="020B0604020202020204" pitchFamily="34" charset="0"/>
+              </a:rPr>
+              <a:t>Challenges:</a:t>
+            </a:r>
+            <a:endParaRPr kumimoji="0" lang="en-US" altLang="en-US" b="0" i="0" u="none" strike="noStrike" cap="none" normalizeH="0" baseline="0" dirty="0">
+              <a:ln>
+                <a:noFill/>
+              </a:ln>
+              <a:solidFill>
+                <a:schemeClr val="tx1"/>
+              </a:solidFill>
+              <a:effectLst/>
+              <a:latin typeface="Arial" panose="020B0604020202020204" pitchFamily="34" charset="0"/>
+            </a:endParaRPr>
+          </a:p>
+          <a:p>
             <a:pPr lvl="1" eaLnBrk="0" fontAlgn="base" hangingPunct="0">
               <a:lnSpc>
                 <a:spcPct val="100000"/>
@@ -16627,31 +19203,8 @@
                 <a:effectLst/>
                 <a:latin typeface="Arial" panose="020B0604020202020204" pitchFamily="34" charset="0"/>
               </a:rPr>
-              <a:t>Validation accuracy: </a:t>
-            </a:r>
-            <a:r>
-              <a:rPr kumimoji="0" lang="en-US" altLang="en-US" sz="2800" b="1" i="0" u="none" strike="noStrike" cap="none" normalizeH="0" baseline="0" dirty="0">
-                <a:ln>
-                  <a:noFill/>
-                </a:ln>
-                <a:solidFill>
-                  <a:schemeClr val="tx1"/>
-                </a:solidFill>
-                <a:effectLst/>
-                <a:latin typeface="Arial" panose="020B0604020202020204" pitchFamily="34" charset="0"/>
-              </a:rPr>
-              <a:t>88%</a:t>
-            </a:r>
-            <a:endParaRPr kumimoji="0" lang="en-US" altLang="en-US" sz="2800" b="0" i="0" u="none" strike="noStrike" cap="none" normalizeH="0" baseline="0" dirty="0">
-              <a:ln>
-                <a:noFill/>
-              </a:ln>
-              <a:solidFill>
-                <a:schemeClr val="tx1"/>
-              </a:solidFill>
-              <a:effectLst/>
-              <a:latin typeface="Arial" panose="020B0604020202020204" pitchFamily="34" charset="0"/>
-            </a:endParaRPr>
+              <a:t>Class imbalance was a challenge, addressed through stratified sampling and cross-validation.</a:t>
+            </a:r>
           </a:p>
           <a:p>
             <a:pPr lvl="1" eaLnBrk="0" fontAlgn="base" hangingPunct="0">
@@ -16676,320 +19229,301 @@
                 <a:effectLst/>
                 <a:latin typeface="Arial" panose="020B0604020202020204" pitchFamily="34" charset="0"/>
               </a:rPr>
-              <a:t>Test accuracy: </a:t>
-            </a:r>
-            <a:r>
-              <a:rPr kumimoji="0" lang="en-US" altLang="en-US" sz="2800" b="1" i="0" u="none" strike="noStrike" cap="none" normalizeH="0" baseline="0" dirty="0">
-                <a:ln>
-                  <a:noFill/>
-                </a:ln>
-                <a:solidFill>
-                  <a:schemeClr val="tx1"/>
-                </a:solidFill>
-                <a:effectLst/>
-                <a:latin typeface="Arial" panose="020B0604020202020204" pitchFamily="34" charset="0"/>
-              </a:rPr>
-              <a:t>87.5%</a:t>
-            </a:r>
-            <a:endParaRPr kumimoji="0" lang="en-US" altLang="en-US" sz="2800" b="0" i="0" u="none" strike="noStrike" cap="none" normalizeH="0" baseline="0" dirty="0">
-              <a:ln>
-                <a:noFill/>
-              </a:ln>
-              <a:solidFill>
-                <a:schemeClr val="tx1"/>
-              </a:solidFill>
-              <a:effectLst/>
-              <a:latin typeface="Arial" panose="020B0604020202020204" pitchFamily="34" charset="0"/>
-            </a:endParaRPr>
-          </a:p>
-          <a:p>
-            <a:pPr lvl="1" eaLnBrk="0" fontAlgn="base" hangingPunct="0">
-              <a:lnSpc>
-                <a:spcPct val="100000"/>
-              </a:lnSpc>
-              <a:spcBef>
-                <a:spcPct val="0"/>
-              </a:spcBef>
-              <a:spcAft>
-                <a:spcPct val="0"/>
-              </a:spcAft>
-            </a:pPr>
-            <a:r>
-              <a:rPr kumimoji="0" lang="en-US" altLang="en-US" sz="2800" b="0" i="0" u="none" strike="noStrike" cap="none" normalizeH="0" baseline="0" dirty="0">
-                <a:ln>
-                  <a:noFill/>
-                </a:ln>
-                <a:solidFill>
-                  <a:schemeClr val="tx1"/>
-                </a:solidFill>
-                <a:effectLst/>
-                <a:latin typeface="Arial" panose="020B0604020202020204" pitchFamily="34" charset="0"/>
-              </a:rPr>
-              <a:t>The model successfully classified ECG signals into ARR, CHF, and NSR with high accuracy.</a:t>
-            </a:r>
-          </a:p>
-          <a:p>
-            <a:pPr eaLnBrk="0" fontAlgn="base" hangingPunct="0">
-              <a:lnSpc>
-                <a:spcPct val="100000"/>
-              </a:lnSpc>
-              <a:spcBef>
-                <a:spcPct val="0"/>
-              </a:spcBef>
-              <a:spcAft>
-                <a:spcPct val="0"/>
-              </a:spcAft>
-            </a:pPr>
-            <a:r>
-              <a:rPr kumimoji="0" lang="en-US" altLang="en-US" b="1" i="0" u="none" strike="noStrike" cap="none" normalizeH="0" baseline="0" dirty="0">
-                <a:ln>
-                  <a:noFill/>
-                </a:ln>
-                <a:solidFill>
-                  <a:schemeClr val="tx1"/>
-                </a:solidFill>
-                <a:effectLst/>
-                <a:latin typeface="Arial" panose="020B0604020202020204" pitchFamily="34" charset="0"/>
-              </a:rPr>
-              <a:t>Challenges:</a:t>
-            </a:r>
-            <a:endParaRPr kumimoji="0" lang="en-US" altLang="en-US" b="0" i="0" u="none" strike="noStrike" cap="none" normalizeH="0" baseline="0" dirty="0">
-              <a:ln>
-                <a:noFill/>
-              </a:ln>
-              <a:solidFill>
-                <a:schemeClr val="tx1"/>
-              </a:solidFill>
-              <a:effectLst/>
-              <a:latin typeface="Arial" panose="020B0604020202020204" pitchFamily="34" charset="0"/>
-            </a:endParaRPr>
-          </a:p>
-          <a:p>
-            <a:pPr lvl="1" eaLnBrk="0" fontAlgn="base" hangingPunct="0">
-              <a:lnSpc>
-                <a:spcPct val="100000"/>
-              </a:lnSpc>
-              <a:spcBef>
-                <a:spcPct val="0"/>
-              </a:spcBef>
-              <a:spcAft>
-                <a:spcPct val="0"/>
-              </a:spcAft>
-            </a:pPr>
-            <a:r>
-              <a:rPr kumimoji="0" lang="en-US" altLang="en-US" sz="2800" b="0" i="0" u="none" strike="noStrike" cap="none" normalizeH="0" baseline="0" dirty="0">
-                <a:ln>
-                  <a:noFill/>
-                </a:ln>
-                <a:solidFill>
-                  <a:schemeClr val="tx1"/>
-                </a:solidFill>
-                <a:effectLst/>
-                <a:latin typeface="Arial" panose="020B0604020202020204" pitchFamily="34" charset="0"/>
-              </a:rPr>
-              <a:t>Class imbalance was a challenge, addressed through stratified sampling and cross-validation.</a:t>
-            </a:r>
-          </a:p>
-          <a:p>
-            <a:pPr lvl="1" eaLnBrk="0" fontAlgn="base" hangingPunct="0">
-              <a:lnSpc>
-                <a:spcPct val="100000"/>
-              </a:lnSpc>
-              <a:spcBef>
-                <a:spcPct val="0"/>
-              </a:spcBef>
-              <a:spcAft>
-                <a:spcPct val="0"/>
-              </a:spcAft>
-            </a:pPr>
-            <a:r>
-              <a:rPr kumimoji="0" lang="en-US" altLang="en-US" sz="2800" b="0" i="0" u="none" strike="noStrike" cap="none" normalizeH="0" baseline="0" dirty="0">
-                <a:ln>
-                  <a:noFill/>
-                </a:ln>
-                <a:solidFill>
-                  <a:schemeClr val="tx1"/>
-                </a:solidFill>
-                <a:effectLst/>
-                <a:latin typeface="Arial" panose="020B0604020202020204" pitchFamily="34" charset="0"/>
-              </a:rPr>
               <a:t>Overfitting was reduced through regularization and batch size adjustments.</a:t>
             </a:r>
           </a:p>
         </p:txBody>
       </p:sp>
+      <p:graphicFrame>
+        <p:nvGraphicFramePr>
+          <p:cNvPr id="6" name="Table 5">
+            <a:extLst>
+              <a:ext uri="{FF2B5EF4-FFF2-40B4-BE49-F238E27FC236}">
+                <a16:creationId xmlns:a16="http://schemas.microsoft.com/office/drawing/2014/main" id="{08471458-0E53-1977-16DE-58BF3BCA2693}"/>
+              </a:ext>
+            </a:extLst>
+          </p:cNvPr>
+          <p:cNvGraphicFramePr>
+            <a:graphicFrameLocks noGrp="1"/>
+          </p:cNvGraphicFramePr>
+          <p:nvPr>
+            <p:extLst>
+              <p:ext uri="{D42A27DB-BD31-4B8C-83A1-F6EECF244321}">
+                <p14:modId xmlns:p14="http://schemas.microsoft.com/office/powerpoint/2010/main" val="1677839897"/>
+              </p:ext>
+            </p:extLst>
+          </p:nvPr>
+        </p:nvGraphicFramePr>
+        <p:xfrm>
+          <a:off x="1358664" y="3032760"/>
+          <a:ext cx="4737336" cy="792480"/>
+        </p:xfrm>
+        <a:graphic>
+          <a:graphicData uri="http://schemas.openxmlformats.org/drawingml/2006/table">
+            <a:tbl>
+              <a:tblPr firstRow="1" bandRow="1">
+                <a:tableStyleId>{5C22544A-7EE6-4342-B048-85BDC9FD1C3A}</a:tableStyleId>
+              </a:tblPr>
+              <a:tblGrid>
+                <a:gridCol w="1241065">
+                  <a:extLst>
+                    <a:ext uri="{9D8B030D-6E8A-4147-A177-3AD203B41FA5}">
+                      <a16:colId xmlns:a16="http://schemas.microsoft.com/office/drawing/2014/main" val="1671514419"/>
+                    </a:ext>
+                  </a:extLst>
+                </a:gridCol>
+                <a:gridCol w="1187224">
+                  <a:extLst>
+                    <a:ext uri="{9D8B030D-6E8A-4147-A177-3AD203B41FA5}">
+                      <a16:colId xmlns:a16="http://schemas.microsoft.com/office/drawing/2014/main" val="94155604"/>
+                    </a:ext>
+                  </a:extLst>
+                </a:gridCol>
+                <a:gridCol w="1176465">
+                  <a:extLst>
+                    <a:ext uri="{9D8B030D-6E8A-4147-A177-3AD203B41FA5}">
+                      <a16:colId xmlns:a16="http://schemas.microsoft.com/office/drawing/2014/main" val="2044189532"/>
+                    </a:ext>
+                  </a:extLst>
+                </a:gridCol>
+                <a:gridCol w="1132582">
+                  <a:extLst>
+                    <a:ext uri="{9D8B030D-6E8A-4147-A177-3AD203B41FA5}">
+                      <a16:colId xmlns:a16="http://schemas.microsoft.com/office/drawing/2014/main" val="1482074295"/>
+                    </a:ext>
+                  </a:extLst>
+                </a:gridCol>
+              </a:tblGrid>
+              <a:tr h="370840">
+                <a:tc>
+                  <a:txBody>
+                    <a:bodyPr/>
+                    <a:lstStyle/>
+                    <a:p>
+                      <a:r>
+                        <a:rPr lang="en-US" sz="2000" b="0" i="0" kern="1200" dirty="0">
+                          <a:solidFill>
+                            <a:srgbClr val="2B2551"/>
+                          </a:solidFill>
+                          <a:effectLst/>
+                          <a:latin typeface="+mn-lt"/>
+                          <a:ea typeface="+mn-ea"/>
+                          <a:cs typeface="+mn-cs"/>
+                        </a:rPr>
+                        <a:t>Accuracy</a:t>
+                      </a:r>
+                      <a:endParaRPr lang="en-US" sz="2000" dirty="0">
+                        <a:solidFill>
+                          <a:srgbClr val="2B2551"/>
+                        </a:solidFill>
+                      </a:endParaRPr>
+                    </a:p>
+                  </a:txBody>
+                  <a:tcPr/>
+                </a:tc>
+                <a:tc>
+                  <a:txBody>
+                    <a:bodyPr/>
+                    <a:lstStyle/>
+                    <a:p>
+                      <a:r>
+                        <a:rPr lang="en-US" sz="2000" b="0" i="0" kern="1200" dirty="0">
+                          <a:solidFill>
+                            <a:srgbClr val="2B2551"/>
+                          </a:solidFill>
+                          <a:effectLst/>
+                          <a:latin typeface="+mn-lt"/>
+                          <a:ea typeface="+mn-ea"/>
+                          <a:cs typeface="+mn-cs"/>
+                        </a:rPr>
+                        <a:t>F1 Score</a:t>
+                      </a:r>
+                      <a:endParaRPr lang="en-US" sz="2000" dirty="0">
+                        <a:solidFill>
+                          <a:srgbClr val="2B2551"/>
+                        </a:solidFill>
+                      </a:endParaRPr>
+                    </a:p>
+                  </a:txBody>
+                  <a:tcPr/>
+                </a:tc>
+                <a:tc>
+                  <a:txBody>
+                    <a:bodyPr/>
+                    <a:lstStyle/>
+                    <a:p>
+                      <a:r>
+                        <a:rPr lang="en-US" sz="2000" b="0" i="0" kern="1200" dirty="0">
+                          <a:solidFill>
+                            <a:srgbClr val="2B2551"/>
+                          </a:solidFill>
+                          <a:effectLst/>
+                          <a:latin typeface="+mn-lt"/>
+                          <a:ea typeface="+mn-ea"/>
+                          <a:cs typeface="+mn-cs"/>
+                        </a:rPr>
+                        <a:t>Precision</a:t>
+                      </a:r>
+                      <a:endParaRPr lang="en-US" sz="2000" dirty="0">
+                        <a:solidFill>
+                          <a:srgbClr val="2B2551"/>
+                        </a:solidFill>
+                      </a:endParaRPr>
+                    </a:p>
+                  </a:txBody>
+                  <a:tcPr/>
+                </a:tc>
+                <a:tc>
+                  <a:txBody>
+                    <a:bodyPr/>
+                    <a:lstStyle/>
+                    <a:p>
+                      <a:r>
+                        <a:rPr lang="en-US" sz="2000" b="0" i="0" kern="1200" dirty="0">
+                          <a:solidFill>
+                            <a:srgbClr val="2B2551"/>
+                          </a:solidFill>
+                          <a:effectLst/>
+                          <a:latin typeface="+mn-lt"/>
+                          <a:ea typeface="+mn-ea"/>
+                          <a:cs typeface="+mn-cs"/>
+                        </a:rPr>
+                        <a:t>Recall</a:t>
+                      </a:r>
+                      <a:endParaRPr lang="en-US" sz="2000" dirty="0">
+                        <a:solidFill>
+                          <a:srgbClr val="2B2551"/>
+                        </a:solidFill>
+                      </a:endParaRPr>
+                    </a:p>
+                  </a:txBody>
+                  <a:tcPr/>
+                </a:tc>
+                <a:extLst>
+                  <a:ext uri="{0D108BD9-81ED-4DB2-BD59-A6C34878D82A}">
+                    <a16:rowId xmlns:a16="http://schemas.microsoft.com/office/drawing/2014/main" val="2048753461"/>
+                  </a:ext>
+                </a:extLst>
+              </a:tr>
+              <a:tr h="370840">
+                <a:tc>
+                  <a:txBody>
+                    <a:bodyPr/>
+                    <a:lstStyle/>
+                    <a:p>
+                      <a:r>
+                        <a:rPr lang="en-US" sz="2000" b="0" i="0" kern="1200" dirty="0">
+                          <a:solidFill>
+                            <a:srgbClr val="2B2551"/>
+                          </a:solidFill>
+                          <a:effectLst/>
+                          <a:latin typeface="+mn-lt"/>
+                          <a:ea typeface="+mn-ea"/>
+                          <a:cs typeface="+mn-cs"/>
+                        </a:rPr>
+                        <a:t>78.79%</a:t>
+                      </a:r>
+                      <a:endParaRPr lang="en-US" sz="2000" dirty="0">
+                        <a:solidFill>
+                          <a:srgbClr val="2B2551"/>
+                        </a:solidFill>
+                      </a:endParaRPr>
+                    </a:p>
+                  </a:txBody>
+                  <a:tcPr/>
+                </a:tc>
+                <a:tc>
+                  <a:txBody>
+                    <a:bodyPr/>
+                    <a:lstStyle/>
+                    <a:p>
+                      <a:r>
+                        <a:rPr lang="en-US" sz="2000" b="0" i="0" kern="1200" dirty="0">
+                          <a:solidFill>
+                            <a:srgbClr val="2B2551"/>
+                          </a:solidFill>
+                          <a:effectLst/>
+                          <a:latin typeface="+mn-lt"/>
+                          <a:ea typeface="+mn-ea"/>
+                          <a:cs typeface="+mn-cs"/>
+                        </a:rPr>
+                        <a:t>78.48%</a:t>
+                      </a:r>
+                      <a:endParaRPr lang="en-US" sz="2000" dirty="0">
+                        <a:solidFill>
+                          <a:srgbClr val="2B2551"/>
+                        </a:solidFill>
+                      </a:endParaRPr>
+                    </a:p>
+                  </a:txBody>
+                  <a:tcPr/>
+                </a:tc>
+                <a:tc>
+                  <a:txBody>
+                    <a:bodyPr/>
+                    <a:lstStyle/>
+                    <a:p>
+                      <a:r>
+                        <a:rPr lang="en-US" sz="2000" b="0" i="0" kern="1200" dirty="0">
+                          <a:solidFill>
+                            <a:srgbClr val="2B2551"/>
+                          </a:solidFill>
+                          <a:effectLst/>
+                          <a:latin typeface="+mn-lt"/>
+                          <a:ea typeface="+mn-ea"/>
+                          <a:cs typeface="+mn-cs"/>
+                        </a:rPr>
+                        <a:t>79.84%</a:t>
+                      </a:r>
+                      <a:endParaRPr lang="en-US" sz="2000" dirty="0">
+                        <a:solidFill>
+                          <a:srgbClr val="2B2551"/>
+                        </a:solidFill>
+                      </a:endParaRPr>
+                    </a:p>
+                  </a:txBody>
+                  <a:tcPr/>
+                </a:tc>
+                <a:tc>
+                  <a:txBody>
+                    <a:bodyPr/>
+                    <a:lstStyle/>
+                    <a:p>
+                      <a:r>
+                        <a:rPr lang="en-US" sz="2000" b="0" i="0" kern="1200" dirty="0">
+                          <a:solidFill>
+                            <a:srgbClr val="2B2551"/>
+                          </a:solidFill>
+                          <a:effectLst/>
+                          <a:latin typeface="+mn-lt"/>
+                          <a:ea typeface="+mn-ea"/>
+                          <a:cs typeface="+mn-cs"/>
+                        </a:rPr>
+                        <a:t>78.79%</a:t>
+                      </a:r>
+                      <a:endParaRPr lang="en-US" sz="2000" dirty="0">
+                        <a:solidFill>
+                          <a:srgbClr val="2B2551"/>
+                        </a:solidFill>
+                      </a:endParaRPr>
+                    </a:p>
+                  </a:txBody>
+                  <a:tcPr/>
+                </a:tc>
+                <a:extLst>
+                  <a:ext uri="{0D108BD9-81ED-4DB2-BD59-A6C34878D82A}">
+                    <a16:rowId xmlns:a16="http://schemas.microsoft.com/office/drawing/2014/main" val="3469032768"/>
+                  </a:ext>
+                </a:extLst>
+              </a:tr>
+            </a:tbl>
+          </a:graphicData>
+        </a:graphic>
+      </p:graphicFrame>
     </p:spTree>
     <p:extLst>
       <p:ext uri="{BB962C8B-B14F-4D97-AF65-F5344CB8AC3E}">
         <p14:creationId xmlns:p14="http://schemas.microsoft.com/office/powerpoint/2010/main" val="878654391"/>
-      </p:ext>
-    </p:extLst>
-  </p:cSld>
-  <p:clrMapOvr>
-    <a:masterClrMapping/>
-  </p:clrMapOvr>
-</p:sld>
-</file>
-
-<file path=ppt/slides/slide17.xml><?xml version="1.0" encoding="utf-8"?>
-<p:sld xmlns:a="http://schemas.openxmlformats.org/drawingml/2006/main" xmlns:r="http://schemas.openxmlformats.org/officeDocument/2006/relationships" xmlns:p="http://schemas.openxmlformats.org/presentationml/2006/main">
-  <p:cSld>
-    <p:spTree>
-      <p:nvGrpSpPr>
-        <p:cNvPr id="1" name=""/>
-        <p:cNvGrpSpPr/>
-        <p:nvPr/>
-      </p:nvGrpSpPr>
-      <p:grpSpPr>
-        <a:xfrm>
-          <a:off x="0" y="0"/>
-          <a:ext cx="0" cy="0"/>
-          <a:chOff x="0" y="0"/>
-          <a:chExt cx="0" cy="0"/>
-        </a:xfrm>
-      </p:grpSpPr>
-      <p:sp>
-        <p:nvSpPr>
-          <p:cNvPr id="2" name="Title 1">
-            <a:extLst>
-              <a:ext uri="{FF2B5EF4-FFF2-40B4-BE49-F238E27FC236}">
-                <a16:creationId xmlns:a16="http://schemas.microsoft.com/office/drawing/2014/main" id="{F6601C89-436E-AD3C-AF5A-DEC59B995445}"/>
-              </a:ext>
-            </a:extLst>
-          </p:cNvPr>
-          <p:cNvSpPr>
-            <a:spLocks noGrp="1"/>
-          </p:cNvSpPr>
-          <p:nvPr>
-            <p:ph type="title"/>
-          </p:nvPr>
-        </p:nvSpPr>
-        <p:spPr/>
-        <p:txBody>
-          <a:bodyPr/>
-          <a:lstStyle/>
-          <a:p>
-            <a:r>
-              <a:rPr lang="en-US" b="1"/>
-              <a:t>Deployment</a:t>
-            </a:r>
-            <a:endParaRPr lang="tr-TR"/>
-          </a:p>
-        </p:txBody>
-      </p:sp>
-      <p:sp>
-        <p:nvSpPr>
-          <p:cNvPr id="3" name="Content Placeholder 2">
-            <a:extLst>
-              <a:ext uri="{FF2B5EF4-FFF2-40B4-BE49-F238E27FC236}">
-                <a16:creationId xmlns:a16="http://schemas.microsoft.com/office/drawing/2014/main" id="{9527CBB5-FCE1-A315-951E-ACBCC104C4CE}"/>
-              </a:ext>
-            </a:extLst>
-          </p:cNvPr>
-          <p:cNvSpPr>
-            <a:spLocks noGrp="1"/>
-          </p:cNvSpPr>
-          <p:nvPr>
-            <p:ph idx="1"/>
-          </p:nvPr>
-        </p:nvSpPr>
-        <p:spPr/>
-        <p:txBody>
-          <a:bodyPr>
-            <a:noAutofit/>
-          </a:bodyPr>
-          <a:lstStyle/>
-          <a:p>
-            <a:r>
-              <a:rPr lang="en-US" b="1" dirty="0"/>
-              <a:t>Deployment Plans:</a:t>
-            </a:r>
-          </a:p>
-          <a:p>
-            <a:pPr lvl="1"/>
-            <a:r>
-              <a:rPr lang="en-US" dirty="0"/>
-              <a:t>The refined model will be integrated into clinical diagnostic systems.</a:t>
-            </a:r>
-          </a:p>
-          <a:p>
-            <a:pPr lvl="1"/>
-            <a:r>
-              <a:rPr lang="en-US" dirty="0"/>
-              <a:t>Real-time classification of ECG signals will be enabled, potentially aiding in early detection of heart conditions.</a:t>
-            </a:r>
-          </a:p>
-          <a:p>
-            <a:pPr lvl="1"/>
-            <a:r>
-              <a:rPr lang="en-US" dirty="0"/>
-              <a:t>Deployment done with </a:t>
-            </a:r>
-            <a:r>
-              <a:rPr lang="en-US"/>
-              <a:t>streamlit.</a:t>
-            </a:r>
-            <a:endParaRPr lang="en-US" dirty="0"/>
-          </a:p>
-        </p:txBody>
-      </p:sp>
-      <p:sp>
-        <p:nvSpPr>
-          <p:cNvPr id="5" name="TextBox 4">
-            <a:extLst>
-              <a:ext uri="{FF2B5EF4-FFF2-40B4-BE49-F238E27FC236}">
-                <a16:creationId xmlns:a16="http://schemas.microsoft.com/office/drawing/2014/main" id="{82033EC6-A98C-FBBC-86AF-DA8BE8455201}"/>
-              </a:ext>
-            </a:extLst>
-          </p:cNvPr>
-          <p:cNvSpPr txBox="1"/>
-          <p:nvPr/>
-        </p:nvSpPr>
-        <p:spPr>
-          <a:xfrm>
-            <a:off x="88776" y="177553"/>
-            <a:ext cx="5066189" cy="276999"/>
-          </a:xfrm>
-          <a:prstGeom prst="rect">
-            <a:avLst/>
-          </a:prstGeom>
-          <a:noFill/>
-        </p:spPr>
-        <p:txBody>
-          <a:bodyPr rot="0" spcFirstLastPara="0" vertOverflow="overflow" horzOverflow="overflow" vert="horz" wrap="square" lIns="91440" tIns="45720" rIns="91440" bIns="45720" numCol="1" spcCol="0" rtlCol="0" fromWordArt="0" anchor="t" anchorCtr="0" forceAA="0" compatLnSpc="1">
-            <a:prstTxWarp prst="textNoShape">
-              <a:avLst/>
-            </a:prstTxWarp>
-            <a:spAutoFit/>
-          </a:bodyPr>
-          <a:lstStyle/>
-          <a:p>
-            <a:r>
-              <a:rPr lang="en-US" sz="1200" dirty="0">
-                <a:cs typeface="Calibri"/>
-              </a:rPr>
-              <a:t>Frontier Tech Leaders </a:t>
-            </a:r>
-            <a:r>
-              <a:rPr lang="en-US" sz="1200" err="1">
-                <a:cs typeface="Calibri"/>
-              </a:rPr>
-              <a:t>Programme</a:t>
-            </a:r>
-            <a:r>
-              <a:rPr lang="en-US" sz="1200" dirty="0">
-                <a:cs typeface="Calibri"/>
-              </a:rPr>
-              <a:t> Global Cohort 1</a:t>
-            </a:r>
-            <a:endParaRPr lang="en-US" sz="1200" dirty="0"/>
-          </a:p>
-        </p:txBody>
-      </p:sp>
-    </p:spTree>
-    <p:extLst>
-      <p:ext uri="{BB962C8B-B14F-4D97-AF65-F5344CB8AC3E}">
-        <p14:creationId xmlns:p14="http://schemas.microsoft.com/office/powerpoint/2010/main" val="4118007263"/>
       </p:ext>
     </p:extLst>
   </p:cSld>
@@ -17038,16 +19572,8 @@
           <a:lstStyle/>
           <a:p>
             <a:r>
-              <a:rPr lang="tr-TR" b="1" err="1"/>
-              <a:t>Future</a:t>
-            </a:r>
-            <a:r>
-              <a:rPr lang="tr-TR" b="1"/>
-              <a:t> </a:t>
-            </a:r>
-            <a:r>
-              <a:rPr lang="tr-TR" b="1" err="1"/>
-              <a:t>Work</a:t>
+              <a:rPr lang="en-US" b="1"/>
+              <a:t>Deployment</a:t>
             </a:r>
             <a:endParaRPr lang="tr-TR"/>
           </a:p>
@@ -17078,6 +19604,213 @@
           <a:p>
             <a:r>
               <a:rPr lang="en-US" b="1" dirty="0"/>
+              <a:t>Deployment Plans:</a:t>
+            </a:r>
+          </a:p>
+          <a:p>
+            <a:pPr lvl="1"/>
+            <a:r>
+              <a:rPr lang="en-US" dirty="0"/>
+              <a:t>The refined model will be integrated into clinical diagnostic systems.</a:t>
+            </a:r>
+          </a:p>
+          <a:p>
+            <a:pPr lvl="1"/>
+            <a:r>
+              <a:rPr lang="en-US" dirty="0"/>
+              <a:t>Real-time classification of ECG signals will be enabled, potentially aiding in early detection of heart conditions.</a:t>
+            </a:r>
+          </a:p>
+          <a:p>
+            <a:pPr lvl="1"/>
+            <a:r>
+              <a:rPr lang="en-US" dirty="0"/>
+              <a:t>Deployment done with </a:t>
+            </a:r>
+            <a:r>
+              <a:rPr lang="en-US" dirty="0" err="1"/>
+              <a:t>streamlit</a:t>
+            </a:r>
+            <a:r>
+              <a:rPr lang="en-US" dirty="0"/>
+              <a:t>, and you can access it via this link:</a:t>
+            </a:r>
+          </a:p>
+          <a:p>
+            <a:pPr lvl="1"/>
+            <a:r>
+              <a:rPr lang="en-US" dirty="0" err="1">
+                <a:hlinkClick r:id="rId2"/>
+              </a:rPr>
+              <a:t>Streamlit</a:t>
+            </a:r>
+            <a:r>
+              <a:rPr lang="en-US" dirty="0">
+                <a:hlinkClick r:id="rId2"/>
+              </a:rPr>
+              <a:t> (</a:t>
+            </a:r>
+            <a:r>
+              <a:rPr lang="en-US" dirty="0" err="1">
+                <a:hlinkClick r:id="rId2"/>
+              </a:rPr>
+              <a:t>ecgclassification.streamlit.app</a:t>
+            </a:r>
+            <a:r>
+              <a:rPr lang="en-US" dirty="0">
+                <a:hlinkClick r:id="rId2"/>
+              </a:rPr>
+              <a:t>)</a:t>
+            </a:r>
+            <a:endParaRPr lang="en-US" dirty="0"/>
+          </a:p>
+        </p:txBody>
+      </p:sp>
+      <p:sp>
+        <p:nvSpPr>
+          <p:cNvPr id="5" name="TextBox 4">
+            <a:extLst>
+              <a:ext uri="{FF2B5EF4-FFF2-40B4-BE49-F238E27FC236}">
+                <a16:creationId xmlns:a16="http://schemas.microsoft.com/office/drawing/2014/main" id="{82033EC6-A98C-FBBC-86AF-DA8BE8455201}"/>
+              </a:ext>
+            </a:extLst>
+          </p:cNvPr>
+          <p:cNvSpPr txBox="1"/>
+          <p:nvPr/>
+        </p:nvSpPr>
+        <p:spPr>
+          <a:xfrm>
+            <a:off x="88776" y="177553"/>
+            <a:ext cx="5066189" cy="276999"/>
+          </a:xfrm>
+          <a:prstGeom prst="rect">
+            <a:avLst/>
+          </a:prstGeom>
+          <a:noFill/>
+        </p:spPr>
+        <p:txBody>
+          <a:bodyPr rot="0" spcFirstLastPara="0" vertOverflow="overflow" horzOverflow="overflow" vert="horz" wrap="square" lIns="91440" tIns="45720" rIns="91440" bIns="45720" numCol="1" spcCol="0" rtlCol="0" fromWordArt="0" anchor="t" anchorCtr="0" forceAA="0" compatLnSpc="1">
+            <a:prstTxWarp prst="textNoShape">
+              <a:avLst/>
+            </a:prstTxWarp>
+            <a:spAutoFit/>
+          </a:bodyPr>
+          <a:lstStyle/>
+          <a:p>
+            <a:r>
+              <a:rPr lang="en-US" sz="1200" dirty="0">
+                <a:cs typeface="Calibri"/>
+              </a:rPr>
+              <a:t>Frontier Tech Leaders </a:t>
+            </a:r>
+            <a:r>
+              <a:rPr lang="en-US" sz="1200" err="1">
+                <a:cs typeface="Calibri"/>
+              </a:rPr>
+              <a:t>Programme</a:t>
+            </a:r>
+            <a:r>
+              <a:rPr lang="en-US" sz="1200" dirty="0">
+                <a:cs typeface="Calibri"/>
+              </a:rPr>
+              <a:t> Global Cohort 1</a:t>
+            </a:r>
+            <a:endParaRPr lang="en-US" sz="1200" dirty="0"/>
+          </a:p>
+        </p:txBody>
+      </p:sp>
+    </p:spTree>
+    <p:extLst>
+      <p:ext uri="{BB962C8B-B14F-4D97-AF65-F5344CB8AC3E}">
+        <p14:creationId xmlns:p14="http://schemas.microsoft.com/office/powerpoint/2010/main" val="4118007263"/>
+      </p:ext>
+    </p:extLst>
+  </p:cSld>
+  <p:clrMapOvr>
+    <a:masterClrMapping/>
+  </p:clrMapOvr>
+</p:sld>
+</file>
+
+<file path=ppt/slides/slide19.xml><?xml version="1.0" encoding="utf-8"?>
+<p:sld xmlns:a="http://schemas.openxmlformats.org/drawingml/2006/main" xmlns:r="http://schemas.openxmlformats.org/officeDocument/2006/relationships" xmlns:p="http://schemas.openxmlformats.org/presentationml/2006/main">
+  <p:cSld>
+    <p:spTree>
+      <p:nvGrpSpPr>
+        <p:cNvPr id="1" name=""/>
+        <p:cNvGrpSpPr/>
+        <p:nvPr/>
+      </p:nvGrpSpPr>
+      <p:grpSpPr>
+        <a:xfrm>
+          <a:off x="0" y="0"/>
+          <a:ext cx="0" cy="0"/>
+          <a:chOff x="0" y="0"/>
+          <a:chExt cx="0" cy="0"/>
+        </a:xfrm>
+      </p:grpSpPr>
+      <p:sp>
+        <p:nvSpPr>
+          <p:cNvPr id="2" name="Title 1">
+            <a:extLst>
+              <a:ext uri="{FF2B5EF4-FFF2-40B4-BE49-F238E27FC236}">
+                <a16:creationId xmlns:a16="http://schemas.microsoft.com/office/drawing/2014/main" id="{F6601C89-436E-AD3C-AF5A-DEC59B995445}"/>
+              </a:ext>
+            </a:extLst>
+          </p:cNvPr>
+          <p:cNvSpPr>
+            <a:spLocks noGrp="1"/>
+          </p:cNvSpPr>
+          <p:nvPr>
+            <p:ph type="title"/>
+          </p:nvPr>
+        </p:nvSpPr>
+        <p:spPr/>
+        <p:txBody>
+          <a:bodyPr/>
+          <a:lstStyle/>
+          <a:p>
+            <a:r>
+              <a:rPr lang="tr-TR" b="1" err="1"/>
+              <a:t>Future</a:t>
+            </a:r>
+            <a:r>
+              <a:rPr lang="tr-TR" b="1"/>
+              <a:t> </a:t>
+            </a:r>
+            <a:r>
+              <a:rPr lang="tr-TR" b="1" err="1"/>
+              <a:t>Work</a:t>
+            </a:r>
+            <a:endParaRPr lang="tr-TR"/>
+          </a:p>
+        </p:txBody>
+      </p:sp>
+      <p:sp>
+        <p:nvSpPr>
+          <p:cNvPr id="3" name="Content Placeholder 2">
+            <a:extLst>
+              <a:ext uri="{FF2B5EF4-FFF2-40B4-BE49-F238E27FC236}">
+                <a16:creationId xmlns:a16="http://schemas.microsoft.com/office/drawing/2014/main" id="{9527CBB5-FCE1-A315-951E-ACBCC104C4CE}"/>
+              </a:ext>
+            </a:extLst>
+          </p:cNvPr>
+          <p:cNvSpPr>
+            <a:spLocks noGrp="1"/>
+          </p:cNvSpPr>
+          <p:nvPr>
+            <p:ph idx="1"/>
+          </p:nvPr>
+        </p:nvSpPr>
+        <p:spPr/>
+        <p:txBody>
+          <a:bodyPr>
+            <a:noAutofit/>
+          </a:bodyPr>
+          <a:lstStyle/>
+          <a:p>
+            <a:r>
+              <a:rPr lang="en-US" b="1" dirty="0"/>
               <a:t>Next Steps:</a:t>
             </a:r>
           </a:p>
@@ -17085,15 +19818,7 @@
             <a:pPr lvl="1"/>
             <a:r>
               <a:rPr lang="en-US" sz="2800" dirty="0"/>
-              <a:t>Explore more advanced architectures like </a:t>
-            </a:r>
-            <a:r>
-              <a:rPr lang="en-US" sz="2800" dirty="0" err="1"/>
-              <a:t>EfficientNet</a:t>
-            </a:r>
-            <a:r>
-              <a:rPr lang="en-US" sz="2800" dirty="0"/>
-              <a:t> or </a:t>
+              <a:t>Explore more advanced architectures like Efficient Net or </a:t>
             </a:r>
             <a:r>
               <a:rPr lang="en-US" sz="2800" dirty="0" err="1"/>
@@ -17102,13 +19827,6 @@
             <a:r>
               <a:rPr lang="en-US" sz="2800" dirty="0"/>
               <a:t> for even better performance.</a:t>
-            </a:r>
-          </a:p>
-          <a:p>
-            <a:pPr lvl="1"/>
-            <a:r>
-              <a:rPr lang="en-US" sz="2800" dirty="0"/>
-              <a:t>Implement explainability methods (e.g., Grad-CAM) for transparency in medical diagnostics.</a:t>
             </a:r>
           </a:p>
           <a:p>
@@ -17193,7 +19911,371 @@
 </p:sld>
 </file>
 
-<file path=ppt/slides/slide19.xml><?xml version="1.0" encoding="utf-8"?>
+<file path=ppt/slides/slide2.xml><?xml version="1.0" encoding="utf-8"?>
+<p:sld xmlns:a="http://schemas.openxmlformats.org/drawingml/2006/main" xmlns:r="http://schemas.openxmlformats.org/officeDocument/2006/relationships" xmlns:p="http://schemas.openxmlformats.org/presentationml/2006/main">
+  <p:cSld>
+    <p:spTree>
+      <p:nvGrpSpPr>
+        <p:cNvPr id="1" name=""/>
+        <p:cNvGrpSpPr/>
+        <p:nvPr/>
+      </p:nvGrpSpPr>
+      <p:grpSpPr>
+        <a:xfrm>
+          <a:off x="0" y="0"/>
+          <a:ext cx="0" cy="0"/>
+          <a:chOff x="0" y="0"/>
+          <a:chExt cx="0" cy="0"/>
+        </a:xfrm>
+      </p:grpSpPr>
+      <p:sp>
+        <p:nvSpPr>
+          <p:cNvPr id="2" name="Title 1">
+            <a:extLst>
+              <a:ext uri="{FF2B5EF4-FFF2-40B4-BE49-F238E27FC236}">
+                <a16:creationId xmlns:a16="http://schemas.microsoft.com/office/drawing/2014/main" id="{F8646830-C736-B9F3-AD74-ED1BB96E0114}"/>
+              </a:ext>
+            </a:extLst>
+          </p:cNvPr>
+          <p:cNvSpPr>
+            <a:spLocks noGrp="1"/>
+          </p:cNvSpPr>
+          <p:nvPr>
+            <p:ph type="title"/>
+          </p:nvPr>
+        </p:nvSpPr>
+        <p:spPr/>
+        <p:txBody>
+          <a:bodyPr>
+            <a:normAutofit/>
+          </a:bodyPr>
+          <a:lstStyle/>
+          <a:p>
+            <a:r>
+              <a:rPr lang="tr-TR" dirty="0" err="1">
+                <a:solidFill>
+                  <a:schemeClr val="accent1"/>
+                </a:solidFill>
+                <a:cs typeface="Calibri Light"/>
+              </a:rPr>
+              <a:t>Outline</a:t>
+            </a:r>
+          </a:p>
+        </p:txBody>
+      </p:sp>
+      <p:sp>
+        <p:nvSpPr>
+          <p:cNvPr id="3" name="Content Placeholder 2">
+            <a:extLst>
+              <a:ext uri="{FF2B5EF4-FFF2-40B4-BE49-F238E27FC236}">
+                <a16:creationId xmlns:a16="http://schemas.microsoft.com/office/drawing/2014/main" id="{B2C6AF76-1D20-7B7F-2BC6-49C2EDDA6AB3}"/>
+              </a:ext>
+            </a:extLst>
+          </p:cNvPr>
+          <p:cNvSpPr>
+            <a:spLocks noGrp="1"/>
+          </p:cNvSpPr>
+          <p:nvPr>
+            <p:ph idx="1"/>
+          </p:nvPr>
+        </p:nvSpPr>
+        <p:spPr/>
+        <p:txBody>
+          <a:bodyPr anchor="t">
+            <a:noAutofit/>
+          </a:bodyPr>
+          <a:lstStyle/>
+          <a:p>
+            <a:r>
+              <a:rPr lang="en-US" sz="2000" dirty="0">
+                <a:cs typeface="Calibri"/>
+              </a:rPr>
+              <a:t>Concept note and implementation plan:</a:t>
+            </a:r>
+          </a:p>
+          <a:p>
+            <a:pPr lvl="1">
+              <a:buFont typeface="Courier New" panose="020B0604020202020204" pitchFamily="34" charset="0"/>
+              <a:buChar char="o"/>
+            </a:pPr>
+            <a:r>
+              <a:rPr lang="en-US" sz="2000" dirty="0">
+                <a:cs typeface="Calibri"/>
+              </a:rPr>
+              <a:t>Background</a:t>
+            </a:r>
+          </a:p>
+          <a:p>
+            <a:pPr lvl="1">
+              <a:buFont typeface="Courier New" panose="020B0604020202020204" pitchFamily="34" charset="0"/>
+              <a:buChar char="o"/>
+            </a:pPr>
+            <a:r>
+              <a:rPr lang="en-US" sz="2000" dirty="0">
+                <a:cs typeface="Calibri"/>
+              </a:rPr>
+              <a:t>Objectives</a:t>
+            </a:r>
+          </a:p>
+          <a:p>
+            <a:pPr lvl="1">
+              <a:buFont typeface="Courier New" panose="020B0604020202020204" pitchFamily="34" charset="0"/>
+              <a:buChar char="o"/>
+            </a:pPr>
+            <a:r>
+              <a:rPr lang="en-US" sz="2000" dirty="0">
+                <a:cs typeface="Calibri"/>
+              </a:rPr>
+              <a:t>SDG Relation</a:t>
+            </a:r>
+          </a:p>
+          <a:p>
+            <a:r>
+              <a:rPr lang="en-US" sz="2000" dirty="0">
+                <a:cs typeface="Calibri"/>
+              </a:rPr>
+              <a:t>Data</a:t>
+            </a:r>
+          </a:p>
+          <a:p>
+            <a:pPr lvl="1"/>
+            <a:r>
+              <a:rPr lang="en-US" sz="2000" dirty="0">
+                <a:solidFill>
+                  <a:srgbClr val="FFFFFF"/>
+                </a:solidFill>
+                <a:ea typeface="+mn-lt"/>
+                <a:cs typeface="Calibri"/>
+              </a:rPr>
+              <a:t>Data Collection</a:t>
+            </a:r>
+          </a:p>
+          <a:p>
+            <a:pPr lvl="1"/>
+            <a:r>
+              <a:rPr lang="en-US" sz="2000" dirty="0">
+                <a:solidFill>
+                  <a:srgbClr val="FFFFFF"/>
+                </a:solidFill>
+                <a:ea typeface="+mn-lt"/>
+                <a:cs typeface="+mn-lt"/>
+              </a:rPr>
+              <a:t>Exploratory Data Analysis (EDA) and Feature Engineering</a:t>
+            </a:r>
+          </a:p>
+          <a:p>
+            <a:r>
+              <a:rPr lang="en-US" sz="2000" dirty="0">
+                <a:solidFill>
+                  <a:srgbClr val="FFFFFF"/>
+                </a:solidFill>
+                <a:ea typeface="+mn-lt"/>
+                <a:cs typeface="+mn-lt"/>
+              </a:rPr>
+              <a:t>Model Selection and Training</a:t>
+            </a:r>
+          </a:p>
+          <a:p>
+            <a:pPr lvl="1"/>
+            <a:r>
+              <a:rPr lang="en-US" sz="2000" dirty="0">
+                <a:solidFill>
+                  <a:srgbClr val="FFFFFF"/>
+                </a:solidFill>
+                <a:ea typeface="+mn-lt"/>
+                <a:cs typeface="+mn-lt"/>
+              </a:rPr>
+              <a:t>Model Evaluation and Hyperparameter Tuning</a:t>
+            </a:r>
+          </a:p>
+          <a:p>
+            <a:pPr lvl="1"/>
+            <a:r>
+              <a:rPr lang="en-US" sz="2000" dirty="0">
+                <a:solidFill>
+                  <a:srgbClr val="FFFFFF"/>
+                </a:solidFill>
+                <a:ea typeface="+mn-lt"/>
+                <a:cs typeface="+mn-lt"/>
+              </a:rPr>
+              <a:t>Model Refinement and Testing</a:t>
+            </a:r>
+          </a:p>
+          <a:p>
+            <a:r>
+              <a:rPr lang="en-US" sz="2000" dirty="0">
+                <a:solidFill>
+                  <a:srgbClr val="FFFFFF"/>
+                </a:solidFill>
+                <a:ea typeface="+mn-lt"/>
+                <a:cs typeface="+mn-lt"/>
+              </a:rPr>
+              <a:t>Results</a:t>
+            </a:r>
+          </a:p>
+          <a:p>
+            <a:r>
+              <a:rPr lang="en-US" sz="2000" dirty="0">
+                <a:solidFill>
+                  <a:srgbClr val="FFFFFF"/>
+                </a:solidFill>
+                <a:ea typeface="+mn-lt"/>
+                <a:cs typeface="+mn-lt"/>
+              </a:rPr>
+              <a:t>Deployment</a:t>
+            </a:r>
+          </a:p>
+          <a:p>
+            <a:r>
+              <a:rPr lang="en-US" sz="2000" dirty="0">
+                <a:solidFill>
+                  <a:srgbClr val="FFFFFF"/>
+                </a:solidFill>
+                <a:ea typeface="+mn-lt"/>
+                <a:cs typeface="+mn-lt"/>
+              </a:rPr>
+              <a:t>Future Work</a:t>
+            </a:r>
+          </a:p>
+          <a:p>
+            <a:pPr marL="0" indent="0">
+              <a:buNone/>
+            </a:pPr>
+            <a:endParaRPr lang="en-US" dirty="0">
+              <a:solidFill>
+                <a:srgbClr val="FFFFFF"/>
+              </a:solidFill>
+              <a:ea typeface="+mn-lt"/>
+              <a:cs typeface="+mn-lt"/>
+            </a:endParaRPr>
+          </a:p>
+        </p:txBody>
+      </p:sp>
+      <p:sp>
+        <p:nvSpPr>
+          <p:cNvPr id="7" name="Circle: Hollow 6" hidden="1">
+            <a:extLst>
+              <a:ext uri="{FF2B5EF4-FFF2-40B4-BE49-F238E27FC236}">
+                <a16:creationId xmlns:a16="http://schemas.microsoft.com/office/drawing/2014/main" id="{F3DDA129-2FF3-9CDB-B867-3EF91E276EDD}"/>
+              </a:ext>
+            </a:extLst>
+          </p:cNvPr>
+          <p:cNvSpPr/>
+          <p:nvPr/>
+        </p:nvSpPr>
+        <p:spPr>
+          <a:xfrm>
+            <a:off x="6689477" y="1552059"/>
+            <a:ext cx="4664324" cy="4617748"/>
+          </a:xfrm>
+          <a:prstGeom prst="donut">
+            <a:avLst>
+              <a:gd name="adj" fmla="val 7961"/>
+            </a:avLst>
+          </a:prstGeom>
+          <a:solidFill>
+            <a:srgbClr val="2B2551"/>
+          </a:solidFill>
+          <a:ln>
+            <a:noFill/>
+          </a:ln>
+        </p:spPr>
+        <p:style>
+          <a:lnRef idx="2">
+            <a:schemeClr val="accent1">
+              <a:shade val="50000"/>
+            </a:schemeClr>
+          </a:lnRef>
+          <a:fillRef idx="1">
+            <a:schemeClr val="accent1"/>
+          </a:fillRef>
+          <a:effectRef idx="0">
+            <a:schemeClr val="accent1"/>
+          </a:effectRef>
+          <a:fontRef idx="minor">
+            <a:schemeClr val="lt1"/>
+          </a:fontRef>
+        </p:style>
+        <p:txBody>
+          <a:bodyPr rtlCol="0" anchor="ctr"/>
+          <a:lstStyle/>
+          <a:p>
+            <a:pPr algn="ctr"/>
+            <a:endParaRPr lang="en-US">
+              <a:solidFill>
+                <a:schemeClr val="tx1"/>
+              </a:solidFill>
+            </a:endParaRPr>
+          </a:p>
+        </p:txBody>
+      </p:sp>
+      <p:sp>
+        <p:nvSpPr>
+          <p:cNvPr id="8" name="TextBox 7">
+            <a:extLst>
+              <a:ext uri="{FF2B5EF4-FFF2-40B4-BE49-F238E27FC236}">
+                <a16:creationId xmlns:a16="http://schemas.microsoft.com/office/drawing/2014/main" id="{68D8702D-3810-95EE-921B-5D1FEB39E81E}"/>
+              </a:ext>
+            </a:extLst>
+          </p:cNvPr>
+          <p:cNvSpPr txBox="1"/>
+          <p:nvPr/>
+        </p:nvSpPr>
+        <p:spPr>
+          <a:xfrm>
+            <a:off x="88776" y="177553"/>
+            <a:ext cx="5066189" cy="276999"/>
+          </a:xfrm>
+          <a:prstGeom prst="rect">
+            <a:avLst/>
+          </a:prstGeom>
+          <a:noFill/>
+        </p:spPr>
+        <p:txBody>
+          <a:bodyPr rot="0" spcFirstLastPara="0" vertOverflow="overflow" horzOverflow="overflow" vert="horz" wrap="square" lIns="91440" tIns="45720" rIns="91440" bIns="45720" numCol="1" spcCol="0" rtlCol="0" fromWordArt="0" anchor="t" anchorCtr="0" forceAA="0" compatLnSpc="1">
+            <a:prstTxWarp prst="textNoShape">
+              <a:avLst/>
+            </a:prstTxWarp>
+            <a:spAutoFit/>
+          </a:bodyPr>
+          <a:lstStyle/>
+          <a:p>
+            <a:r>
+              <a:rPr lang="en-US" sz="1200" dirty="0">
+                <a:cs typeface="Calibri"/>
+              </a:rPr>
+              <a:t>Frontier Tech Leaders </a:t>
+            </a:r>
+            <a:r>
+              <a:rPr lang="en-US" sz="1200" err="1">
+                <a:cs typeface="Calibri"/>
+              </a:rPr>
+              <a:t>Programme</a:t>
+            </a:r>
+            <a:r>
+              <a:rPr lang="en-US" sz="1200" dirty="0">
+                <a:cs typeface="Calibri"/>
+              </a:rPr>
+              <a:t> Global Cohort 1</a:t>
+            </a:r>
+            <a:endParaRPr lang="en-US" sz="1200" dirty="0"/>
+          </a:p>
+        </p:txBody>
+      </p:sp>
+    </p:spTree>
+    <p:extLst>
+      <p:ext uri="{BB962C8B-B14F-4D97-AF65-F5344CB8AC3E}">
+        <p14:creationId xmlns:p14="http://schemas.microsoft.com/office/powerpoint/2010/main" val="2629373150"/>
+      </p:ext>
+    </p:extLst>
+  </p:cSld>
+  <p:clrMapOvr>
+    <a:masterClrMapping/>
+  </p:clrMapOvr>
+</p:sld>
+</file>
+
+<file path=ppt/slides/slide20.xml><?xml version="1.0" encoding="utf-8"?>
 <p:sld xmlns:a="http://schemas.openxmlformats.org/drawingml/2006/main" xmlns:r="http://schemas.openxmlformats.org/officeDocument/2006/relationships" xmlns:p="http://schemas.openxmlformats.org/presentationml/2006/main">
   <p:cSld>
     <p:spTree>
@@ -17740,371 +20822,7 @@
 </p:sld>
 </file>
 
-<file path=ppt/slides/slide2.xml><?xml version="1.0" encoding="utf-8"?>
-<p:sld xmlns:a="http://schemas.openxmlformats.org/drawingml/2006/main" xmlns:r="http://schemas.openxmlformats.org/officeDocument/2006/relationships" xmlns:p="http://schemas.openxmlformats.org/presentationml/2006/main">
-  <p:cSld>
-    <p:spTree>
-      <p:nvGrpSpPr>
-        <p:cNvPr id="1" name=""/>
-        <p:cNvGrpSpPr/>
-        <p:nvPr/>
-      </p:nvGrpSpPr>
-      <p:grpSpPr>
-        <a:xfrm>
-          <a:off x="0" y="0"/>
-          <a:ext cx="0" cy="0"/>
-          <a:chOff x="0" y="0"/>
-          <a:chExt cx="0" cy="0"/>
-        </a:xfrm>
-      </p:grpSpPr>
-      <p:sp>
-        <p:nvSpPr>
-          <p:cNvPr id="2" name="Title 1">
-            <a:extLst>
-              <a:ext uri="{FF2B5EF4-FFF2-40B4-BE49-F238E27FC236}">
-                <a16:creationId xmlns:a16="http://schemas.microsoft.com/office/drawing/2014/main" id="{F8646830-C736-B9F3-AD74-ED1BB96E0114}"/>
-              </a:ext>
-            </a:extLst>
-          </p:cNvPr>
-          <p:cNvSpPr>
-            <a:spLocks noGrp="1"/>
-          </p:cNvSpPr>
-          <p:nvPr>
-            <p:ph type="title"/>
-          </p:nvPr>
-        </p:nvSpPr>
-        <p:spPr/>
-        <p:txBody>
-          <a:bodyPr>
-            <a:normAutofit/>
-          </a:bodyPr>
-          <a:lstStyle/>
-          <a:p>
-            <a:r>
-              <a:rPr lang="tr-TR" dirty="0" err="1">
-                <a:solidFill>
-                  <a:schemeClr val="accent1"/>
-                </a:solidFill>
-                <a:cs typeface="Calibri Light"/>
-              </a:rPr>
-              <a:t>Outline</a:t>
-            </a:r>
-          </a:p>
-        </p:txBody>
-      </p:sp>
-      <p:sp>
-        <p:nvSpPr>
-          <p:cNvPr id="3" name="Content Placeholder 2">
-            <a:extLst>
-              <a:ext uri="{FF2B5EF4-FFF2-40B4-BE49-F238E27FC236}">
-                <a16:creationId xmlns:a16="http://schemas.microsoft.com/office/drawing/2014/main" id="{B2C6AF76-1D20-7B7F-2BC6-49C2EDDA6AB3}"/>
-              </a:ext>
-            </a:extLst>
-          </p:cNvPr>
-          <p:cNvSpPr>
-            <a:spLocks noGrp="1"/>
-          </p:cNvSpPr>
-          <p:nvPr>
-            <p:ph idx="1"/>
-          </p:nvPr>
-        </p:nvSpPr>
-        <p:spPr/>
-        <p:txBody>
-          <a:bodyPr anchor="t">
-            <a:noAutofit/>
-          </a:bodyPr>
-          <a:lstStyle/>
-          <a:p>
-            <a:r>
-              <a:rPr lang="en-US" sz="2000" dirty="0">
-                <a:cs typeface="Calibri"/>
-              </a:rPr>
-              <a:t>Concept note and implementation plan:</a:t>
-            </a:r>
-          </a:p>
-          <a:p>
-            <a:pPr lvl="1">
-              <a:buFont typeface="Courier New" panose="020B0604020202020204" pitchFamily="34" charset="0"/>
-              <a:buChar char="o"/>
-            </a:pPr>
-            <a:r>
-              <a:rPr lang="en-US" sz="2000" dirty="0">
-                <a:cs typeface="Calibri"/>
-              </a:rPr>
-              <a:t>Background</a:t>
-            </a:r>
-          </a:p>
-          <a:p>
-            <a:pPr lvl="1">
-              <a:buFont typeface="Courier New" panose="020B0604020202020204" pitchFamily="34" charset="0"/>
-              <a:buChar char="o"/>
-            </a:pPr>
-            <a:r>
-              <a:rPr lang="en-US" sz="2000" dirty="0">
-                <a:cs typeface="Calibri"/>
-              </a:rPr>
-              <a:t>Objectives</a:t>
-            </a:r>
-          </a:p>
-          <a:p>
-            <a:pPr lvl="1">
-              <a:buFont typeface="Courier New" panose="020B0604020202020204" pitchFamily="34" charset="0"/>
-              <a:buChar char="o"/>
-            </a:pPr>
-            <a:r>
-              <a:rPr lang="en-US" sz="2000" dirty="0">
-                <a:cs typeface="Calibri"/>
-              </a:rPr>
-              <a:t>SDG Relation</a:t>
-            </a:r>
-          </a:p>
-          <a:p>
-            <a:r>
-              <a:rPr lang="en-US" sz="2000" dirty="0">
-                <a:cs typeface="Calibri"/>
-              </a:rPr>
-              <a:t>Data</a:t>
-            </a:r>
-          </a:p>
-          <a:p>
-            <a:pPr lvl="1"/>
-            <a:r>
-              <a:rPr lang="en-US" sz="2000" dirty="0">
-                <a:solidFill>
-                  <a:srgbClr val="FFFFFF"/>
-                </a:solidFill>
-                <a:ea typeface="+mn-lt"/>
-                <a:cs typeface="Calibri"/>
-              </a:rPr>
-              <a:t>Data Collection</a:t>
-            </a:r>
-          </a:p>
-          <a:p>
-            <a:pPr lvl="1"/>
-            <a:r>
-              <a:rPr lang="en-US" sz="2000" dirty="0">
-                <a:solidFill>
-                  <a:srgbClr val="FFFFFF"/>
-                </a:solidFill>
-                <a:ea typeface="+mn-lt"/>
-                <a:cs typeface="+mn-lt"/>
-              </a:rPr>
-              <a:t>Exploratory Data Analysis (EDA) and Feature Engineering</a:t>
-            </a:r>
-          </a:p>
-          <a:p>
-            <a:r>
-              <a:rPr lang="en-US" sz="2000" dirty="0">
-                <a:solidFill>
-                  <a:srgbClr val="FFFFFF"/>
-                </a:solidFill>
-                <a:ea typeface="+mn-lt"/>
-                <a:cs typeface="+mn-lt"/>
-              </a:rPr>
-              <a:t>Model Selection and Training</a:t>
-            </a:r>
-          </a:p>
-          <a:p>
-            <a:pPr lvl="1"/>
-            <a:r>
-              <a:rPr lang="en-US" sz="2000" dirty="0">
-                <a:solidFill>
-                  <a:srgbClr val="FFFFFF"/>
-                </a:solidFill>
-                <a:ea typeface="+mn-lt"/>
-                <a:cs typeface="+mn-lt"/>
-              </a:rPr>
-              <a:t>Model Evaluation and Hyperparameter Tuning</a:t>
-            </a:r>
-          </a:p>
-          <a:p>
-            <a:pPr lvl="1"/>
-            <a:r>
-              <a:rPr lang="en-US" sz="2000" dirty="0">
-                <a:solidFill>
-                  <a:srgbClr val="FFFFFF"/>
-                </a:solidFill>
-                <a:ea typeface="+mn-lt"/>
-                <a:cs typeface="+mn-lt"/>
-              </a:rPr>
-              <a:t>Model Refinement and Testing</a:t>
-            </a:r>
-          </a:p>
-          <a:p>
-            <a:r>
-              <a:rPr lang="en-US" sz="2000" dirty="0">
-                <a:solidFill>
-                  <a:srgbClr val="FFFFFF"/>
-                </a:solidFill>
-                <a:ea typeface="+mn-lt"/>
-                <a:cs typeface="+mn-lt"/>
-              </a:rPr>
-              <a:t>Results</a:t>
-            </a:r>
-          </a:p>
-          <a:p>
-            <a:r>
-              <a:rPr lang="en-US" sz="2000" dirty="0">
-                <a:solidFill>
-                  <a:srgbClr val="FFFFFF"/>
-                </a:solidFill>
-                <a:ea typeface="+mn-lt"/>
-                <a:cs typeface="+mn-lt"/>
-              </a:rPr>
-              <a:t>Deployment</a:t>
-            </a:r>
-          </a:p>
-          <a:p>
-            <a:r>
-              <a:rPr lang="en-US" sz="2000" dirty="0">
-                <a:solidFill>
-                  <a:srgbClr val="FFFFFF"/>
-                </a:solidFill>
-                <a:ea typeface="+mn-lt"/>
-                <a:cs typeface="+mn-lt"/>
-              </a:rPr>
-              <a:t>Future Work</a:t>
-            </a:r>
-          </a:p>
-          <a:p>
-            <a:pPr marL="0" indent="0">
-              <a:buNone/>
-            </a:pPr>
-            <a:endParaRPr lang="en-US" dirty="0">
-              <a:solidFill>
-                <a:srgbClr val="FFFFFF"/>
-              </a:solidFill>
-              <a:ea typeface="+mn-lt"/>
-              <a:cs typeface="+mn-lt"/>
-            </a:endParaRPr>
-          </a:p>
-        </p:txBody>
-      </p:sp>
-      <p:sp>
-        <p:nvSpPr>
-          <p:cNvPr id="7" name="Circle: Hollow 6" hidden="1">
-            <a:extLst>
-              <a:ext uri="{FF2B5EF4-FFF2-40B4-BE49-F238E27FC236}">
-                <a16:creationId xmlns:a16="http://schemas.microsoft.com/office/drawing/2014/main" id="{F3DDA129-2FF3-9CDB-B867-3EF91E276EDD}"/>
-              </a:ext>
-            </a:extLst>
-          </p:cNvPr>
-          <p:cNvSpPr/>
-          <p:nvPr/>
-        </p:nvSpPr>
-        <p:spPr>
-          <a:xfrm>
-            <a:off x="6689477" y="1552059"/>
-            <a:ext cx="4664324" cy="4617748"/>
-          </a:xfrm>
-          <a:prstGeom prst="donut">
-            <a:avLst>
-              <a:gd name="adj" fmla="val 7961"/>
-            </a:avLst>
-          </a:prstGeom>
-          <a:solidFill>
-            <a:srgbClr val="2B2551"/>
-          </a:solidFill>
-          <a:ln>
-            <a:noFill/>
-          </a:ln>
-        </p:spPr>
-        <p:style>
-          <a:lnRef idx="2">
-            <a:schemeClr val="accent1">
-              <a:shade val="50000"/>
-            </a:schemeClr>
-          </a:lnRef>
-          <a:fillRef idx="1">
-            <a:schemeClr val="accent1"/>
-          </a:fillRef>
-          <a:effectRef idx="0">
-            <a:schemeClr val="accent1"/>
-          </a:effectRef>
-          <a:fontRef idx="minor">
-            <a:schemeClr val="lt1"/>
-          </a:fontRef>
-        </p:style>
-        <p:txBody>
-          <a:bodyPr rtlCol="0" anchor="ctr"/>
-          <a:lstStyle/>
-          <a:p>
-            <a:pPr algn="ctr"/>
-            <a:endParaRPr lang="en-US">
-              <a:solidFill>
-                <a:schemeClr val="tx1"/>
-              </a:solidFill>
-            </a:endParaRPr>
-          </a:p>
-        </p:txBody>
-      </p:sp>
-      <p:sp>
-        <p:nvSpPr>
-          <p:cNvPr id="8" name="TextBox 7">
-            <a:extLst>
-              <a:ext uri="{FF2B5EF4-FFF2-40B4-BE49-F238E27FC236}">
-                <a16:creationId xmlns:a16="http://schemas.microsoft.com/office/drawing/2014/main" id="{68D8702D-3810-95EE-921B-5D1FEB39E81E}"/>
-              </a:ext>
-            </a:extLst>
-          </p:cNvPr>
-          <p:cNvSpPr txBox="1"/>
-          <p:nvPr/>
-        </p:nvSpPr>
-        <p:spPr>
-          <a:xfrm>
-            <a:off x="88776" y="177553"/>
-            <a:ext cx="5066189" cy="276999"/>
-          </a:xfrm>
-          <a:prstGeom prst="rect">
-            <a:avLst/>
-          </a:prstGeom>
-          <a:noFill/>
-        </p:spPr>
-        <p:txBody>
-          <a:bodyPr rot="0" spcFirstLastPara="0" vertOverflow="overflow" horzOverflow="overflow" vert="horz" wrap="square" lIns="91440" tIns="45720" rIns="91440" bIns="45720" numCol="1" spcCol="0" rtlCol="0" fromWordArt="0" anchor="t" anchorCtr="0" forceAA="0" compatLnSpc="1">
-            <a:prstTxWarp prst="textNoShape">
-              <a:avLst/>
-            </a:prstTxWarp>
-            <a:spAutoFit/>
-          </a:bodyPr>
-          <a:lstStyle/>
-          <a:p>
-            <a:r>
-              <a:rPr lang="en-US" sz="1200" dirty="0">
-                <a:cs typeface="Calibri"/>
-              </a:rPr>
-              <a:t>Frontier Tech Leaders </a:t>
-            </a:r>
-            <a:r>
-              <a:rPr lang="en-US" sz="1200" err="1">
-                <a:cs typeface="Calibri"/>
-              </a:rPr>
-              <a:t>Programme</a:t>
-            </a:r>
-            <a:r>
-              <a:rPr lang="en-US" sz="1200" dirty="0">
-                <a:cs typeface="Calibri"/>
-              </a:rPr>
-              <a:t> Global Cohort 1</a:t>
-            </a:r>
-            <a:endParaRPr lang="en-US" sz="1200" dirty="0"/>
-          </a:p>
-        </p:txBody>
-      </p:sp>
-    </p:spTree>
-    <p:extLst>
-      <p:ext uri="{BB962C8B-B14F-4D97-AF65-F5344CB8AC3E}">
-        <p14:creationId xmlns:p14="http://schemas.microsoft.com/office/powerpoint/2010/main" val="2629373150"/>
-      </p:ext>
-    </p:extLst>
-  </p:cSld>
-  <p:clrMapOvr>
-    <a:masterClrMapping/>
-  </p:clrMapOvr>
-</p:sld>
-</file>
-
-<file path=ppt/slides/slide20.xml><?xml version="1.0" encoding="utf-8"?>
+<file path=ppt/slides/slide21.xml><?xml version="1.0" encoding="utf-8"?>
 <p:sld xmlns:a="http://schemas.openxmlformats.org/drawingml/2006/main" xmlns:r="http://schemas.openxmlformats.org/officeDocument/2006/relationships" xmlns:p="http://schemas.openxmlformats.org/presentationml/2006/main">
   <p:cSld>
     <p:spTree>
@@ -21352,6 +24070,15 @@
 </file>
 
 <file path=customXml/item1.xml><?xml version="1.0" encoding="utf-8"?>
+<?mso-contentType ?>
+<FormTemplates xmlns="http://schemas.microsoft.com/sharepoint/v3/contenttype/forms">
+  <Display>DocumentLibraryForm</Display>
+  <Edit>DocumentLibraryForm</Edit>
+  <New>DocumentLibraryForm</New>
+</FormTemplates>
+</file>
+
+<file path=customXml/item2.xml><?xml version="1.0" encoding="utf-8"?>
 <ct:contentTypeSchema xmlns:ct="http://schemas.microsoft.com/office/2006/metadata/contentType" xmlns:ma="http://schemas.microsoft.com/office/2006/metadata/properties/metaAttributes" ct:_="" ma:_="" ma:contentTypeName="Document" ma:contentTypeID="0x010100CFD09C42E8C23742B9E074A3CA081CCE" ma:contentTypeVersion="10" ma:contentTypeDescription="Create a new document." ma:contentTypeScope="" ma:versionID="ca3976c2db7ffb7ece117251890e0751">
   <xsd:schema xmlns:xsd="http://www.w3.org/2001/XMLSchema" xmlns:xs="http://www.w3.org/2001/XMLSchema" xmlns:p="http://schemas.microsoft.com/office/2006/metadata/properties" xmlns:ns2="089bc397-8023-43b3-aca1-460fd2a87427" xmlns:ns3="8add6d38-482c-4231-ad61-5f80979d88f9" targetNamespace="http://schemas.microsoft.com/office/2006/metadata/properties" ma:root="true" ma:fieldsID="acd57a2ff35cab461f5b23b004bee2d1" ns2:_="" ns3:_="">
     <xsd:import namespace="089bc397-8023-43b3-aca1-460fd2a87427"/>
@@ -21552,15 +24279,6 @@
 </ct:contentTypeSchema>
 </file>
 
-<file path=customXml/item2.xml><?xml version="1.0" encoding="utf-8"?>
-<?mso-contentType ?>
-<FormTemplates xmlns="http://schemas.microsoft.com/sharepoint/v3/contenttype/forms">
-  <Display>DocumentLibraryForm</Display>
-  <Edit>DocumentLibraryForm</Edit>
-  <New>DocumentLibraryForm</New>
-</FormTemplates>
-</file>
-
 <file path=customXml/item3.xml><?xml version="1.0" encoding="utf-8"?>
 <p:properties xmlns:p="http://schemas.microsoft.com/office/2006/metadata/properties" xmlns:xsi="http://www.w3.org/2001/XMLSchema-instance" xmlns:pc="http://schemas.microsoft.com/office/infopath/2007/PartnerControls">
   <documentManagement>
@@ -21576,6 +24294,14 @@
 </file>
 
 <file path=customXml/itemProps1.xml><?xml version="1.0" encoding="utf-8"?>
+<ds:datastoreItem xmlns:ds="http://schemas.openxmlformats.org/officeDocument/2006/customXml" ds:itemID="{1673DD53-6A06-4588-9E9A-777572FF2106}">
+  <ds:schemaRefs>
+    <ds:schemaRef ds:uri="http://schemas.microsoft.com/sharepoint/v3/contenttype/forms"/>
+  </ds:schemaRefs>
+</ds:datastoreItem>
+</file>
+
+<file path=customXml/itemProps2.xml><?xml version="1.0" encoding="utf-8"?>
 <ds:datastoreItem xmlns:ds="http://schemas.openxmlformats.org/officeDocument/2006/customXml" ds:itemID="{D3BD1963-0221-4001-B65F-5B9E7AC8D557}">
   <ds:schemaRefs>
     <ds:schemaRef ds:uri="http://schemas.microsoft.com/office/2006/metadata/contentType"/>
@@ -21590,14 +24316,6 @@
     <ds:schemaRef ds:uri="http://purl.org/dc/elements/1.1/"/>
     <ds:schemaRef ds:uri="http://purl.org/dc/terms/"/>
     <ds:schemaRef ds:uri="http://schemas.microsoft.com/internal/obd"/>
-  </ds:schemaRefs>
-</ds:datastoreItem>
-</file>
-
-<file path=customXml/itemProps2.xml><?xml version="1.0" encoding="utf-8"?>
-<ds:datastoreItem xmlns:ds="http://schemas.openxmlformats.org/officeDocument/2006/customXml" ds:itemID="{1673DD53-6A06-4588-9E9A-777572FF2106}">
-  <ds:schemaRefs>
-    <ds:schemaRef ds:uri="http://schemas.microsoft.com/sharepoint/v3/contenttype/forms"/>
   </ds:schemaRefs>
 </ds:datastoreItem>
 </file>
